--- a/022_91893+_+91897+Documentation.pptx
+++ b/022_91893+_+91897+Documentation.pptx
@@ -269,13 +269,68 @@
 <file path=ppt/revisionInfo.xml><?xml version="1.0" encoding="utf-8"?>
 <p1510:revInfo xmlns:a="http://schemas.openxmlformats.org/drawingml/2006/main" xmlns:r="http://schemas.openxmlformats.org/officeDocument/2006/relationships" xmlns:p1510="http://schemas.microsoft.com/office/powerpoint/2015/10/main">
   <p1510:revLst>
-    <p1510:client id="{4F71BE14-C53D-0861-4E1D-406D0C4E55B4}" v="10" dt="2022-02-05T23:55:44.511"/>
+    <p1510:client id="{159DA90F-DD34-45EF-96B3-FC6778599D65}" v="1" dt="2023-05-07T23:47:53.495"/>
   </p1510:revLst>
 </p1510:revInfo>
 </file>
 
 <file path=ppt/changesInfos/changesInfo1.xml><?xml version="1.0" encoding="utf-8"?>
 <pc:chgInfo xmlns:a="http://schemas.openxmlformats.org/drawingml/2006/main" xmlns:r="http://schemas.openxmlformats.org/officeDocument/2006/relationships" xmlns:ac="http://schemas.microsoft.com/office/drawing/2013/main/command" xmlns:pc="http://schemas.microsoft.com/office/powerpoint/2013/main/command">
+  <pc:docChgLst>
+    <pc:chgData name="Luka Timmermans" userId="4364fd2f-d475-40f9-8f47-058a32a73bfe" providerId="ADAL" clId="{159DA90F-DD34-45EF-96B3-FC6778599D65}"/>
+    <pc:docChg chg="custSel modSld">
+      <pc:chgData name="Luka Timmermans" userId="4364fd2f-d475-40f9-8f47-058a32a73bfe" providerId="ADAL" clId="{159DA90F-DD34-45EF-96B3-FC6778599D65}" dt="2023-05-07T23:49:45.422" v="9" actId="14100"/>
+      <pc:docMkLst>
+        <pc:docMk/>
+      </pc:docMkLst>
+      <pc:sldChg chg="modSp mod">
+        <pc:chgData name="Luka Timmermans" userId="4364fd2f-d475-40f9-8f47-058a32a73bfe" providerId="ADAL" clId="{159DA90F-DD34-45EF-96B3-FC6778599D65}" dt="2023-05-07T23:47:53.478" v="4" actId="20577"/>
+        <pc:sldMkLst>
+          <pc:docMk/>
+          <pc:sldMk cId="0" sldId="256"/>
+        </pc:sldMkLst>
+        <pc:spChg chg="mod">
+          <ac:chgData name="Luka Timmermans" userId="4364fd2f-d475-40f9-8f47-058a32a73bfe" providerId="ADAL" clId="{159DA90F-DD34-45EF-96B3-FC6778599D65}" dt="2023-05-07T23:47:53.478" v="4" actId="20577"/>
+          <ac:spMkLst>
+            <pc:docMk/>
+            <pc:sldMk cId="0" sldId="256"/>
+            <ac:spMk id="55" creationId="{00000000-0000-0000-0000-000000000000}"/>
+          </ac:spMkLst>
+        </pc:spChg>
+      </pc:sldChg>
+      <pc:sldChg chg="addSp delSp modSp mod">
+        <pc:chgData name="Luka Timmermans" userId="4364fd2f-d475-40f9-8f47-058a32a73bfe" providerId="ADAL" clId="{159DA90F-DD34-45EF-96B3-FC6778599D65}" dt="2023-05-07T23:49:45.422" v="9" actId="14100"/>
+        <pc:sldMkLst>
+          <pc:docMk/>
+          <pc:sldMk cId="0" sldId="258"/>
+        </pc:sldMkLst>
+        <pc:spChg chg="add mod">
+          <ac:chgData name="Luka Timmermans" userId="4364fd2f-d475-40f9-8f47-058a32a73bfe" providerId="ADAL" clId="{159DA90F-DD34-45EF-96B3-FC6778599D65}" dt="2023-05-07T23:49:31.707" v="5" actId="478"/>
+          <ac:spMkLst>
+            <pc:docMk/>
+            <pc:sldMk cId="0" sldId="258"/>
+            <ac:spMk id="3" creationId="{7ADBC862-B533-7A7F-BCCD-27CAD7DFF8B8}"/>
+          </ac:spMkLst>
+        </pc:spChg>
+        <pc:spChg chg="del">
+          <ac:chgData name="Luka Timmermans" userId="4364fd2f-d475-40f9-8f47-058a32a73bfe" providerId="ADAL" clId="{159DA90F-DD34-45EF-96B3-FC6778599D65}" dt="2023-05-07T23:49:31.707" v="5" actId="478"/>
+          <ac:spMkLst>
+            <pc:docMk/>
+            <pc:sldMk cId="0" sldId="258"/>
+            <ac:spMk id="68" creationId="{00000000-0000-0000-0000-000000000000}"/>
+          </ac:spMkLst>
+        </pc:spChg>
+        <pc:picChg chg="add mod">
+          <ac:chgData name="Luka Timmermans" userId="4364fd2f-d475-40f9-8f47-058a32a73bfe" providerId="ADAL" clId="{159DA90F-DD34-45EF-96B3-FC6778599D65}" dt="2023-05-07T23:49:45.422" v="9" actId="14100"/>
+          <ac:picMkLst>
+            <pc:docMk/>
+            <pc:sldMk cId="0" sldId="258"/>
+            <ac:picMk id="5" creationId="{2BC9051A-66C9-F69A-C553-AA8F5901B91F}"/>
+          </ac:picMkLst>
+        </pc:picChg>
+      </pc:sldChg>
+    </pc:docChg>
+  </pc:docChgLst>
   <pc:docChgLst>
     <pc:chgData name="Mark Glasse" userId="S::m.glasse@sanctamaria.school.nz::4001b6f1-9796-4fe4-a857-9145db2b6168" providerId="AD" clId="Web-{4F71BE14-C53D-0861-4E1D-406D0C4E55B4}"/>
     <pc:docChg chg="modSld">
@@ -6405,23 +6460,29 @@
                   <a:srgbClr val="274E13"/>
                 </a:solidFill>
               </a:rPr>
-              <a:t>Link to </a:t>
+              <a:t>Link to github Repository: </a:t>
             </a:r>
             <a:r>
-              <a:rPr lang="en" sz="2000" b="1" dirty="0" err="1">
-                <a:solidFill>
-                  <a:srgbClr val="274E13"/>
-                </a:solidFill>
+              <a:rPr lang="en-NZ" sz="2000" dirty="0">
+                <a:hlinkClick r:id="rId3"/>
               </a:rPr>
-              <a:t>github</a:t>
+              <a:t>Luka-</a:t>
             </a:r>
             <a:r>
-              <a:rPr lang="en" sz="2000" b="1" dirty="0">
-                <a:solidFill>
-                  <a:srgbClr val="274E13"/>
-                </a:solidFill>
+              <a:rPr lang="en-NZ" sz="2000" dirty="0" err="1">
+                <a:hlinkClick r:id="rId3"/>
               </a:rPr>
-              <a:t> Repository: </a:t>
+              <a:t>Timtam</a:t>
+            </a:r>
+            <a:r>
+              <a:rPr lang="en-NZ" sz="2000" dirty="0">
+                <a:hlinkClick r:id="rId3"/>
+              </a:rPr>
+              <a:t>/Pizza-Bot: A bot for ordering Pizza's (github.com)</a:t>
+            </a:r>
+            <a:r>
+              <a:rPr lang="en-NZ" sz="2000" dirty="0"/>
+              <a:t> </a:t>
             </a:r>
             <a:endParaRPr sz="2000" b="1" dirty="0">
               <a:solidFill>
@@ -6447,7 +6508,7 @@
               <a:buFont typeface="Arial"/>
               <a:buNone/>
             </a:pPr>
-            <a:endParaRPr sz="2000">
+            <a:endParaRPr sz="2000" dirty="0">
               <a:solidFill>
                 <a:srgbClr val="274E13"/>
               </a:solidFill>
@@ -6477,23 +6538,24 @@
                   <a:srgbClr val="274E13"/>
                 </a:solidFill>
               </a:rPr>
-              <a:t>Links to </a:t>
+              <a:t>Links to trello board / project management tools: </a:t>
             </a:r>
             <a:r>
-              <a:rPr lang="en" sz="2000" b="1" dirty="0" err="1">
+              <a:rPr lang="en-NZ" sz="2000" b="1" dirty="0">
+                <a:solidFill>
+                  <a:srgbClr val="274E13"/>
+                </a:solidFill>
+                <a:hlinkClick r:id="rId4"/>
+              </a:rPr>
+              <a:t>https://trello.com/b/pf0Lmbsm/pizza-bot-initial-plan</a:t>
+            </a:r>
+            <a:r>
+              <a:rPr lang="en-NZ" sz="2000" b="1" dirty="0">
                 <a:solidFill>
                   <a:srgbClr val="274E13"/>
                 </a:solidFill>
               </a:rPr>
-              <a:t>trello</a:t>
-            </a:r>
-            <a:r>
-              <a:rPr lang="en" sz="2000" b="1" dirty="0">
-                <a:solidFill>
-                  <a:srgbClr val="274E13"/>
-                </a:solidFill>
-              </a:rPr>
-              <a:t> board / project management tools:</a:t>
+              <a:t> </a:t>
             </a:r>
             <a:endParaRPr sz="2000" dirty="0"/>
           </a:p>
@@ -6813,46 +6875,59 @@
       </p:sp>
       <p:sp>
         <p:nvSpPr>
-          <p:cNvPr id="68" name="Google Shape;68;p15"/>
-          <p:cNvSpPr txBox="1">
+          <p:cNvPr id="3" name="Text Placeholder 2">
+            <a:extLst>
+              <a:ext uri="{FF2B5EF4-FFF2-40B4-BE49-F238E27FC236}">
+                <a16:creationId xmlns:a16="http://schemas.microsoft.com/office/drawing/2014/main" id="{7ADBC862-B533-7A7F-BCCD-27CAD7DFF8B8}"/>
+              </a:ext>
+            </a:extLst>
+          </p:cNvPr>
+          <p:cNvSpPr>
             <a:spLocks noGrp="1"/>
           </p:cNvSpPr>
           <p:nvPr>
             <p:ph type="body" idx="1"/>
           </p:nvPr>
         </p:nvSpPr>
+        <p:spPr/>
+        <p:txBody>
+          <a:bodyPr/>
+          <a:lstStyle/>
+          <a:p>
+            <a:endParaRPr lang="en-NZ" dirty="0"/>
+          </a:p>
+        </p:txBody>
+      </p:sp>
+      <p:pic>
+        <p:nvPicPr>
+          <p:cNvPr id="5" name="Picture 4">
+            <a:extLst>
+              <a:ext uri="{FF2B5EF4-FFF2-40B4-BE49-F238E27FC236}">
+                <a16:creationId xmlns:a16="http://schemas.microsoft.com/office/drawing/2014/main" id="{2BC9051A-66C9-F69A-C553-AA8F5901B91F}"/>
+              </a:ext>
+            </a:extLst>
+          </p:cNvPr>
+          <p:cNvPicPr>
+            <a:picLocks noChangeAspect="1"/>
+          </p:cNvPicPr>
+          <p:nvPr/>
+        </p:nvPicPr>
+        <p:blipFill>
+          <a:blip r:embed="rId3"/>
+          <a:stretch>
+            <a:fillRect/>
+          </a:stretch>
+        </p:blipFill>
         <p:spPr>
           <a:xfrm>
-            <a:off x="311700" y="1152475"/>
-            <a:ext cx="8424300" cy="1180800"/>
+            <a:off x="311700" y="1017725"/>
+            <a:ext cx="7017047" cy="3994701"/>
           </a:xfrm>
           <a:prstGeom prst="rect">
             <a:avLst/>
           </a:prstGeom>
         </p:spPr>
-        <p:txBody>
-          <a:bodyPr spcFirstLastPara="1" wrap="square" lIns="91425" tIns="91425" rIns="91425" bIns="91425" anchor="t" anchorCtr="0">
-            <a:noAutofit/>
-          </a:bodyPr>
-          <a:lstStyle/>
-          <a:p>
-            <a:pPr marL="0" lvl="0" indent="0" algn="l" rtl="0">
-              <a:spcBef>
-                <a:spcPts val="0"/>
-              </a:spcBef>
-              <a:spcAft>
-                <a:spcPts val="1600"/>
-              </a:spcAft>
-              <a:buNone/>
-            </a:pPr>
-            <a:r>
-              <a:rPr lang="en" i="1"/>
-              <a:t>Paste screenshots of your initial Trello board / task decomposition on this slide.  If you have a long list, you might need to break it up into several columns.  Delete this instruction when you are done.</a:t>
-            </a:r>
-            <a:endParaRPr i="1"/>
-          </a:p>
-        </p:txBody>
-      </p:sp>
+      </p:pic>
     </p:spTree>
   </p:cSld>
   <p:clrMapOvr>

--- a/022_91893+_+91897+Documentation.pptx
+++ b/022_91893+_+91897+Documentation.pptx
@@ -5,7 +5,7 @@
     <p:sldMasterId id="2147483659" r:id="rId1"/>
   </p:sldMasterIdLst>
   <p:notesMasterIdLst>
-    <p:notesMasterId r:id="rId9"/>
+    <p:notesMasterId r:id="rId11"/>
   </p:notesMasterIdLst>
   <p:sldIdLst>
     <p:sldId id="256" r:id="rId2"/>
@@ -13,8 +13,10 @@
     <p:sldId id="258" r:id="rId4"/>
     <p:sldId id="259" r:id="rId5"/>
     <p:sldId id="260" r:id="rId6"/>
-    <p:sldId id="261" r:id="rId7"/>
-    <p:sldId id="262" r:id="rId8"/>
+    <p:sldId id="263" r:id="rId7"/>
+    <p:sldId id="264" r:id="rId8"/>
+    <p:sldId id="261" r:id="rId9"/>
+    <p:sldId id="262" r:id="rId10"/>
   </p:sldIdLst>
   <p:sldSz cx="9144000" cy="5143500" type="screen16x9"/>
   <p:notesSz cx="6858000" cy="9144000"/>
@@ -278,8 +280,8 @@
 <pc:chgInfo xmlns:a="http://schemas.openxmlformats.org/drawingml/2006/main" xmlns:r="http://schemas.openxmlformats.org/officeDocument/2006/relationships" xmlns:ac="http://schemas.microsoft.com/office/drawing/2013/main/command" xmlns:pc="http://schemas.microsoft.com/office/powerpoint/2013/main/command">
   <pc:docChgLst>
     <pc:chgData name="Luka Timmermans" userId="4364fd2f-d475-40f9-8f47-058a32a73bfe" providerId="ADAL" clId="{159DA90F-DD34-45EF-96B3-FC6778599D65}"/>
-    <pc:docChg chg="custSel modSld">
-      <pc:chgData name="Luka Timmermans" userId="4364fd2f-d475-40f9-8f47-058a32a73bfe" providerId="ADAL" clId="{159DA90F-DD34-45EF-96B3-FC6778599D65}" dt="2023-05-07T23:49:45.422" v="9" actId="14100"/>
+    <pc:docChg chg="custSel addSld modSld sldOrd">
+      <pc:chgData name="Luka Timmermans" userId="4364fd2f-d475-40f9-8f47-058a32a73bfe" providerId="ADAL" clId="{159DA90F-DD34-45EF-96B3-FC6778599D65}" dt="2023-05-10T01:22:00.273" v="145" actId="1076"/>
       <pc:docMkLst>
         <pc:docMk/>
       </pc:docMkLst>
@@ -328,6 +330,82 @@
             <ac:picMk id="5" creationId="{2BC9051A-66C9-F69A-C553-AA8F5901B91F}"/>
           </ac:picMkLst>
         </pc:picChg>
+      </pc:sldChg>
+      <pc:sldChg chg="addSp mod">
+        <pc:chgData name="Luka Timmermans" userId="4364fd2f-d475-40f9-8f47-058a32a73bfe" providerId="ADAL" clId="{159DA90F-DD34-45EF-96B3-FC6778599D65}" dt="2023-05-10T00:45:17.788" v="18" actId="22"/>
+        <pc:sldMkLst>
+          <pc:docMk/>
+          <pc:sldMk cId="0" sldId="259"/>
+        </pc:sldMkLst>
+        <pc:picChg chg="add">
+          <ac:chgData name="Luka Timmermans" userId="4364fd2f-d475-40f9-8f47-058a32a73bfe" providerId="ADAL" clId="{159DA90F-DD34-45EF-96B3-FC6778599D65}" dt="2023-05-10T00:45:17.788" v="18" actId="22"/>
+          <ac:picMkLst>
+            <pc:docMk/>
+            <pc:sldMk cId="0" sldId="259"/>
+            <ac:picMk id="3" creationId="{B6A08D4C-2CC7-9A9E-D0FC-223E1E2CBDAB}"/>
+          </ac:picMkLst>
+        </pc:picChg>
+      </pc:sldChg>
+      <pc:sldChg chg="addSp modSp mod">
+        <pc:chgData name="Luka Timmermans" userId="4364fd2f-d475-40f9-8f47-058a32a73bfe" providerId="ADAL" clId="{159DA90F-DD34-45EF-96B3-FC6778599D65}" dt="2023-05-10T01:22:00.273" v="145" actId="1076"/>
+        <pc:sldMkLst>
+          <pc:docMk/>
+          <pc:sldMk cId="0" sldId="260"/>
+        </pc:sldMkLst>
+        <pc:graphicFrameChg chg="mod modGraphic">
+          <ac:chgData name="Luka Timmermans" userId="4364fd2f-d475-40f9-8f47-058a32a73bfe" providerId="ADAL" clId="{159DA90F-DD34-45EF-96B3-FC6778599D65}" dt="2023-05-10T01:22:00.273" v="145" actId="1076"/>
+          <ac:graphicFrameMkLst>
+            <pc:docMk/>
+            <pc:sldMk cId="0" sldId="260"/>
+            <ac:graphicFrameMk id="79" creationId="{00000000-0000-0000-0000-000000000000}"/>
+          </ac:graphicFrameMkLst>
+        </pc:graphicFrameChg>
+        <pc:picChg chg="add mod">
+          <ac:chgData name="Luka Timmermans" userId="4364fd2f-d475-40f9-8f47-058a32a73bfe" providerId="ADAL" clId="{159DA90F-DD34-45EF-96B3-FC6778599D65}" dt="2023-05-10T01:19:55.161" v="24" actId="14100"/>
+          <ac:picMkLst>
+            <pc:docMk/>
+            <pc:sldMk cId="0" sldId="260"/>
+            <ac:picMk id="3" creationId="{F6202E83-3BAC-3030-2E45-E6B4264EDBC5}"/>
+          </ac:picMkLst>
+        </pc:picChg>
+        <pc:picChg chg="add mod">
+          <ac:chgData name="Luka Timmermans" userId="4364fd2f-d475-40f9-8f47-058a32a73bfe" providerId="ADAL" clId="{159DA90F-DD34-45EF-96B3-FC6778599D65}" dt="2023-05-10T01:20:25.482" v="27" actId="1076"/>
+          <ac:picMkLst>
+            <pc:docMk/>
+            <pc:sldMk cId="0" sldId="260"/>
+            <ac:picMk id="5" creationId="{1FA4F332-64B1-00DF-7515-4036D28051C7}"/>
+          </ac:picMkLst>
+        </pc:picChg>
+      </pc:sldChg>
+      <pc:sldChg chg="modSp add mod ord">
+        <pc:chgData name="Luka Timmermans" userId="4364fd2f-d475-40f9-8f47-058a32a73bfe" providerId="ADAL" clId="{159DA90F-DD34-45EF-96B3-FC6778599D65}" dt="2023-05-10T00:45:06.004" v="15" actId="20577"/>
+        <pc:sldMkLst>
+          <pc:docMk/>
+          <pc:sldMk cId="373015268" sldId="263"/>
+        </pc:sldMkLst>
+        <pc:spChg chg="mod">
+          <ac:chgData name="Luka Timmermans" userId="4364fd2f-d475-40f9-8f47-058a32a73bfe" providerId="ADAL" clId="{159DA90F-DD34-45EF-96B3-FC6778599D65}" dt="2023-05-10T00:45:06.004" v="15" actId="20577"/>
+          <ac:spMkLst>
+            <pc:docMk/>
+            <pc:sldMk cId="373015268" sldId="263"/>
+            <ac:spMk id="73" creationId="{00000000-0000-0000-0000-000000000000}"/>
+          </ac:spMkLst>
+        </pc:spChg>
+      </pc:sldChg>
+      <pc:sldChg chg="modSp add mod">
+        <pc:chgData name="Luka Timmermans" userId="4364fd2f-d475-40f9-8f47-058a32a73bfe" providerId="ADAL" clId="{159DA90F-DD34-45EF-96B3-FC6778599D65}" dt="2023-05-10T00:45:10.258" v="17" actId="20577"/>
+        <pc:sldMkLst>
+          <pc:docMk/>
+          <pc:sldMk cId="2399237063" sldId="264"/>
+        </pc:sldMkLst>
+        <pc:spChg chg="mod">
+          <ac:chgData name="Luka Timmermans" userId="4364fd2f-d475-40f9-8f47-058a32a73bfe" providerId="ADAL" clId="{159DA90F-DD34-45EF-96B3-FC6778599D65}" dt="2023-05-10T00:45:10.258" v="17" actId="20577"/>
+          <ac:spMkLst>
+            <pc:docMk/>
+            <pc:sldMk cId="2399237063" sldId="264"/>
+            <ac:spMk id="78" creationId="{00000000-0000-0000-0000-000000000000}"/>
+          </ac:spMkLst>
+        </pc:spChg>
       </pc:sldChg>
     </pc:docChg>
   </pc:docChgLst>
@@ -1364,6 +1442,224 @@
   <p:cSld>
     <p:spTree>
       <p:nvGrpSpPr>
+        <p:cNvPr id="1" name="Shape 69"/>
+        <p:cNvGrpSpPr/>
+        <p:nvPr/>
+      </p:nvGrpSpPr>
+      <p:grpSpPr>
+        <a:xfrm>
+          <a:off x="0" y="0"/>
+          <a:ext cx="0" cy="0"/>
+          <a:chOff x="0" y="0"/>
+          <a:chExt cx="0" cy="0"/>
+        </a:xfrm>
+      </p:grpSpPr>
+      <p:sp>
+        <p:nvSpPr>
+          <p:cNvPr id="70" name="Google Shape;70;gac10fef634_0_16:notes"/>
+          <p:cNvSpPr>
+            <a:spLocks noGrp="1" noRot="1" noChangeAspect="1"/>
+          </p:cNvSpPr>
+          <p:nvPr>
+            <p:ph type="sldImg" idx="2"/>
+          </p:nvPr>
+        </p:nvSpPr>
+        <p:spPr>
+          <a:xfrm>
+            <a:off x="381000" y="685800"/>
+            <a:ext cx="6096000" cy="3429000"/>
+          </a:xfrm>
+          <a:custGeom>
+            <a:avLst/>
+            <a:gdLst/>
+            <a:ahLst/>
+            <a:cxnLst/>
+            <a:rect l="l" t="t" r="r" b="b"/>
+            <a:pathLst>
+              <a:path w="120000" h="120000" extrusionOk="0">
+                <a:moveTo>
+                  <a:pt x="0" y="0"/>
+                </a:moveTo>
+                <a:lnTo>
+                  <a:pt x="120000" y="0"/>
+                </a:lnTo>
+                <a:lnTo>
+                  <a:pt x="120000" y="120000"/>
+                </a:lnTo>
+                <a:lnTo>
+                  <a:pt x="0" y="120000"/>
+                </a:lnTo>
+                <a:close/>
+              </a:path>
+            </a:pathLst>
+          </a:custGeom>
+        </p:spPr>
+      </p:sp>
+      <p:sp>
+        <p:nvSpPr>
+          <p:cNvPr id="71" name="Google Shape;71;gac10fef634_0_16:notes"/>
+          <p:cNvSpPr txBox="1">
+            <a:spLocks noGrp="1"/>
+          </p:cNvSpPr>
+          <p:nvPr>
+            <p:ph type="body" idx="1"/>
+          </p:nvPr>
+        </p:nvSpPr>
+        <p:spPr>
+          <a:xfrm>
+            <a:off x="685800" y="4343400"/>
+            <a:ext cx="5486400" cy="4114800"/>
+          </a:xfrm>
+          <a:prstGeom prst="rect">
+            <a:avLst/>
+          </a:prstGeom>
+        </p:spPr>
+        <p:txBody>
+          <a:bodyPr spcFirstLastPara="1" wrap="square" lIns="91425" tIns="91425" rIns="91425" bIns="91425" anchor="t" anchorCtr="0">
+            <a:noAutofit/>
+          </a:bodyPr>
+          <a:lstStyle/>
+          <a:p>
+            <a:pPr marL="0" lvl="0" indent="0" algn="l" rtl="0">
+              <a:spcBef>
+                <a:spcPts val="0"/>
+              </a:spcBef>
+              <a:spcAft>
+                <a:spcPts val="0"/>
+              </a:spcAft>
+              <a:buNone/>
+            </a:pPr>
+            <a:endParaRPr/>
+          </a:p>
+        </p:txBody>
+      </p:sp>
+    </p:spTree>
+    <p:extLst>
+      <p:ext uri="{BB962C8B-B14F-4D97-AF65-F5344CB8AC3E}">
+        <p14:creationId xmlns:p14="http://schemas.microsoft.com/office/powerpoint/2010/main" val="2077849473"/>
+      </p:ext>
+    </p:extLst>
+  </p:cSld>
+  <p:clrMapOvr>
+    <a:masterClrMapping/>
+  </p:clrMapOvr>
+</p:notes>
+</file>
+
+<file path=ppt/notesSlides/notesSlide7.xml><?xml version="1.0" encoding="utf-8"?>
+<p:notes xmlns:a="http://schemas.openxmlformats.org/drawingml/2006/main" xmlns:r="http://schemas.openxmlformats.org/officeDocument/2006/relationships" xmlns:p="http://schemas.openxmlformats.org/presentationml/2006/main" showMasterSp="0" showMasterPhAnim="0">
+  <p:cSld>
+    <p:spTree>
+      <p:nvGrpSpPr>
+        <p:cNvPr id="1" name="Shape 74"/>
+        <p:cNvGrpSpPr/>
+        <p:nvPr/>
+      </p:nvGrpSpPr>
+      <p:grpSpPr>
+        <a:xfrm>
+          <a:off x="0" y="0"/>
+          <a:ext cx="0" cy="0"/>
+          <a:chOff x="0" y="0"/>
+          <a:chExt cx="0" cy="0"/>
+        </a:xfrm>
+      </p:grpSpPr>
+      <p:sp>
+        <p:nvSpPr>
+          <p:cNvPr id="75" name="Google Shape;75;gac10fef634_0_20:notes"/>
+          <p:cNvSpPr>
+            <a:spLocks noGrp="1" noRot="1" noChangeAspect="1"/>
+          </p:cNvSpPr>
+          <p:nvPr>
+            <p:ph type="sldImg" idx="2"/>
+          </p:nvPr>
+        </p:nvSpPr>
+        <p:spPr>
+          <a:xfrm>
+            <a:off x="381000" y="685800"/>
+            <a:ext cx="6096000" cy="3429000"/>
+          </a:xfrm>
+          <a:custGeom>
+            <a:avLst/>
+            <a:gdLst/>
+            <a:ahLst/>
+            <a:cxnLst/>
+            <a:rect l="l" t="t" r="r" b="b"/>
+            <a:pathLst>
+              <a:path w="120000" h="120000" extrusionOk="0">
+                <a:moveTo>
+                  <a:pt x="0" y="0"/>
+                </a:moveTo>
+                <a:lnTo>
+                  <a:pt x="120000" y="0"/>
+                </a:lnTo>
+                <a:lnTo>
+                  <a:pt x="120000" y="120000"/>
+                </a:lnTo>
+                <a:lnTo>
+                  <a:pt x="0" y="120000"/>
+                </a:lnTo>
+                <a:close/>
+              </a:path>
+            </a:pathLst>
+          </a:custGeom>
+        </p:spPr>
+      </p:sp>
+      <p:sp>
+        <p:nvSpPr>
+          <p:cNvPr id="76" name="Google Shape;76;gac10fef634_0_20:notes"/>
+          <p:cNvSpPr txBox="1">
+            <a:spLocks noGrp="1"/>
+          </p:cNvSpPr>
+          <p:nvPr>
+            <p:ph type="body" idx="1"/>
+          </p:nvPr>
+        </p:nvSpPr>
+        <p:spPr>
+          <a:xfrm>
+            <a:off x="685800" y="4343400"/>
+            <a:ext cx="5486400" cy="4114800"/>
+          </a:xfrm>
+          <a:prstGeom prst="rect">
+            <a:avLst/>
+          </a:prstGeom>
+        </p:spPr>
+        <p:txBody>
+          <a:bodyPr spcFirstLastPara="1" wrap="square" lIns="91425" tIns="91425" rIns="91425" bIns="91425" anchor="t" anchorCtr="0">
+            <a:noAutofit/>
+          </a:bodyPr>
+          <a:lstStyle/>
+          <a:p>
+            <a:pPr marL="0" lvl="0" indent="0" algn="l" rtl="0">
+              <a:spcBef>
+                <a:spcPts val="0"/>
+              </a:spcBef>
+              <a:spcAft>
+                <a:spcPts val="0"/>
+              </a:spcAft>
+              <a:buNone/>
+            </a:pPr>
+            <a:endParaRPr/>
+          </a:p>
+        </p:txBody>
+      </p:sp>
+    </p:spTree>
+    <p:extLst>
+      <p:ext uri="{BB962C8B-B14F-4D97-AF65-F5344CB8AC3E}">
+        <p14:creationId xmlns:p14="http://schemas.microsoft.com/office/powerpoint/2010/main" val="3784718878"/>
+      </p:ext>
+    </p:extLst>
+  </p:cSld>
+  <p:clrMapOvr>
+    <a:masterClrMapping/>
+  </p:clrMapOvr>
+</p:notes>
+</file>
+
+<file path=ppt/notesSlides/notesSlide8.xml><?xml version="1.0" encoding="utf-8"?>
+<p:notes xmlns:a="http://schemas.openxmlformats.org/drawingml/2006/main" xmlns:r="http://schemas.openxmlformats.org/officeDocument/2006/relationships" xmlns:p="http://schemas.openxmlformats.org/presentationml/2006/main" showMasterSp="0" showMasterPhAnim="0">
+  <p:cSld>
+    <p:spTree>
+      <p:nvGrpSpPr>
         <p:cNvPr id="1" name="Shape 80"/>
         <p:cNvGrpSpPr/>
         <p:nvPr/>
@@ -1484,7 +1780,7 @@
 </p:notes>
 </file>
 
-<file path=ppt/notesSlides/notesSlide7.xml><?xml version="1.0" encoding="utf-8"?>
+<file path=ppt/notesSlides/notesSlide9.xml><?xml version="1.0" encoding="utf-8"?>
 <p:notes xmlns:a="http://schemas.openxmlformats.org/drawingml/2006/main" xmlns:r="http://schemas.openxmlformats.org/officeDocument/2006/relationships" xmlns:p="http://schemas.openxmlformats.org/presentationml/2006/main" showMasterSp="0" showMasterPhAnim="0">
   <p:cSld>
     <p:spTree>
@@ -7003,6 +7299,36 @@
           </a:p>
         </p:txBody>
       </p:sp>
+      <p:pic>
+        <p:nvPicPr>
+          <p:cNvPr id="3" name="Picture 2">
+            <a:extLst>
+              <a:ext uri="{FF2B5EF4-FFF2-40B4-BE49-F238E27FC236}">
+                <a16:creationId xmlns:a16="http://schemas.microsoft.com/office/drawing/2014/main" id="{B6A08D4C-2CC7-9A9E-D0FC-223E1E2CBDAB}"/>
+              </a:ext>
+            </a:extLst>
+          </p:cNvPr>
+          <p:cNvPicPr>
+            <a:picLocks noChangeAspect="1"/>
+          </p:cNvPicPr>
+          <p:nvPr/>
+        </p:nvPicPr>
+        <p:blipFill>
+          <a:blip r:embed="rId3"/>
+          <a:stretch>
+            <a:fillRect/>
+          </a:stretch>
+        </p:blipFill>
+        <p:spPr>
+          <a:xfrm>
+            <a:off x="0" y="1085346"/>
+            <a:ext cx="9144000" cy="2972807"/>
+          </a:xfrm>
+          <a:prstGeom prst="rect">
+            <a:avLst/>
+          </a:prstGeom>
+        </p:spPr>
+      </p:pic>
     </p:spTree>
   </p:cSld>
   <p:clrMapOvr>
@@ -7067,6 +7393,370 @@
               <a:t>Component 1 - Test Plan (?and screenshot)</a:t>
             </a:r>
             <a:endParaRPr/>
+          </a:p>
+        </p:txBody>
+      </p:sp>
+      <p:graphicFrame>
+        <p:nvGraphicFramePr>
+          <p:cNvPr id="79" name="Google Shape;79;p17"/>
+          <p:cNvGraphicFramePr/>
+          <p:nvPr>
+            <p:extLst>
+              <p:ext uri="{D42A27DB-BD31-4B8C-83A1-F6EECF244321}">
+                <p14:modId xmlns:p14="http://schemas.microsoft.com/office/powerpoint/2010/main" val="3629781332"/>
+              </p:ext>
+            </p:extLst>
+          </p:nvPr>
+        </p:nvGraphicFramePr>
+        <p:xfrm>
+          <a:off x="311700" y="3577431"/>
+          <a:ext cx="8520600" cy="1462980"/>
+        </p:xfrm>
+        <a:graphic>
+          <a:graphicData uri="http://schemas.openxmlformats.org/drawingml/2006/table">
+            <a:tbl>
+              <a:tblPr>
+                <a:noFill/>
+                <a:tableStyleId>{E1099E06-0E6B-448D-9D27-60429F06E6F4}</a:tableStyleId>
+              </a:tblPr>
+              <a:tblGrid>
+                <a:gridCol w="4260300">
+                  <a:extLst>
+                    <a:ext uri="{9D8B030D-6E8A-4147-A177-3AD203B41FA5}">
+                      <a16:colId xmlns:a16="http://schemas.microsoft.com/office/drawing/2014/main" val="20000"/>
+                    </a:ext>
+                  </a:extLst>
+                </a:gridCol>
+                <a:gridCol w="4260300">
+                  <a:extLst>
+                    <a:ext uri="{9D8B030D-6E8A-4147-A177-3AD203B41FA5}">
+                      <a16:colId xmlns:a16="http://schemas.microsoft.com/office/drawing/2014/main" val="20001"/>
+                    </a:ext>
+                  </a:extLst>
+                </a:gridCol>
+              </a:tblGrid>
+              <a:tr h="381000">
+                <a:tc>
+                  <a:txBody>
+                    <a:bodyPr/>
+                    <a:lstStyle/>
+                    <a:p>
+                      <a:pPr marL="0" lvl="0" indent="0" algn="l" rtl="0">
+                        <a:spcBef>
+                          <a:spcPts val="0"/>
+                        </a:spcBef>
+                        <a:spcAft>
+                          <a:spcPts val="0"/>
+                        </a:spcAft>
+                        <a:buNone/>
+                      </a:pPr>
+                      <a:r>
+                        <a:rPr lang="en" sz="1800" b="1" dirty="0"/>
+                        <a:t>Test Case</a:t>
+                      </a:r>
+                      <a:endParaRPr sz="1800" b="1" dirty="0"/>
+                    </a:p>
+                  </a:txBody>
+                  <a:tcPr marL="91425" marR="91425" marT="91425" marB="91425">
+                    <a:solidFill>
+                      <a:srgbClr val="CCCCCC"/>
+                    </a:solidFill>
+                  </a:tcPr>
+                </a:tc>
+                <a:tc>
+                  <a:txBody>
+                    <a:bodyPr/>
+                    <a:lstStyle/>
+                    <a:p>
+                      <a:pPr marL="0" lvl="0" indent="0" algn="l" rtl="0">
+                        <a:spcBef>
+                          <a:spcPts val="0"/>
+                        </a:spcBef>
+                        <a:spcAft>
+                          <a:spcPts val="0"/>
+                        </a:spcAft>
+                        <a:buNone/>
+                      </a:pPr>
+                      <a:r>
+                        <a:rPr lang="en" sz="1800" b="1"/>
+                        <a:t>Expected Values</a:t>
+                      </a:r>
+                      <a:endParaRPr sz="1800" b="1"/>
+                    </a:p>
+                  </a:txBody>
+                  <a:tcPr marL="91425" marR="91425" marT="91425" marB="91425">
+                    <a:solidFill>
+                      <a:srgbClr val="CCCCCC"/>
+                    </a:solidFill>
+                  </a:tcPr>
+                </a:tc>
+                <a:extLst>
+                  <a:ext uri="{0D108BD9-81ED-4DB2-BD59-A6C34878D82A}">
+                    <a16:rowId xmlns:a16="http://schemas.microsoft.com/office/drawing/2014/main" val="10000"/>
+                  </a:ext>
+                </a:extLst>
+              </a:tr>
+              <a:tr h="396200">
+                <a:tc>
+                  <a:txBody>
+                    <a:bodyPr/>
+                    <a:lstStyle/>
+                    <a:p>
+                      <a:pPr marL="0" lvl="0" indent="0" algn="l" rtl="0">
+                        <a:spcBef>
+                          <a:spcPts val="0"/>
+                        </a:spcBef>
+                        <a:spcAft>
+                          <a:spcPts val="0"/>
+                        </a:spcAft>
+                        <a:buNone/>
+                      </a:pPr>
+                      <a:r>
+                        <a:rPr lang="en-NZ" sz="1800" dirty="0"/>
+                        <a:t>Run program </a:t>
+                      </a:r>
+                      <a:endParaRPr sz="1800" dirty="0"/>
+                    </a:p>
+                  </a:txBody>
+                  <a:tcPr marL="91425" marR="91425" marT="91425" marB="91425"/>
+                </a:tc>
+                <a:tc>
+                  <a:txBody>
+                    <a:bodyPr/>
+                    <a:lstStyle/>
+                    <a:p>
+                      <a:pPr marL="0" lvl="0" indent="0" algn="l" rtl="0">
+                        <a:spcBef>
+                          <a:spcPts val="0"/>
+                        </a:spcBef>
+                        <a:spcAft>
+                          <a:spcPts val="0"/>
+                        </a:spcAft>
+                        <a:buNone/>
+                      </a:pPr>
+                      <a:r>
+                        <a:rPr lang="en-NZ" sz="1800" dirty="0"/>
+                        <a:t>Print welcome message with random name from list of names – Runs correctly</a:t>
+                      </a:r>
+                      <a:endParaRPr sz="1800" dirty="0"/>
+                    </a:p>
+                  </a:txBody>
+                  <a:tcPr marL="91425" marR="91425" marT="91425" marB="91425"/>
+                </a:tc>
+                <a:extLst>
+                  <a:ext uri="{0D108BD9-81ED-4DB2-BD59-A6C34878D82A}">
+                    <a16:rowId xmlns:a16="http://schemas.microsoft.com/office/drawing/2014/main" val="10001"/>
+                  </a:ext>
+                </a:extLst>
+              </a:tr>
+            </a:tbl>
+          </a:graphicData>
+        </a:graphic>
+      </p:graphicFrame>
+      <p:pic>
+        <p:nvPicPr>
+          <p:cNvPr id="3" name="Picture 2">
+            <a:extLst>
+              <a:ext uri="{FF2B5EF4-FFF2-40B4-BE49-F238E27FC236}">
+                <a16:creationId xmlns:a16="http://schemas.microsoft.com/office/drawing/2014/main" id="{F6202E83-3BAC-3030-2E45-E6B4264EDBC5}"/>
+              </a:ext>
+            </a:extLst>
+          </p:cNvPr>
+          <p:cNvPicPr>
+            <a:picLocks noChangeAspect="1"/>
+          </p:cNvPicPr>
+          <p:nvPr/>
+        </p:nvPicPr>
+        <p:blipFill>
+          <a:blip r:embed="rId3"/>
+          <a:stretch>
+            <a:fillRect/>
+          </a:stretch>
+        </p:blipFill>
+        <p:spPr>
+          <a:xfrm>
+            <a:off x="311701" y="1017726"/>
+            <a:ext cx="4341580" cy="1482594"/>
+          </a:xfrm>
+          <a:prstGeom prst="rect">
+            <a:avLst/>
+          </a:prstGeom>
+        </p:spPr>
+      </p:pic>
+      <p:pic>
+        <p:nvPicPr>
+          <p:cNvPr id="5" name="Picture 4">
+            <a:extLst>
+              <a:ext uri="{FF2B5EF4-FFF2-40B4-BE49-F238E27FC236}">
+                <a16:creationId xmlns:a16="http://schemas.microsoft.com/office/drawing/2014/main" id="{1FA4F332-64B1-00DF-7515-4036D28051C7}"/>
+              </a:ext>
+            </a:extLst>
+          </p:cNvPr>
+          <p:cNvPicPr>
+            <a:picLocks noChangeAspect="1"/>
+          </p:cNvPicPr>
+          <p:nvPr/>
+        </p:nvPicPr>
+        <p:blipFill>
+          <a:blip r:embed="rId4"/>
+          <a:stretch>
+            <a:fillRect/>
+          </a:stretch>
+        </p:blipFill>
+        <p:spPr>
+          <a:xfrm>
+            <a:off x="3960709" y="1201197"/>
+            <a:ext cx="4648197" cy="1010733"/>
+          </a:xfrm>
+          <a:prstGeom prst="rect">
+            <a:avLst/>
+          </a:prstGeom>
+        </p:spPr>
+      </p:pic>
+    </p:spTree>
+  </p:cSld>
+  <p:clrMapOvr>
+    <a:masterClrMapping/>
+  </p:clrMapOvr>
+</p:sld>
+</file>
+
+<file path=ppt/slides/slide6.xml><?xml version="1.0" encoding="utf-8"?>
+<p:sld xmlns:a="http://schemas.openxmlformats.org/drawingml/2006/main" xmlns:r="http://schemas.openxmlformats.org/officeDocument/2006/relationships" xmlns:p="http://schemas.openxmlformats.org/presentationml/2006/main">
+  <p:cSld>
+    <p:bg>
+      <p:bgPr>
+        <a:solidFill>
+          <a:srgbClr val="D9EAD3"/>
+        </a:solidFill>
+        <a:effectLst/>
+      </p:bgPr>
+    </p:bg>
+    <p:spTree>
+      <p:nvGrpSpPr>
+        <p:cNvPr id="1" name="Shape 72"/>
+        <p:cNvGrpSpPr/>
+        <p:nvPr/>
+      </p:nvGrpSpPr>
+      <p:grpSpPr>
+        <a:xfrm>
+          <a:off x="0" y="0"/>
+          <a:ext cx="0" cy="0"/>
+          <a:chOff x="0" y="0"/>
+          <a:chExt cx="0" cy="0"/>
+        </a:xfrm>
+      </p:grpSpPr>
+      <p:sp>
+        <p:nvSpPr>
+          <p:cNvPr id="73" name="Google Shape;73;p16"/>
+          <p:cNvSpPr txBox="1">
+            <a:spLocks noGrp="1"/>
+          </p:cNvSpPr>
+          <p:nvPr>
+            <p:ph type="title"/>
+          </p:nvPr>
+        </p:nvSpPr>
+        <p:spPr>
+          <a:xfrm>
+            <a:off x="311700" y="445025"/>
+            <a:ext cx="8520600" cy="572700"/>
+          </a:xfrm>
+          <a:prstGeom prst="rect">
+            <a:avLst/>
+          </a:prstGeom>
+        </p:spPr>
+        <p:txBody>
+          <a:bodyPr spcFirstLastPara="1" wrap="square" lIns="91425" tIns="91425" rIns="91425" bIns="91425" anchor="t" anchorCtr="0">
+            <a:noAutofit/>
+          </a:bodyPr>
+          <a:lstStyle/>
+          <a:p>
+            <a:pPr marL="0" lvl="0" indent="0" algn="l" rtl="0">
+              <a:spcBef>
+                <a:spcPts val="0"/>
+              </a:spcBef>
+              <a:spcAft>
+                <a:spcPts val="0"/>
+              </a:spcAft>
+              <a:buNone/>
+            </a:pPr>
+            <a:r>
+              <a:rPr lang="en" dirty="0"/>
+              <a:t>Component 2 (Trello screenshot)</a:t>
+            </a:r>
+            <a:endParaRPr dirty="0"/>
+          </a:p>
+        </p:txBody>
+      </p:sp>
+    </p:spTree>
+    <p:extLst>
+      <p:ext uri="{BB962C8B-B14F-4D97-AF65-F5344CB8AC3E}">
+        <p14:creationId xmlns:p14="http://schemas.microsoft.com/office/powerpoint/2010/main" val="373015268"/>
+      </p:ext>
+    </p:extLst>
+  </p:cSld>
+  <p:clrMapOvr>
+    <a:masterClrMapping/>
+  </p:clrMapOvr>
+</p:sld>
+</file>
+
+<file path=ppt/slides/slide7.xml><?xml version="1.0" encoding="utf-8"?>
+<p:sld xmlns:a="http://schemas.openxmlformats.org/drawingml/2006/main" xmlns:r="http://schemas.openxmlformats.org/officeDocument/2006/relationships" xmlns:p="http://schemas.openxmlformats.org/presentationml/2006/main">
+  <p:cSld>
+    <p:spTree>
+      <p:nvGrpSpPr>
+        <p:cNvPr id="1" name="Shape 77"/>
+        <p:cNvGrpSpPr/>
+        <p:nvPr/>
+      </p:nvGrpSpPr>
+      <p:grpSpPr>
+        <a:xfrm>
+          <a:off x="0" y="0"/>
+          <a:ext cx="0" cy="0"/>
+          <a:chOff x="0" y="0"/>
+          <a:chExt cx="0" cy="0"/>
+        </a:xfrm>
+      </p:grpSpPr>
+      <p:sp>
+        <p:nvSpPr>
+          <p:cNvPr id="78" name="Google Shape;78;p17"/>
+          <p:cNvSpPr txBox="1">
+            <a:spLocks noGrp="1"/>
+          </p:cNvSpPr>
+          <p:nvPr>
+            <p:ph type="title"/>
+          </p:nvPr>
+        </p:nvSpPr>
+        <p:spPr>
+          <a:xfrm>
+            <a:off x="311700" y="445025"/>
+            <a:ext cx="8520600" cy="572700"/>
+          </a:xfrm>
+          <a:prstGeom prst="rect">
+            <a:avLst/>
+          </a:prstGeom>
+        </p:spPr>
+        <p:txBody>
+          <a:bodyPr spcFirstLastPara="1" wrap="square" lIns="91425" tIns="91425" rIns="91425" bIns="91425" anchor="t" anchorCtr="0">
+            <a:noAutofit/>
+          </a:bodyPr>
+          <a:lstStyle/>
+          <a:p>
+            <a:pPr marL="0" lvl="0" indent="0" algn="l" rtl="0">
+              <a:spcBef>
+                <a:spcPts val="0"/>
+              </a:spcBef>
+              <a:spcAft>
+                <a:spcPts val="0"/>
+              </a:spcAft>
+              <a:buNone/>
+            </a:pPr>
+            <a:r>
+              <a:rPr lang="en" dirty="0"/>
+              <a:t>Component 2 - Test Plan (?and screenshot)</a:t>
+            </a:r>
+            <a:endParaRPr dirty="0"/>
           </a:p>
         </p:txBody>
       </p:sp>
@@ -7214,6 +7904,11 @@
         </a:graphic>
       </p:graphicFrame>
     </p:spTree>
+    <p:extLst>
+      <p:ext uri="{BB962C8B-B14F-4D97-AF65-F5344CB8AC3E}">
+        <p14:creationId xmlns:p14="http://schemas.microsoft.com/office/powerpoint/2010/main" val="2399237063"/>
+      </p:ext>
+    </p:extLst>
   </p:cSld>
   <p:clrMapOvr>
     <a:masterClrMapping/>
@@ -7221,7 +7916,7 @@
 </p:sld>
 </file>
 
-<file path=ppt/slides/slide6.xml><?xml version="1.0" encoding="utf-8"?>
+<file path=ppt/slides/slide8.xml><?xml version="1.0" encoding="utf-8"?>
 <p:sld xmlns:a="http://schemas.openxmlformats.org/drawingml/2006/main" xmlns:r="http://schemas.openxmlformats.org/officeDocument/2006/relationships" xmlns:p="http://schemas.openxmlformats.org/presentationml/2006/main">
   <p:cSld>
     <p:bg>
@@ -7338,7 +8033,7 @@
 </p:sld>
 </file>
 
-<file path=ppt/slides/slide7.xml><?xml version="1.0" encoding="utf-8"?>
+<file path=ppt/slides/slide9.xml><?xml version="1.0" encoding="utf-8"?>
 <p:sld xmlns:a="http://schemas.openxmlformats.org/drawingml/2006/main" xmlns:r="http://schemas.openxmlformats.org/officeDocument/2006/relationships" xmlns:p="http://schemas.openxmlformats.org/presentationml/2006/main">
   <p:cSld>
     <p:bg>

--- a/022_91893+_+91897+Documentation.pptx
+++ b/022_91893+_+91897+Documentation.pptx
@@ -5,7 +5,7 @@
     <p:sldMasterId id="2147483659" r:id="rId1"/>
   </p:sldMasterIdLst>
   <p:notesMasterIdLst>
-    <p:notesMasterId r:id="rId11"/>
+    <p:notesMasterId r:id="rId12"/>
   </p:notesMasterIdLst>
   <p:sldIdLst>
     <p:sldId id="256" r:id="rId2"/>
@@ -13,10 +13,11 @@
     <p:sldId id="258" r:id="rId4"/>
     <p:sldId id="259" r:id="rId5"/>
     <p:sldId id="260" r:id="rId6"/>
-    <p:sldId id="263" r:id="rId7"/>
-    <p:sldId id="264" r:id="rId8"/>
-    <p:sldId id="261" r:id="rId9"/>
-    <p:sldId id="262" r:id="rId10"/>
+    <p:sldId id="265" r:id="rId7"/>
+    <p:sldId id="263" r:id="rId8"/>
+    <p:sldId id="264" r:id="rId9"/>
+    <p:sldId id="261" r:id="rId10"/>
+    <p:sldId id="262" r:id="rId11"/>
   </p:sldIdLst>
   <p:sldSz cx="9144000" cy="5143500" type="screen16x9"/>
   <p:notesSz cx="6858000" cy="9144000"/>
@@ -280,8 +281,8 @@
 <pc:chgInfo xmlns:a="http://schemas.openxmlformats.org/drawingml/2006/main" xmlns:r="http://schemas.openxmlformats.org/officeDocument/2006/relationships" xmlns:ac="http://schemas.microsoft.com/office/drawing/2013/main/command" xmlns:pc="http://schemas.microsoft.com/office/powerpoint/2013/main/command">
   <pc:docChgLst>
     <pc:chgData name="Luka Timmermans" userId="4364fd2f-d475-40f9-8f47-058a32a73bfe" providerId="ADAL" clId="{159DA90F-DD34-45EF-96B3-FC6778599D65}"/>
-    <pc:docChg chg="custSel addSld modSld sldOrd">
-      <pc:chgData name="Luka Timmermans" userId="4364fd2f-d475-40f9-8f47-058a32a73bfe" providerId="ADAL" clId="{159DA90F-DD34-45EF-96B3-FC6778599D65}" dt="2023-05-10T01:22:00.273" v="145" actId="1076"/>
+    <pc:docChg chg="undo custSel addSld delSld modSld sldOrd">
+      <pc:chgData name="Luka Timmermans" userId="4364fd2f-d475-40f9-8f47-058a32a73bfe" providerId="ADAL" clId="{159DA90F-DD34-45EF-96B3-FC6778599D65}" dt="2023-05-11T22:53:00.742" v="403" actId="1076"/>
       <pc:docMkLst>
         <pc:docMk/>
       </pc:docMkLst>
@@ -331,23 +332,39 @@
           </ac:picMkLst>
         </pc:picChg>
       </pc:sldChg>
-      <pc:sldChg chg="addSp mod">
-        <pc:chgData name="Luka Timmermans" userId="4364fd2f-d475-40f9-8f47-058a32a73bfe" providerId="ADAL" clId="{159DA90F-DD34-45EF-96B3-FC6778599D65}" dt="2023-05-10T00:45:17.788" v="18" actId="22"/>
+      <pc:sldChg chg="addSp modSp mod">
+        <pc:chgData name="Luka Timmermans" userId="4364fd2f-d475-40f9-8f47-058a32a73bfe" providerId="ADAL" clId="{159DA90F-DD34-45EF-96B3-FC6778599D65}" dt="2023-05-11T22:53:00.742" v="403" actId="1076"/>
         <pc:sldMkLst>
           <pc:docMk/>
           <pc:sldMk cId="0" sldId="259"/>
         </pc:sldMkLst>
-        <pc:picChg chg="add">
-          <ac:chgData name="Luka Timmermans" userId="4364fd2f-d475-40f9-8f47-058a32a73bfe" providerId="ADAL" clId="{159DA90F-DD34-45EF-96B3-FC6778599D65}" dt="2023-05-10T00:45:17.788" v="18" actId="22"/>
+        <pc:spChg chg="mod">
+          <ac:chgData name="Luka Timmermans" userId="4364fd2f-d475-40f9-8f47-058a32a73bfe" providerId="ADAL" clId="{159DA90F-DD34-45EF-96B3-FC6778599D65}" dt="2023-05-11T22:52:55.051" v="401" actId="20577"/>
+          <ac:spMkLst>
+            <pc:docMk/>
+            <pc:sldMk cId="0" sldId="259"/>
+            <ac:spMk id="73" creationId="{00000000-0000-0000-0000-000000000000}"/>
+          </ac:spMkLst>
+        </pc:spChg>
+        <pc:picChg chg="add mod">
+          <ac:chgData name="Luka Timmermans" userId="4364fd2f-d475-40f9-8f47-058a32a73bfe" providerId="ADAL" clId="{159DA90F-DD34-45EF-96B3-FC6778599D65}" dt="2023-05-11T22:52:57.945" v="402" actId="1076"/>
           <ac:picMkLst>
             <pc:docMk/>
             <pc:sldMk cId="0" sldId="259"/>
             <ac:picMk id="3" creationId="{B6A08D4C-2CC7-9A9E-D0FC-223E1E2CBDAB}"/>
           </ac:picMkLst>
         </pc:picChg>
+        <pc:picChg chg="add mod">
+          <ac:chgData name="Luka Timmermans" userId="4364fd2f-d475-40f9-8f47-058a32a73bfe" providerId="ADAL" clId="{159DA90F-DD34-45EF-96B3-FC6778599D65}" dt="2023-05-11T22:53:00.742" v="403" actId="1076"/>
+          <ac:picMkLst>
+            <pc:docMk/>
+            <pc:sldMk cId="0" sldId="259"/>
+            <ac:picMk id="4" creationId="{27A25CED-7861-D071-8A44-1E3E00E867A4}"/>
+          </ac:picMkLst>
+        </pc:picChg>
       </pc:sldChg>
-      <pc:sldChg chg="addSp modSp mod">
-        <pc:chgData name="Luka Timmermans" userId="4364fd2f-d475-40f9-8f47-058a32a73bfe" providerId="ADAL" clId="{159DA90F-DD34-45EF-96B3-FC6778599D65}" dt="2023-05-10T01:22:00.273" v="145" actId="1076"/>
+      <pc:sldChg chg="addSp modSp add del mod">
+        <pc:chgData name="Luka Timmermans" userId="4364fd2f-d475-40f9-8f47-058a32a73bfe" providerId="ADAL" clId="{159DA90F-DD34-45EF-96B3-FC6778599D65}" dt="2023-05-11T22:44:28.261" v="152" actId="2696"/>
         <pc:sldMkLst>
           <pc:docMk/>
           <pc:sldMk cId="0" sldId="260"/>
@@ -406,6 +423,76 @@
             <ac:spMk id="78" creationId="{00000000-0000-0000-0000-000000000000}"/>
           </ac:spMkLst>
         </pc:spChg>
+      </pc:sldChg>
+      <pc:sldChg chg="addSp delSp modSp add mod">
+        <pc:chgData name="Luka Timmermans" userId="4364fd2f-d475-40f9-8f47-058a32a73bfe" providerId="ADAL" clId="{159DA90F-DD34-45EF-96B3-FC6778599D65}" dt="2023-05-11T22:49:42.884" v="254" actId="20577"/>
+        <pc:sldMkLst>
+          <pc:docMk/>
+          <pc:sldMk cId="3601791895" sldId="265"/>
+        </pc:sldMkLst>
+        <pc:spChg chg="mod">
+          <ac:chgData name="Luka Timmermans" userId="4364fd2f-d475-40f9-8f47-058a32a73bfe" providerId="ADAL" clId="{159DA90F-DD34-45EF-96B3-FC6778599D65}" dt="2023-05-11T22:44:48.484" v="165" actId="20577"/>
+          <ac:spMkLst>
+            <pc:docMk/>
+            <pc:sldMk cId="3601791895" sldId="265"/>
+            <ac:spMk id="78" creationId="{00000000-0000-0000-0000-000000000000}"/>
+          </ac:spMkLst>
+        </pc:spChg>
+        <pc:graphicFrameChg chg="modGraphic">
+          <ac:chgData name="Luka Timmermans" userId="4364fd2f-d475-40f9-8f47-058a32a73bfe" providerId="ADAL" clId="{159DA90F-DD34-45EF-96B3-FC6778599D65}" dt="2023-05-11T22:49:42.884" v="254" actId="20577"/>
+          <ac:graphicFrameMkLst>
+            <pc:docMk/>
+            <pc:sldMk cId="3601791895" sldId="265"/>
+            <ac:graphicFrameMk id="79" creationId="{00000000-0000-0000-0000-000000000000}"/>
+          </ac:graphicFrameMkLst>
+        </pc:graphicFrameChg>
+        <pc:picChg chg="del">
+          <ac:chgData name="Luka Timmermans" userId="4364fd2f-d475-40f9-8f47-058a32a73bfe" providerId="ADAL" clId="{159DA90F-DD34-45EF-96B3-FC6778599D65}" dt="2023-05-11T22:44:38.200" v="154" actId="478"/>
+          <ac:picMkLst>
+            <pc:docMk/>
+            <pc:sldMk cId="3601791895" sldId="265"/>
+            <ac:picMk id="3" creationId="{F6202E83-3BAC-3030-2E45-E6B4264EDBC5}"/>
+          </ac:picMkLst>
+        </pc:picChg>
+        <pc:picChg chg="add mod">
+          <ac:chgData name="Luka Timmermans" userId="4364fd2f-d475-40f9-8f47-058a32a73bfe" providerId="ADAL" clId="{159DA90F-DD34-45EF-96B3-FC6778599D65}" dt="2023-05-11T22:48:16.604" v="174" actId="14100"/>
+          <ac:picMkLst>
+            <pc:docMk/>
+            <pc:sldMk cId="3601791895" sldId="265"/>
+            <ac:picMk id="4" creationId="{D5F8AEBF-C069-1DC0-EA92-C274CC618488}"/>
+          </ac:picMkLst>
+        </pc:picChg>
+        <pc:picChg chg="del">
+          <ac:chgData name="Luka Timmermans" userId="4364fd2f-d475-40f9-8f47-058a32a73bfe" providerId="ADAL" clId="{159DA90F-DD34-45EF-96B3-FC6778599D65}" dt="2023-05-11T22:44:38.859" v="155" actId="478"/>
+          <ac:picMkLst>
+            <pc:docMk/>
+            <pc:sldMk cId="3601791895" sldId="265"/>
+            <ac:picMk id="5" creationId="{1FA4F332-64B1-00DF-7515-4036D28051C7}"/>
+          </ac:picMkLst>
+        </pc:picChg>
+        <pc:picChg chg="add mod">
+          <ac:chgData name="Luka Timmermans" userId="4364fd2f-d475-40f9-8f47-058a32a73bfe" providerId="ADAL" clId="{159DA90F-DD34-45EF-96B3-FC6778599D65}" dt="2023-05-11T22:48:19.947" v="175" actId="1076"/>
+          <ac:picMkLst>
+            <pc:docMk/>
+            <pc:sldMk cId="3601791895" sldId="265"/>
+            <ac:picMk id="7" creationId="{6A489A80-C444-1706-A414-DE29B083D94A}"/>
+          </ac:picMkLst>
+        </pc:picChg>
+      </pc:sldChg>
+      <pc:sldChg chg="modSp add del mod ord">
+        <pc:chgData name="Luka Timmermans" userId="4364fd2f-d475-40f9-8f47-058a32a73bfe" providerId="ADAL" clId="{159DA90F-DD34-45EF-96B3-FC6778599D65}" dt="2023-05-11T22:44:23.006" v="150" actId="2696"/>
+        <pc:sldMkLst>
+          <pc:docMk/>
+          <pc:sldMk cId="3686154663" sldId="265"/>
+        </pc:sldMkLst>
+        <pc:graphicFrameChg chg="mod">
+          <ac:chgData name="Luka Timmermans" userId="4364fd2f-d475-40f9-8f47-058a32a73bfe" providerId="ADAL" clId="{159DA90F-DD34-45EF-96B3-FC6778599D65}" dt="2023-05-11T22:18:48.269" v="149" actId="1076"/>
+          <ac:graphicFrameMkLst>
+            <pc:docMk/>
+            <pc:sldMk cId="3686154663" sldId="265"/>
+            <ac:graphicFrameMk id="79" creationId="{00000000-0000-0000-0000-000000000000}"/>
+          </ac:graphicFrameMkLst>
+        </pc:graphicFrameChg>
       </pc:sldChg>
     </pc:docChg>
   </pc:docChgLst>
@@ -996,6 +1083,114 @@
 </p:notes>
 </file>
 
+<file path=ppt/notesSlides/notesSlide10.xml><?xml version="1.0" encoding="utf-8"?>
+<p:notes xmlns:a="http://schemas.openxmlformats.org/drawingml/2006/main" xmlns:r="http://schemas.openxmlformats.org/officeDocument/2006/relationships" xmlns:p="http://schemas.openxmlformats.org/presentationml/2006/main" showMasterSp="0" showMasterPhAnim="0">
+  <p:cSld>
+    <p:spTree>
+      <p:nvGrpSpPr>
+        <p:cNvPr id="1" name="Shape 86"/>
+        <p:cNvGrpSpPr/>
+        <p:nvPr/>
+      </p:nvGrpSpPr>
+      <p:grpSpPr>
+        <a:xfrm>
+          <a:off x="0" y="0"/>
+          <a:ext cx="0" cy="0"/>
+          <a:chOff x="0" y="0"/>
+          <a:chExt cx="0" cy="0"/>
+        </a:xfrm>
+      </p:grpSpPr>
+      <p:sp>
+        <p:nvSpPr>
+          <p:cNvPr id="87" name="Google Shape;87;gac10fef634_0_30:notes"/>
+          <p:cNvSpPr>
+            <a:spLocks noGrp="1" noRot="1" noChangeAspect="1"/>
+          </p:cNvSpPr>
+          <p:nvPr>
+            <p:ph type="sldImg" idx="2"/>
+          </p:nvPr>
+        </p:nvSpPr>
+        <p:spPr>
+          <a:xfrm>
+            <a:off x="381000" y="685800"/>
+            <a:ext cx="6096000" cy="3429000"/>
+          </a:xfrm>
+          <a:custGeom>
+            <a:avLst/>
+            <a:gdLst/>
+            <a:ahLst/>
+            <a:cxnLst/>
+            <a:rect l="l" t="t" r="r" b="b"/>
+            <a:pathLst>
+              <a:path w="120000" h="120000" extrusionOk="0">
+                <a:moveTo>
+                  <a:pt x="0" y="0"/>
+                </a:moveTo>
+                <a:lnTo>
+                  <a:pt x="120000" y="0"/>
+                </a:lnTo>
+                <a:lnTo>
+                  <a:pt x="120000" y="120000"/>
+                </a:lnTo>
+                <a:lnTo>
+                  <a:pt x="0" y="120000"/>
+                </a:lnTo>
+                <a:close/>
+              </a:path>
+            </a:pathLst>
+          </a:custGeom>
+        </p:spPr>
+      </p:sp>
+      <p:sp>
+        <p:nvSpPr>
+          <p:cNvPr id="88" name="Google Shape;88;gac10fef634_0_30:notes"/>
+          <p:cNvSpPr txBox="1">
+            <a:spLocks noGrp="1"/>
+          </p:cNvSpPr>
+          <p:nvPr>
+            <p:ph type="body" idx="1"/>
+          </p:nvPr>
+        </p:nvSpPr>
+        <p:spPr>
+          <a:xfrm>
+            <a:off x="685800" y="4343400"/>
+            <a:ext cx="5486400" cy="4114800"/>
+          </a:xfrm>
+          <a:prstGeom prst="rect">
+            <a:avLst/>
+          </a:prstGeom>
+        </p:spPr>
+        <p:txBody>
+          <a:bodyPr spcFirstLastPara="1" wrap="square" lIns="91425" tIns="91425" rIns="91425" bIns="91425" anchor="t" anchorCtr="0">
+            <a:noAutofit/>
+          </a:bodyPr>
+          <a:lstStyle/>
+          <a:p>
+            <a:pPr marL="0" lvl="0" indent="0" algn="l" rtl="0">
+              <a:spcBef>
+                <a:spcPts val="0"/>
+              </a:spcBef>
+              <a:spcAft>
+                <a:spcPts val="0"/>
+              </a:spcAft>
+              <a:buNone/>
+            </a:pPr>
+            <a:r>
+              <a:rPr lang="en"/>
+              <a:t>Discusses how the information from planning, testing and trialling of components assisted in the development of a high-quality outcome</a:t>
+            </a:r>
+            <a:endParaRPr/>
+          </a:p>
+        </p:txBody>
+      </p:sp>
+    </p:spTree>
+  </p:cSld>
+  <p:clrMapOvr>
+    <a:masterClrMapping/>
+  </p:clrMapOvr>
+</p:notes>
+</file>
+
 <file path=ppt/notesSlides/notesSlide2.xml><?xml version="1.0" encoding="utf-8"?>
 <p:notes xmlns:a="http://schemas.openxmlformats.org/drawingml/2006/main" xmlns:r="http://schemas.openxmlformats.org/officeDocument/2006/relationships" xmlns:p="http://schemas.openxmlformats.org/presentationml/2006/main" showMasterSp="0" showMasterPhAnim="0">
   <p:cSld>
@@ -1442,6 +1637,115 @@
   <p:cSld>
     <p:spTree>
       <p:nvGrpSpPr>
+        <p:cNvPr id="1" name="Shape 74"/>
+        <p:cNvGrpSpPr/>
+        <p:nvPr/>
+      </p:nvGrpSpPr>
+      <p:grpSpPr>
+        <a:xfrm>
+          <a:off x="0" y="0"/>
+          <a:ext cx="0" cy="0"/>
+          <a:chOff x="0" y="0"/>
+          <a:chExt cx="0" cy="0"/>
+        </a:xfrm>
+      </p:grpSpPr>
+      <p:sp>
+        <p:nvSpPr>
+          <p:cNvPr id="75" name="Google Shape;75;gac10fef634_0_20:notes"/>
+          <p:cNvSpPr>
+            <a:spLocks noGrp="1" noRot="1" noChangeAspect="1"/>
+          </p:cNvSpPr>
+          <p:nvPr>
+            <p:ph type="sldImg" idx="2"/>
+          </p:nvPr>
+        </p:nvSpPr>
+        <p:spPr>
+          <a:xfrm>
+            <a:off x="381000" y="685800"/>
+            <a:ext cx="6096000" cy="3429000"/>
+          </a:xfrm>
+          <a:custGeom>
+            <a:avLst/>
+            <a:gdLst/>
+            <a:ahLst/>
+            <a:cxnLst/>
+            <a:rect l="l" t="t" r="r" b="b"/>
+            <a:pathLst>
+              <a:path w="120000" h="120000" extrusionOk="0">
+                <a:moveTo>
+                  <a:pt x="0" y="0"/>
+                </a:moveTo>
+                <a:lnTo>
+                  <a:pt x="120000" y="0"/>
+                </a:lnTo>
+                <a:lnTo>
+                  <a:pt x="120000" y="120000"/>
+                </a:lnTo>
+                <a:lnTo>
+                  <a:pt x="0" y="120000"/>
+                </a:lnTo>
+                <a:close/>
+              </a:path>
+            </a:pathLst>
+          </a:custGeom>
+        </p:spPr>
+      </p:sp>
+      <p:sp>
+        <p:nvSpPr>
+          <p:cNvPr id="76" name="Google Shape;76;gac10fef634_0_20:notes"/>
+          <p:cNvSpPr txBox="1">
+            <a:spLocks noGrp="1"/>
+          </p:cNvSpPr>
+          <p:nvPr>
+            <p:ph type="body" idx="1"/>
+          </p:nvPr>
+        </p:nvSpPr>
+        <p:spPr>
+          <a:xfrm>
+            <a:off x="685800" y="4343400"/>
+            <a:ext cx="5486400" cy="4114800"/>
+          </a:xfrm>
+          <a:prstGeom prst="rect">
+            <a:avLst/>
+          </a:prstGeom>
+        </p:spPr>
+        <p:txBody>
+          <a:bodyPr spcFirstLastPara="1" wrap="square" lIns="91425" tIns="91425" rIns="91425" bIns="91425" anchor="t" anchorCtr="0">
+            <a:noAutofit/>
+          </a:bodyPr>
+          <a:lstStyle/>
+          <a:p>
+            <a:pPr marL="0" lvl="0" indent="0" algn="l" rtl="0">
+              <a:spcBef>
+                <a:spcPts val="0"/>
+              </a:spcBef>
+              <a:spcAft>
+                <a:spcPts val="0"/>
+              </a:spcAft>
+              <a:buNone/>
+            </a:pPr>
+            <a:endParaRPr/>
+          </a:p>
+        </p:txBody>
+      </p:sp>
+    </p:spTree>
+    <p:extLst>
+      <p:ext uri="{BB962C8B-B14F-4D97-AF65-F5344CB8AC3E}">
+        <p14:creationId xmlns:p14="http://schemas.microsoft.com/office/powerpoint/2010/main" val="3743845765"/>
+      </p:ext>
+    </p:extLst>
+  </p:cSld>
+  <p:clrMapOvr>
+    <a:masterClrMapping/>
+  </p:clrMapOvr>
+</p:notes>
+</file>
+
+<file path=ppt/notesSlides/notesSlide7.xml><?xml version="1.0" encoding="utf-8"?>
+<p:notes xmlns:a="http://schemas.openxmlformats.org/drawingml/2006/main" xmlns:r="http://schemas.openxmlformats.org/officeDocument/2006/relationships" xmlns:p="http://schemas.openxmlformats.org/presentationml/2006/main" showMasterSp="0" showMasterPhAnim="0">
+  <p:cSld>
+    <p:spTree>
+      <p:nvGrpSpPr>
         <p:cNvPr id="1" name="Shape 69"/>
         <p:cNvGrpSpPr/>
         <p:nvPr/>
@@ -1546,7 +1850,7 @@
 </p:notes>
 </file>
 
-<file path=ppt/notesSlides/notesSlide7.xml><?xml version="1.0" encoding="utf-8"?>
+<file path=ppt/notesSlides/notesSlide8.xml><?xml version="1.0" encoding="utf-8"?>
 <p:notes xmlns:a="http://schemas.openxmlformats.org/drawingml/2006/main" xmlns:r="http://schemas.openxmlformats.org/officeDocument/2006/relationships" xmlns:p="http://schemas.openxmlformats.org/presentationml/2006/main" showMasterSp="0" showMasterPhAnim="0">
   <p:cSld>
     <p:spTree>
@@ -1655,7 +1959,7 @@
 </p:notes>
 </file>
 
-<file path=ppt/notesSlides/notesSlide8.xml><?xml version="1.0" encoding="utf-8"?>
+<file path=ppt/notesSlides/notesSlide9.xml><?xml version="1.0" encoding="utf-8"?>
 <p:notes xmlns:a="http://schemas.openxmlformats.org/drawingml/2006/main" xmlns:r="http://schemas.openxmlformats.org/officeDocument/2006/relationships" xmlns:p="http://schemas.openxmlformats.org/presentationml/2006/main" showMasterSp="0" showMasterPhAnim="0">
   <p:cSld>
     <p:spTree>
@@ -1768,114 +2072,6 @@
               </a:spcAft>
               <a:buNone/>
             </a:pPr>
-            <a:endParaRPr/>
-          </a:p>
-        </p:txBody>
-      </p:sp>
-    </p:spTree>
-  </p:cSld>
-  <p:clrMapOvr>
-    <a:masterClrMapping/>
-  </p:clrMapOvr>
-</p:notes>
-</file>
-
-<file path=ppt/notesSlides/notesSlide9.xml><?xml version="1.0" encoding="utf-8"?>
-<p:notes xmlns:a="http://schemas.openxmlformats.org/drawingml/2006/main" xmlns:r="http://schemas.openxmlformats.org/officeDocument/2006/relationships" xmlns:p="http://schemas.openxmlformats.org/presentationml/2006/main" showMasterSp="0" showMasterPhAnim="0">
-  <p:cSld>
-    <p:spTree>
-      <p:nvGrpSpPr>
-        <p:cNvPr id="1" name="Shape 86"/>
-        <p:cNvGrpSpPr/>
-        <p:nvPr/>
-      </p:nvGrpSpPr>
-      <p:grpSpPr>
-        <a:xfrm>
-          <a:off x="0" y="0"/>
-          <a:ext cx="0" cy="0"/>
-          <a:chOff x="0" y="0"/>
-          <a:chExt cx="0" cy="0"/>
-        </a:xfrm>
-      </p:grpSpPr>
-      <p:sp>
-        <p:nvSpPr>
-          <p:cNvPr id="87" name="Google Shape;87;gac10fef634_0_30:notes"/>
-          <p:cNvSpPr>
-            <a:spLocks noGrp="1" noRot="1" noChangeAspect="1"/>
-          </p:cNvSpPr>
-          <p:nvPr>
-            <p:ph type="sldImg" idx="2"/>
-          </p:nvPr>
-        </p:nvSpPr>
-        <p:spPr>
-          <a:xfrm>
-            <a:off x="381000" y="685800"/>
-            <a:ext cx="6096000" cy="3429000"/>
-          </a:xfrm>
-          <a:custGeom>
-            <a:avLst/>
-            <a:gdLst/>
-            <a:ahLst/>
-            <a:cxnLst/>
-            <a:rect l="l" t="t" r="r" b="b"/>
-            <a:pathLst>
-              <a:path w="120000" h="120000" extrusionOk="0">
-                <a:moveTo>
-                  <a:pt x="0" y="0"/>
-                </a:moveTo>
-                <a:lnTo>
-                  <a:pt x="120000" y="0"/>
-                </a:lnTo>
-                <a:lnTo>
-                  <a:pt x="120000" y="120000"/>
-                </a:lnTo>
-                <a:lnTo>
-                  <a:pt x="0" y="120000"/>
-                </a:lnTo>
-                <a:close/>
-              </a:path>
-            </a:pathLst>
-          </a:custGeom>
-        </p:spPr>
-      </p:sp>
-      <p:sp>
-        <p:nvSpPr>
-          <p:cNvPr id="88" name="Google Shape;88;gac10fef634_0_30:notes"/>
-          <p:cNvSpPr txBox="1">
-            <a:spLocks noGrp="1"/>
-          </p:cNvSpPr>
-          <p:nvPr>
-            <p:ph type="body" idx="1"/>
-          </p:nvPr>
-        </p:nvSpPr>
-        <p:spPr>
-          <a:xfrm>
-            <a:off x="685800" y="4343400"/>
-            <a:ext cx="5486400" cy="4114800"/>
-          </a:xfrm>
-          <a:prstGeom prst="rect">
-            <a:avLst/>
-          </a:prstGeom>
-        </p:spPr>
-        <p:txBody>
-          <a:bodyPr spcFirstLastPara="1" wrap="square" lIns="91425" tIns="91425" rIns="91425" bIns="91425" anchor="t" anchorCtr="0">
-            <a:noAutofit/>
-          </a:bodyPr>
-          <a:lstStyle/>
-          <a:p>
-            <a:pPr marL="0" lvl="0" indent="0" algn="l" rtl="0">
-              <a:spcBef>
-                <a:spcPts val="0"/>
-              </a:spcBef>
-              <a:spcAft>
-                <a:spcPts val="0"/>
-              </a:spcAft>
-              <a:buNone/>
-            </a:pPr>
-            <a:r>
-              <a:rPr lang="en"/>
-              <a:t>Discusses how the information from planning, testing and trialling of components assisted in the development of a high-quality outcome</a:t>
-            </a:r>
             <a:endParaRPr/>
           </a:p>
         </p:txBody>
@@ -6940,6 +7136,85 @@
 </p:sld>
 </file>
 
+<file path=ppt/slides/slide10.xml><?xml version="1.0" encoding="utf-8"?>
+<p:sld xmlns:a="http://schemas.openxmlformats.org/drawingml/2006/main" xmlns:r="http://schemas.openxmlformats.org/officeDocument/2006/relationships" xmlns:p="http://schemas.openxmlformats.org/presentationml/2006/main">
+  <p:cSld>
+    <p:bg>
+      <p:bgPr>
+        <a:solidFill>
+          <a:srgbClr val="FFE599"/>
+        </a:solidFill>
+        <a:effectLst/>
+      </p:bgPr>
+    </p:bg>
+    <p:spTree>
+      <p:nvGrpSpPr>
+        <p:cNvPr id="1" name="Shape 89"/>
+        <p:cNvGrpSpPr/>
+        <p:nvPr/>
+      </p:nvGrpSpPr>
+      <p:grpSpPr>
+        <a:xfrm>
+          <a:off x="0" y="0"/>
+          <a:ext cx="0" cy="0"/>
+          <a:chOff x="0" y="0"/>
+          <a:chExt cx="0" cy="0"/>
+        </a:xfrm>
+      </p:grpSpPr>
+      <p:sp>
+        <p:nvSpPr>
+          <p:cNvPr id="90" name="Google Shape;90;p19"/>
+          <p:cNvSpPr txBox="1">
+            <a:spLocks noGrp="1"/>
+          </p:cNvSpPr>
+          <p:nvPr>
+            <p:ph type="body" idx="1"/>
+          </p:nvPr>
+        </p:nvSpPr>
+        <p:spPr>
+          <a:xfrm>
+            <a:off x="311700" y="397700"/>
+            <a:ext cx="8520600" cy="4171200"/>
+          </a:xfrm>
+          <a:prstGeom prst="rect">
+            <a:avLst/>
+          </a:prstGeom>
+        </p:spPr>
+        <p:txBody>
+          <a:bodyPr spcFirstLastPara="1" wrap="square" lIns="91425" tIns="91425" rIns="91425" bIns="91425" anchor="t" anchorCtr="0">
+            <a:noAutofit/>
+          </a:bodyPr>
+          <a:lstStyle/>
+          <a:p>
+            <a:pPr marL="0" lvl="0" indent="0" algn="l" rtl="0">
+              <a:spcBef>
+                <a:spcPts val="0"/>
+              </a:spcBef>
+              <a:spcAft>
+                <a:spcPts val="1600"/>
+              </a:spcAft>
+              <a:buNone/>
+            </a:pPr>
+            <a:r>
+              <a:rPr lang="en" b="1" i="1">
+                <a:solidFill>
+                  <a:srgbClr val="595959"/>
+                </a:solidFill>
+              </a:rPr>
+              <a:t>Discusses how the information from planning, testing and trialling of components assisted in the development of a high-quality outcome</a:t>
+            </a:r>
+            <a:endParaRPr/>
+          </a:p>
+        </p:txBody>
+      </p:sp>
+    </p:spTree>
+  </p:cSld>
+  <p:clrMapOvr>
+    <a:masterClrMapping/>
+  </p:clrMapOvr>
+</p:sld>
+</file>
+
 <file path=ppt/slides/slide2.xml><?xml version="1.0" encoding="utf-8"?>
 <p:sld xmlns:a="http://schemas.openxmlformats.org/drawingml/2006/main" xmlns:r="http://schemas.openxmlformats.org/officeDocument/2006/relationships" xmlns:p="http://schemas.openxmlformats.org/presentationml/2006/main">
   <p:cSld>
@@ -7292,10 +7567,34 @@
               <a:buNone/>
             </a:pPr>
             <a:r>
-              <a:rPr lang="en"/>
+              <a:rPr lang="en" dirty="0"/>
               <a:t>Component 1 (Trello screenshot)</a:t>
             </a:r>
-            <a:endParaRPr/>
+            <a:br>
+              <a:rPr lang="en" dirty="0"/>
+            </a:br>
+            <a:br>
+              <a:rPr lang="en" dirty="0"/>
+            </a:br>
+            <a:r>
+              <a:rPr lang="en" dirty="0"/>
+              <a:t>Version 1                              </a:t>
+            </a:r>
+            <a:br>
+              <a:rPr lang="en" dirty="0"/>
+            </a:br>
+            <a:r>
+              <a:rPr lang="en" dirty="0"/>
+              <a:t>                        </a:t>
+            </a:r>
+            <a:br>
+              <a:rPr lang="en" dirty="0"/>
+            </a:br>
+            <a:r>
+              <a:rPr lang="en" dirty="0"/>
+              <a:t>                                                    Version 2</a:t>
+            </a:r>
+            <a:endParaRPr dirty="0"/>
           </a:p>
         </p:txBody>
       </p:sp>
@@ -7321,8 +7620,38 @@
         </p:blipFill>
         <p:spPr>
           <a:xfrm>
-            <a:off x="0" y="1085346"/>
-            <a:ext cx="9144000" cy="2972807"/>
+            <a:off x="0" y="1864743"/>
+            <a:ext cx="4572000" cy="1766227"/>
+          </a:xfrm>
+          <a:prstGeom prst="rect">
+            <a:avLst/>
+          </a:prstGeom>
+        </p:spPr>
+      </p:pic>
+      <p:pic>
+        <p:nvPicPr>
+          <p:cNvPr id="4" name="Picture 3">
+            <a:extLst>
+              <a:ext uri="{FF2B5EF4-FFF2-40B4-BE49-F238E27FC236}">
+                <a16:creationId xmlns:a16="http://schemas.microsoft.com/office/drawing/2014/main" id="{27A25CED-7861-D071-8A44-1E3E00E867A4}"/>
+              </a:ext>
+            </a:extLst>
+          </p:cNvPr>
+          <p:cNvPicPr>
+            <a:picLocks noChangeAspect="1"/>
+          </p:cNvPicPr>
+          <p:nvPr/>
+        </p:nvPicPr>
+        <p:blipFill>
+          <a:blip r:embed="rId4"/>
+          <a:stretch>
+            <a:fillRect/>
+          </a:stretch>
+        </p:blipFill>
+        <p:spPr>
+          <a:xfrm>
+            <a:off x="4260300" y="2711761"/>
+            <a:ext cx="4572000" cy="1766227"/>
           </a:xfrm>
           <a:prstGeom prst="rect">
             <a:avLst/>
@@ -7624,6 +7953,295 @@
 <file path=ppt/slides/slide6.xml><?xml version="1.0" encoding="utf-8"?>
 <p:sld xmlns:a="http://schemas.openxmlformats.org/drawingml/2006/main" xmlns:r="http://schemas.openxmlformats.org/officeDocument/2006/relationships" xmlns:p="http://schemas.openxmlformats.org/presentationml/2006/main">
   <p:cSld>
+    <p:spTree>
+      <p:nvGrpSpPr>
+        <p:cNvPr id="1" name="Shape 77"/>
+        <p:cNvGrpSpPr/>
+        <p:nvPr/>
+      </p:nvGrpSpPr>
+      <p:grpSpPr>
+        <a:xfrm>
+          <a:off x="0" y="0"/>
+          <a:ext cx="0" cy="0"/>
+          <a:chOff x="0" y="0"/>
+          <a:chExt cx="0" cy="0"/>
+        </a:xfrm>
+      </p:grpSpPr>
+      <p:sp>
+        <p:nvSpPr>
+          <p:cNvPr id="78" name="Google Shape;78;p17"/>
+          <p:cNvSpPr txBox="1">
+            <a:spLocks noGrp="1"/>
+          </p:cNvSpPr>
+          <p:nvPr>
+            <p:ph type="title"/>
+          </p:nvPr>
+        </p:nvSpPr>
+        <p:spPr>
+          <a:xfrm>
+            <a:off x="311700" y="445025"/>
+            <a:ext cx="8520600" cy="572700"/>
+          </a:xfrm>
+          <a:prstGeom prst="rect">
+            <a:avLst/>
+          </a:prstGeom>
+        </p:spPr>
+        <p:txBody>
+          <a:bodyPr spcFirstLastPara="1" wrap="square" lIns="91425" tIns="91425" rIns="91425" bIns="91425" anchor="t" anchorCtr="0">
+            <a:noAutofit/>
+          </a:bodyPr>
+          <a:lstStyle/>
+          <a:p>
+            <a:pPr marL="0" lvl="0" indent="0" algn="l" rtl="0">
+              <a:spcBef>
+                <a:spcPts val="0"/>
+              </a:spcBef>
+              <a:spcAft>
+                <a:spcPts val="0"/>
+              </a:spcAft>
+              <a:buNone/>
+            </a:pPr>
+            <a:r>
+              <a:rPr lang="en" dirty="0"/>
+              <a:t>Component 1 version 2 - Test Plan (?and screenshot)</a:t>
+            </a:r>
+            <a:endParaRPr dirty="0"/>
+          </a:p>
+        </p:txBody>
+      </p:sp>
+      <p:graphicFrame>
+        <p:nvGraphicFramePr>
+          <p:cNvPr id="79" name="Google Shape;79;p17"/>
+          <p:cNvGraphicFramePr/>
+          <p:nvPr>
+            <p:extLst>
+              <p:ext uri="{D42A27DB-BD31-4B8C-83A1-F6EECF244321}">
+                <p14:modId xmlns:p14="http://schemas.microsoft.com/office/powerpoint/2010/main" val="1780533050"/>
+              </p:ext>
+            </p:extLst>
+          </p:nvPr>
+        </p:nvGraphicFramePr>
+        <p:xfrm>
+          <a:off x="311700" y="3577431"/>
+          <a:ext cx="8520600" cy="1462980"/>
+        </p:xfrm>
+        <a:graphic>
+          <a:graphicData uri="http://schemas.openxmlformats.org/drawingml/2006/table">
+            <a:tbl>
+              <a:tblPr>
+                <a:noFill/>
+                <a:tableStyleId>{E1099E06-0E6B-448D-9D27-60429F06E6F4}</a:tableStyleId>
+              </a:tblPr>
+              <a:tblGrid>
+                <a:gridCol w="4260300">
+                  <a:extLst>
+                    <a:ext uri="{9D8B030D-6E8A-4147-A177-3AD203B41FA5}">
+                      <a16:colId xmlns:a16="http://schemas.microsoft.com/office/drawing/2014/main" val="20000"/>
+                    </a:ext>
+                  </a:extLst>
+                </a:gridCol>
+                <a:gridCol w="4260300">
+                  <a:extLst>
+                    <a:ext uri="{9D8B030D-6E8A-4147-A177-3AD203B41FA5}">
+                      <a16:colId xmlns:a16="http://schemas.microsoft.com/office/drawing/2014/main" val="20001"/>
+                    </a:ext>
+                  </a:extLst>
+                </a:gridCol>
+              </a:tblGrid>
+              <a:tr h="381000">
+                <a:tc>
+                  <a:txBody>
+                    <a:bodyPr/>
+                    <a:lstStyle/>
+                    <a:p>
+                      <a:pPr marL="0" lvl="0" indent="0" algn="l" rtl="0">
+                        <a:spcBef>
+                          <a:spcPts val="0"/>
+                        </a:spcBef>
+                        <a:spcAft>
+                          <a:spcPts val="0"/>
+                        </a:spcAft>
+                        <a:buNone/>
+                      </a:pPr>
+                      <a:r>
+                        <a:rPr lang="en" sz="1800" b="1" dirty="0"/>
+                        <a:t>Test Case</a:t>
+                      </a:r>
+                      <a:endParaRPr sz="1800" b="1" dirty="0"/>
+                    </a:p>
+                  </a:txBody>
+                  <a:tcPr marL="91425" marR="91425" marT="91425" marB="91425">
+                    <a:solidFill>
+                      <a:srgbClr val="CCCCCC"/>
+                    </a:solidFill>
+                  </a:tcPr>
+                </a:tc>
+                <a:tc>
+                  <a:txBody>
+                    <a:bodyPr/>
+                    <a:lstStyle/>
+                    <a:p>
+                      <a:pPr marL="0" lvl="0" indent="0" algn="l" rtl="0">
+                        <a:spcBef>
+                          <a:spcPts val="0"/>
+                        </a:spcBef>
+                        <a:spcAft>
+                          <a:spcPts val="0"/>
+                        </a:spcAft>
+                        <a:buNone/>
+                      </a:pPr>
+                      <a:r>
+                        <a:rPr lang="en" sz="1800" b="1"/>
+                        <a:t>Expected Values</a:t>
+                      </a:r>
+                      <a:endParaRPr sz="1800" b="1"/>
+                    </a:p>
+                  </a:txBody>
+                  <a:tcPr marL="91425" marR="91425" marT="91425" marB="91425">
+                    <a:solidFill>
+                      <a:srgbClr val="CCCCCC"/>
+                    </a:solidFill>
+                  </a:tcPr>
+                </a:tc>
+                <a:extLst>
+                  <a:ext uri="{0D108BD9-81ED-4DB2-BD59-A6C34878D82A}">
+                    <a16:rowId xmlns:a16="http://schemas.microsoft.com/office/drawing/2014/main" val="10000"/>
+                  </a:ext>
+                </a:extLst>
+              </a:tr>
+              <a:tr h="396200">
+                <a:tc>
+                  <a:txBody>
+                    <a:bodyPr/>
+                    <a:lstStyle/>
+                    <a:p>
+                      <a:pPr marL="0" lvl="0" indent="0" algn="l" rtl="0">
+                        <a:spcBef>
+                          <a:spcPts val="0"/>
+                        </a:spcBef>
+                        <a:spcAft>
+                          <a:spcPts val="0"/>
+                        </a:spcAft>
+                        <a:buNone/>
+                      </a:pPr>
+                      <a:r>
+                        <a:rPr lang="en-NZ" sz="1800" dirty="0"/>
+                        <a:t>Run program </a:t>
+                      </a:r>
+                      <a:endParaRPr sz="1800" dirty="0"/>
+                    </a:p>
+                  </a:txBody>
+                  <a:tcPr marL="91425" marR="91425" marT="91425" marB="91425"/>
+                </a:tc>
+                <a:tc>
+                  <a:txBody>
+                    <a:bodyPr/>
+                    <a:lstStyle/>
+                    <a:p>
+                      <a:pPr marL="0" lvl="0" indent="0" algn="l" rtl="0">
+                        <a:spcBef>
+                          <a:spcPts val="0"/>
+                        </a:spcBef>
+                        <a:spcAft>
+                          <a:spcPts val="0"/>
+                        </a:spcAft>
+                        <a:buNone/>
+                      </a:pPr>
+                      <a:r>
+                        <a:rPr lang="en-NZ" sz="1800" dirty="0"/>
+                        <a:t>Main and welcome run correctly. Welcome message prints with random name.</a:t>
+                      </a:r>
+                      <a:endParaRPr sz="1800" dirty="0"/>
+                    </a:p>
+                  </a:txBody>
+                  <a:tcPr marL="91425" marR="91425" marT="91425" marB="91425"/>
+                </a:tc>
+                <a:extLst>
+                  <a:ext uri="{0D108BD9-81ED-4DB2-BD59-A6C34878D82A}">
+                    <a16:rowId xmlns:a16="http://schemas.microsoft.com/office/drawing/2014/main" val="10001"/>
+                  </a:ext>
+                </a:extLst>
+              </a:tr>
+            </a:tbl>
+          </a:graphicData>
+        </a:graphic>
+      </p:graphicFrame>
+      <p:pic>
+        <p:nvPicPr>
+          <p:cNvPr id="4" name="Picture 3">
+            <a:extLst>
+              <a:ext uri="{FF2B5EF4-FFF2-40B4-BE49-F238E27FC236}">
+                <a16:creationId xmlns:a16="http://schemas.microsoft.com/office/drawing/2014/main" id="{D5F8AEBF-C069-1DC0-EA92-C274CC618488}"/>
+              </a:ext>
+            </a:extLst>
+          </p:cNvPr>
+          <p:cNvPicPr>
+            <a:picLocks noChangeAspect="1"/>
+          </p:cNvPicPr>
+          <p:nvPr/>
+        </p:nvPicPr>
+        <p:blipFill>
+          <a:blip r:embed="rId3"/>
+          <a:stretch>
+            <a:fillRect/>
+          </a:stretch>
+        </p:blipFill>
+        <p:spPr>
+          <a:xfrm>
+            <a:off x="311699" y="1358750"/>
+            <a:ext cx="3068193" cy="2238447"/>
+          </a:xfrm>
+          <a:prstGeom prst="rect">
+            <a:avLst/>
+          </a:prstGeom>
+        </p:spPr>
+      </p:pic>
+      <p:pic>
+        <p:nvPicPr>
+          <p:cNvPr id="7" name="Picture 6">
+            <a:extLst>
+              <a:ext uri="{FF2B5EF4-FFF2-40B4-BE49-F238E27FC236}">
+                <a16:creationId xmlns:a16="http://schemas.microsoft.com/office/drawing/2014/main" id="{6A489A80-C444-1706-A414-DE29B083D94A}"/>
+              </a:ext>
+            </a:extLst>
+          </p:cNvPr>
+          <p:cNvPicPr>
+            <a:picLocks noChangeAspect="1"/>
+          </p:cNvPicPr>
+          <p:nvPr/>
+        </p:nvPicPr>
+        <p:blipFill>
+          <a:blip r:embed="rId4"/>
+          <a:stretch>
+            <a:fillRect/>
+          </a:stretch>
+        </p:blipFill>
+        <p:spPr>
+          <a:xfrm>
+            <a:off x="3379892" y="1945104"/>
+            <a:ext cx="5401429" cy="704948"/>
+          </a:xfrm>
+          <a:prstGeom prst="rect">
+            <a:avLst/>
+          </a:prstGeom>
+        </p:spPr>
+      </p:pic>
+    </p:spTree>
+    <p:extLst>
+      <p:ext uri="{BB962C8B-B14F-4D97-AF65-F5344CB8AC3E}">
+        <p14:creationId xmlns:p14="http://schemas.microsoft.com/office/powerpoint/2010/main" val="3601791895"/>
+      </p:ext>
+    </p:extLst>
+  </p:cSld>
+  <p:clrMapOvr>
+    <a:masterClrMapping/>
+  </p:clrMapOvr>
+</p:sld>
+</file>
+
+<file path=ppt/slides/slide7.xml><?xml version="1.0" encoding="utf-8"?>
+<p:sld xmlns:a="http://schemas.openxmlformats.org/drawingml/2006/main" xmlns:r="http://schemas.openxmlformats.org/officeDocument/2006/relationships" xmlns:p="http://schemas.openxmlformats.org/presentationml/2006/main">
+  <p:cSld>
     <p:bg>
       <p:bgPr>
         <a:solidFill>
@@ -7701,7 +8319,7 @@
 </p:sld>
 </file>
 
-<file path=ppt/slides/slide7.xml><?xml version="1.0" encoding="utf-8"?>
+<file path=ppt/slides/slide8.xml><?xml version="1.0" encoding="utf-8"?>
 <p:sld xmlns:a="http://schemas.openxmlformats.org/drawingml/2006/main" xmlns:r="http://schemas.openxmlformats.org/officeDocument/2006/relationships" xmlns:p="http://schemas.openxmlformats.org/presentationml/2006/main">
   <p:cSld>
     <p:spTree>
@@ -7916,7 +8534,7 @@
 </p:sld>
 </file>
 
-<file path=ppt/slides/slide8.xml><?xml version="1.0" encoding="utf-8"?>
+<file path=ppt/slides/slide9.xml><?xml version="1.0" encoding="utf-8"?>
 <p:sld xmlns:a="http://schemas.openxmlformats.org/drawingml/2006/main" xmlns:r="http://schemas.openxmlformats.org/officeDocument/2006/relationships" xmlns:p="http://schemas.openxmlformats.org/presentationml/2006/main">
   <p:cSld>
     <p:bg>
@@ -8022,85 +8640,6 @@
               <a:t>Your version control evidence should go here.  This could be in the form of annotated screenshots which show you you managed this process or you could make a brief screencast explaining how you implemented version control.</a:t>
             </a:r>
             <a:endParaRPr i="1"/>
-          </a:p>
-        </p:txBody>
-      </p:sp>
-    </p:spTree>
-  </p:cSld>
-  <p:clrMapOvr>
-    <a:masterClrMapping/>
-  </p:clrMapOvr>
-</p:sld>
-</file>
-
-<file path=ppt/slides/slide9.xml><?xml version="1.0" encoding="utf-8"?>
-<p:sld xmlns:a="http://schemas.openxmlformats.org/drawingml/2006/main" xmlns:r="http://schemas.openxmlformats.org/officeDocument/2006/relationships" xmlns:p="http://schemas.openxmlformats.org/presentationml/2006/main">
-  <p:cSld>
-    <p:bg>
-      <p:bgPr>
-        <a:solidFill>
-          <a:srgbClr val="FFE599"/>
-        </a:solidFill>
-        <a:effectLst/>
-      </p:bgPr>
-    </p:bg>
-    <p:spTree>
-      <p:nvGrpSpPr>
-        <p:cNvPr id="1" name="Shape 89"/>
-        <p:cNvGrpSpPr/>
-        <p:nvPr/>
-      </p:nvGrpSpPr>
-      <p:grpSpPr>
-        <a:xfrm>
-          <a:off x="0" y="0"/>
-          <a:ext cx="0" cy="0"/>
-          <a:chOff x="0" y="0"/>
-          <a:chExt cx="0" cy="0"/>
-        </a:xfrm>
-      </p:grpSpPr>
-      <p:sp>
-        <p:nvSpPr>
-          <p:cNvPr id="90" name="Google Shape;90;p19"/>
-          <p:cNvSpPr txBox="1">
-            <a:spLocks noGrp="1"/>
-          </p:cNvSpPr>
-          <p:nvPr>
-            <p:ph type="body" idx="1"/>
-          </p:nvPr>
-        </p:nvSpPr>
-        <p:spPr>
-          <a:xfrm>
-            <a:off x="311700" y="397700"/>
-            <a:ext cx="8520600" cy="4171200"/>
-          </a:xfrm>
-          <a:prstGeom prst="rect">
-            <a:avLst/>
-          </a:prstGeom>
-        </p:spPr>
-        <p:txBody>
-          <a:bodyPr spcFirstLastPara="1" wrap="square" lIns="91425" tIns="91425" rIns="91425" bIns="91425" anchor="t" anchorCtr="0">
-            <a:noAutofit/>
-          </a:bodyPr>
-          <a:lstStyle/>
-          <a:p>
-            <a:pPr marL="0" lvl="0" indent="0" algn="l" rtl="0">
-              <a:spcBef>
-                <a:spcPts val="0"/>
-              </a:spcBef>
-              <a:spcAft>
-                <a:spcPts val="1600"/>
-              </a:spcAft>
-              <a:buNone/>
-            </a:pPr>
-            <a:r>
-              <a:rPr lang="en" b="1" i="1">
-                <a:solidFill>
-                  <a:srgbClr val="595959"/>
-                </a:solidFill>
-              </a:rPr>
-              <a:t>Discusses how the information from planning, testing and trialling of components assisted in the development of a high-quality outcome</a:t>
-            </a:r>
-            <a:endParaRPr/>
           </a:p>
         </p:txBody>
       </p:sp>

--- a/022_91893+_+91897+Documentation.pptx
+++ b/022_91893+_+91897+Documentation.pptx
@@ -5,7 +5,7 @@
     <p:sldMasterId id="2147483659" r:id="rId1"/>
   </p:sldMasterIdLst>
   <p:notesMasterIdLst>
-    <p:notesMasterId r:id="rId12"/>
+    <p:notesMasterId r:id="rId16"/>
   </p:notesMasterIdLst>
   <p:sldIdLst>
     <p:sldId id="256" r:id="rId2"/>
@@ -15,9 +15,13 @@
     <p:sldId id="260" r:id="rId6"/>
     <p:sldId id="265" r:id="rId7"/>
     <p:sldId id="263" r:id="rId8"/>
-    <p:sldId id="264" r:id="rId9"/>
-    <p:sldId id="261" r:id="rId10"/>
-    <p:sldId id="262" r:id="rId11"/>
+    <p:sldId id="266" r:id="rId9"/>
+    <p:sldId id="268" r:id="rId10"/>
+    <p:sldId id="269" r:id="rId11"/>
+    <p:sldId id="267" r:id="rId12"/>
+    <p:sldId id="264" r:id="rId13"/>
+    <p:sldId id="261" r:id="rId14"/>
+    <p:sldId id="262" r:id="rId15"/>
   </p:sldIdLst>
   <p:sldSz cx="9144000" cy="5143500" type="screen16x9"/>
   <p:notesSz cx="6858000" cy="9144000"/>
@@ -282,7 +286,7 @@
   <pc:docChgLst>
     <pc:chgData name="Luka Timmermans" userId="4364fd2f-d475-40f9-8f47-058a32a73bfe" providerId="ADAL" clId="{159DA90F-DD34-45EF-96B3-FC6778599D65}"/>
     <pc:docChg chg="undo custSel addSld delSld modSld sldOrd">
-      <pc:chgData name="Luka Timmermans" userId="4364fd2f-d475-40f9-8f47-058a32a73bfe" providerId="ADAL" clId="{159DA90F-DD34-45EF-96B3-FC6778599D65}" dt="2023-05-11T22:53:00.742" v="403" actId="1076"/>
+      <pc:chgData name="Luka Timmermans" userId="4364fd2f-d475-40f9-8f47-058a32a73bfe" providerId="ADAL" clId="{159DA90F-DD34-45EF-96B3-FC6778599D65}" dt="2023-05-17T02:57:47.278" v="600" actId="20577"/>
       <pc:docMkLst>
         <pc:docMk/>
       </pc:docMkLst>
@@ -394,8 +398,8 @@
           </ac:picMkLst>
         </pc:picChg>
       </pc:sldChg>
-      <pc:sldChg chg="modSp add mod ord">
-        <pc:chgData name="Luka Timmermans" userId="4364fd2f-d475-40f9-8f47-058a32a73bfe" providerId="ADAL" clId="{159DA90F-DD34-45EF-96B3-FC6778599D65}" dt="2023-05-10T00:45:06.004" v="15" actId="20577"/>
+      <pc:sldChg chg="addSp modSp add mod ord">
+        <pc:chgData name="Luka Timmermans" userId="4364fd2f-d475-40f9-8f47-058a32a73bfe" providerId="ADAL" clId="{159DA90F-DD34-45EF-96B3-FC6778599D65}" dt="2023-05-17T02:50:31.743" v="411" actId="22"/>
         <pc:sldMkLst>
           <pc:docMk/>
           <pc:sldMk cId="373015268" sldId="263"/>
@@ -408,6 +412,14 @@
             <ac:spMk id="73" creationId="{00000000-0000-0000-0000-000000000000}"/>
           </ac:spMkLst>
         </pc:spChg>
+        <pc:picChg chg="add">
+          <ac:chgData name="Luka Timmermans" userId="4364fd2f-d475-40f9-8f47-058a32a73bfe" providerId="ADAL" clId="{159DA90F-DD34-45EF-96B3-FC6778599D65}" dt="2023-05-17T02:50:31.743" v="411" actId="22"/>
+          <ac:picMkLst>
+            <pc:docMk/>
+            <pc:sldMk cId="373015268" sldId="263"/>
+            <ac:picMk id="3" creationId="{152D5625-AB07-1FAF-0A5B-28D44BA70EC6}"/>
+          </ac:picMkLst>
+        </pc:picChg>
       </pc:sldChg>
       <pc:sldChg chg="modSp add mod">
         <pc:chgData name="Luka Timmermans" userId="4364fd2f-d475-40f9-8f47-058a32a73bfe" providerId="ADAL" clId="{159DA90F-DD34-45EF-96B3-FC6778599D65}" dt="2023-05-10T00:45:10.258" v="17" actId="20577"/>
@@ -493,6 +505,114 @@
             <ac:graphicFrameMk id="79" creationId="{00000000-0000-0000-0000-000000000000}"/>
           </ac:graphicFrameMkLst>
         </pc:graphicFrameChg>
+      </pc:sldChg>
+      <pc:sldChg chg="addSp delSp modSp add mod">
+        <pc:chgData name="Luka Timmermans" userId="4364fd2f-d475-40f9-8f47-058a32a73bfe" providerId="ADAL" clId="{159DA90F-DD34-45EF-96B3-FC6778599D65}" dt="2023-05-17T02:52:58.428" v="535" actId="20577"/>
+        <pc:sldMkLst>
+          <pc:docMk/>
+          <pc:sldMk cId="1853017093" sldId="266"/>
+        </pc:sldMkLst>
+        <pc:spChg chg="mod">
+          <ac:chgData name="Luka Timmermans" userId="4364fd2f-d475-40f9-8f47-058a32a73bfe" providerId="ADAL" clId="{159DA90F-DD34-45EF-96B3-FC6778599D65}" dt="2023-05-17T02:41:50.923" v="408" actId="20577"/>
+          <ac:spMkLst>
+            <pc:docMk/>
+            <pc:sldMk cId="1853017093" sldId="266"/>
+            <ac:spMk id="78" creationId="{00000000-0000-0000-0000-000000000000}"/>
+          </ac:spMkLst>
+        </pc:spChg>
+        <pc:graphicFrameChg chg="modGraphic">
+          <ac:chgData name="Luka Timmermans" userId="4364fd2f-d475-40f9-8f47-058a32a73bfe" providerId="ADAL" clId="{159DA90F-DD34-45EF-96B3-FC6778599D65}" dt="2023-05-17T02:52:58.428" v="535" actId="20577"/>
+          <ac:graphicFrameMkLst>
+            <pc:docMk/>
+            <pc:sldMk cId="1853017093" sldId="266"/>
+            <ac:graphicFrameMk id="79" creationId="{00000000-0000-0000-0000-000000000000}"/>
+          </ac:graphicFrameMkLst>
+        </pc:graphicFrameChg>
+        <pc:picChg chg="add mod">
+          <ac:chgData name="Luka Timmermans" userId="4364fd2f-d475-40f9-8f47-058a32a73bfe" providerId="ADAL" clId="{159DA90F-DD34-45EF-96B3-FC6778599D65}" dt="2023-05-17T02:51:49.683" v="416" actId="1076"/>
+          <ac:picMkLst>
+            <pc:docMk/>
+            <pc:sldMk cId="1853017093" sldId="266"/>
+            <ac:picMk id="3" creationId="{DB82BF23-FA86-0C11-496F-21B54CD49A28}"/>
+          </ac:picMkLst>
+        </pc:picChg>
+        <pc:picChg chg="del">
+          <ac:chgData name="Luka Timmermans" userId="4364fd2f-d475-40f9-8f47-058a32a73bfe" providerId="ADAL" clId="{159DA90F-DD34-45EF-96B3-FC6778599D65}" dt="2023-05-17T02:41:53.127" v="409" actId="478"/>
+          <ac:picMkLst>
+            <pc:docMk/>
+            <pc:sldMk cId="1853017093" sldId="266"/>
+            <ac:picMk id="4" creationId="{D5F8AEBF-C069-1DC0-EA92-C274CC618488}"/>
+          </ac:picMkLst>
+        </pc:picChg>
+        <pc:picChg chg="del">
+          <ac:chgData name="Luka Timmermans" userId="4364fd2f-d475-40f9-8f47-058a32a73bfe" providerId="ADAL" clId="{159DA90F-DD34-45EF-96B3-FC6778599D65}" dt="2023-05-17T02:41:53.742" v="410" actId="478"/>
+          <ac:picMkLst>
+            <pc:docMk/>
+            <pc:sldMk cId="1853017093" sldId="266"/>
+            <ac:picMk id="7" creationId="{6A489A80-C444-1706-A414-DE29B083D94A}"/>
+          </ac:picMkLst>
+        </pc:picChg>
+      </pc:sldChg>
+      <pc:sldChg chg="add replId">
+        <pc:chgData name="Luka Timmermans" userId="4364fd2f-d475-40f9-8f47-058a32a73bfe" providerId="ADAL" clId="{159DA90F-DD34-45EF-96B3-FC6778599D65}" dt="2023-05-17T02:41:16.633" v="404" actId="2890"/>
+        <pc:sldMkLst>
+          <pc:docMk/>
+          <pc:sldMk cId="63546648" sldId="267"/>
+        </pc:sldMkLst>
+      </pc:sldChg>
+      <pc:sldChg chg="addSp delSp modSp add mod">
+        <pc:chgData name="Luka Timmermans" userId="4364fd2f-d475-40f9-8f47-058a32a73bfe" providerId="ADAL" clId="{159DA90F-DD34-45EF-96B3-FC6778599D65}" dt="2023-05-17T02:57:00.283" v="597" actId="20577"/>
+        <pc:sldMkLst>
+          <pc:docMk/>
+          <pc:sldMk cId="864288546" sldId="268"/>
+        </pc:sldMkLst>
+        <pc:spChg chg="mod">
+          <ac:chgData name="Luka Timmermans" userId="4364fd2f-d475-40f9-8f47-058a32a73bfe" providerId="ADAL" clId="{159DA90F-DD34-45EF-96B3-FC6778599D65}" dt="2023-05-17T02:54:08.969" v="538" actId="20577"/>
+          <ac:spMkLst>
+            <pc:docMk/>
+            <pc:sldMk cId="864288546" sldId="268"/>
+            <ac:spMk id="78" creationId="{00000000-0000-0000-0000-000000000000}"/>
+          </ac:spMkLst>
+        </pc:spChg>
+        <pc:graphicFrameChg chg="modGraphic">
+          <ac:chgData name="Luka Timmermans" userId="4364fd2f-d475-40f9-8f47-058a32a73bfe" providerId="ADAL" clId="{159DA90F-DD34-45EF-96B3-FC6778599D65}" dt="2023-05-17T02:57:00.283" v="597" actId="20577"/>
+          <ac:graphicFrameMkLst>
+            <pc:docMk/>
+            <pc:sldMk cId="864288546" sldId="268"/>
+            <ac:graphicFrameMk id="79" creationId="{00000000-0000-0000-0000-000000000000}"/>
+          </ac:graphicFrameMkLst>
+        </pc:graphicFrameChg>
+        <pc:picChg chg="del">
+          <ac:chgData name="Luka Timmermans" userId="4364fd2f-d475-40f9-8f47-058a32a73bfe" providerId="ADAL" clId="{159DA90F-DD34-45EF-96B3-FC6778599D65}" dt="2023-05-17T02:54:12.149" v="539" actId="478"/>
+          <ac:picMkLst>
+            <pc:docMk/>
+            <pc:sldMk cId="864288546" sldId="268"/>
+            <ac:picMk id="3" creationId="{DB82BF23-FA86-0C11-496F-21B54CD49A28}"/>
+          </ac:picMkLst>
+        </pc:picChg>
+        <pc:picChg chg="add mod">
+          <ac:chgData name="Luka Timmermans" userId="4364fd2f-d475-40f9-8f47-058a32a73bfe" providerId="ADAL" clId="{159DA90F-DD34-45EF-96B3-FC6778599D65}" dt="2023-05-17T02:56:20.627" v="544" actId="14100"/>
+          <ac:picMkLst>
+            <pc:docMk/>
+            <pc:sldMk cId="864288546" sldId="268"/>
+            <ac:picMk id="4" creationId="{986BEF04-0424-3DCC-E274-EACB7D2DFC56}"/>
+          </ac:picMkLst>
+        </pc:picChg>
+      </pc:sldChg>
+      <pc:sldChg chg="modSp add mod">
+        <pc:chgData name="Luka Timmermans" userId="4364fd2f-d475-40f9-8f47-058a32a73bfe" providerId="ADAL" clId="{159DA90F-DD34-45EF-96B3-FC6778599D65}" dt="2023-05-17T02:57:47.278" v="600" actId="20577"/>
+        <pc:sldMkLst>
+          <pc:docMk/>
+          <pc:sldMk cId="163324706" sldId="269"/>
+        </pc:sldMkLst>
+        <pc:spChg chg="mod">
+          <ac:chgData name="Luka Timmermans" userId="4364fd2f-d475-40f9-8f47-058a32a73bfe" providerId="ADAL" clId="{159DA90F-DD34-45EF-96B3-FC6778599D65}" dt="2023-05-17T02:57:47.278" v="600" actId="20577"/>
+          <ac:spMkLst>
+            <pc:docMk/>
+            <pc:sldMk cId="163324706" sldId="269"/>
+            <ac:spMk id="78" creationId="{00000000-0000-0000-0000-000000000000}"/>
+          </ac:spMkLst>
+        </pc:spChg>
       </pc:sldChg>
     </pc:docChg>
   </pc:docChgLst>
@@ -1088,6 +1208,458 @@
   <p:cSld>
     <p:spTree>
       <p:nvGrpSpPr>
+        <p:cNvPr id="1" name="Shape 74"/>
+        <p:cNvGrpSpPr/>
+        <p:nvPr/>
+      </p:nvGrpSpPr>
+      <p:grpSpPr>
+        <a:xfrm>
+          <a:off x="0" y="0"/>
+          <a:ext cx="0" cy="0"/>
+          <a:chOff x="0" y="0"/>
+          <a:chExt cx="0" cy="0"/>
+        </a:xfrm>
+      </p:grpSpPr>
+      <p:sp>
+        <p:nvSpPr>
+          <p:cNvPr id="75" name="Google Shape;75;gac10fef634_0_20:notes"/>
+          <p:cNvSpPr>
+            <a:spLocks noGrp="1" noRot="1" noChangeAspect="1"/>
+          </p:cNvSpPr>
+          <p:nvPr>
+            <p:ph type="sldImg" idx="2"/>
+          </p:nvPr>
+        </p:nvSpPr>
+        <p:spPr>
+          <a:xfrm>
+            <a:off x="381000" y="685800"/>
+            <a:ext cx="6096000" cy="3429000"/>
+          </a:xfrm>
+          <a:custGeom>
+            <a:avLst/>
+            <a:gdLst/>
+            <a:ahLst/>
+            <a:cxnLst/>
+            <a:rect l="l" t="t" r="r" b="b"/>
+            <a:pathLst>
+              <a:path w="120000" h="120000" extrusionOk="0">
+                <a:moveTo>
+                  <a:pt x="0" y="0"/>
+                </a:moveTo>
+                <a:lnTo>
+                  <a:pt x="120000" y="0"/>
+                </a:lnTo>
+                <a:lnTo>
+                  <a:pt x="120000" y="120000"/>
+                </a:lnTo>
+                <a:lnTo>
+                  <a:pt x="0" y="120000"/>
+                </a:lnTo>
+                <a:close/>
+              </a:path>
+            </a:pathLst>
+          </a:custGeom>
+        </p:spPr>
+      </p:sp>
+      <p:sp>
+        <p:nvSpPr>
+          <p:cNvPr id="76" name="Google Shape;76;gac10fef634_0_20:notes"/>
+          <p:cNvSpPr txBox="1">
+            <a:spLocks noGrp="1"/>
+          </p:cNvSpPr>
+          <p:nvPr>
+            <p:ph type="body" idx="1"/>
+          </p:nvPr>
+        </p:nvSpPr>
+        <p:spPr>
+          <a:xfrm>
+            <a:off x="685800" y="4343400"/>
+            <a:ext cx="5486400" cy="4114800"/>
+          </a:xfrm>
+          <a:prstGeom prst="rect">
+            <a:avLst/>
+          </a:prstGeom>
+        </p:spPr>
+        <p:txBody>
+          <a:bodyPr spcFirstLastPara="1" wrap="square" lIns="91425" tIns="91425" rIns="91425" bIns="91425" anchor="t" anchorCtr="0">
+            <a:noAutofit/>
+          </a:bodyPr>
+          <a:lstStyle/>
+          <a:p>
+            <a:pPr marL="0" lvl="0" indent="0" algn="l" rtl="0">
+              <a:spcBef>
+                <a:spcPts val="0"/>
+              </a:spcBef>
+              <a:spcAft>
+                <a:spcPts val="0"/>
+              </a:spcAft>
+              <a:buNone/>
+            </a:pPr>
+            <a:endParaRPr/>
+          </a:p>
+        </p:txBody>
+      </p:sp>
+    </p:spTree>
+    <p:extLst>
+      <p:ext uri="{BB962C8B-B14F-4D97-AF65-F5344CB8AC3E}">
+        <p14:creationId xmlns:p14="http://schemas.microsoft.com/office/powerpoint/2010/main" val="661750749"/>
+      </p:ext>
+    </p:extLst>
+  </p:cSld>
+  <p:clrMapOvr>
+    <a:masterClrMapping/>
+  </p:clrMapOvr>
+</p:notes>
+</file>
+
+<file path=ppt/notesSlides/notesSlide11.xml><?xml version="1.0" encoding="utf-8"?>
+<p:notes xmlns:a="http://schemas.openxmlformats.org/drawingml/2006/main" xmlns:r="http://schemas.openxmlformats.org/officeDocument/2006/relationships" xmlns:p="http://schemas.openxmlformats.org/presentationml/2006/main" showMasterSp="0" showMasterPhAnim="0">
+  <p:cSld>
+    <p:spTree>
+      <p:nvGrpSpPr>
+        <p:cNvPr id="1" name="Shape 69"/>
+        <p:cNvGrpSpPr/>
+        <p:nvPr/>
+      </p:nvGrpSpPr>
+      <p:grpSpPr>
+        <a:xfrm>
+          <a:off x="0" y="0"/>
+          <a:ext cx="0" cy="0"/>
+          <a:chOff x="0" y="0"/>
+          <a:chExt cx="0" cy="0"/>
+        </a:xfrm>
+      </p:grpSpPr>
+      <p:sp>
+        <p:nvSpPr>
+          <p:cNvPr id="70" name="Google Shape;70;gac10fef634_0_16:notes"/>
+          <p:cNvSpPr>
+            <a:spLocks noGrp="1" noRot="1" noChangeAspect="1"/>
+          </p:cNvSpPr>
+          <p:nvPr>
+            <p:ph type="sldImg" idx="2"/>
+          </p:nvPr>
+        </p:nvSpPr>
+        <p:spPr>
+          <a:xfrm>
+            <a:off x="381000" y="685800"/>
+            <a:ext cx="6096000" cy="3429000"/>
+          </a:xfrm>
+          <a:custGeom>
+            <a:avLst/>
+            <a:gdLst/>
+            <a:ahLst/>
+            <a:cxnLst/>
+            <a:rect l="l" t="t" r="r" b="b"/>
+            <a:pathLst>
+              <a:path w="120000" h="120000" extrusionOk="0">
+                <a:moveTo>
+                  <a:pt x="0" y="0"/>
+                </a:moveTo>
+                <a:lnTo>
+                  <a:pt x="120000" y="0"/>
+                </a:lnTo>
+                <a:lnTo>
+                  <a:pt x="120000" y="120000"/>
+                </a:lnTo>
+                <a:lnTo>
+                  <a:pt x="0" y="120000"/>
+                </a:lnTo>
+                <a:close/>
+              </a:path>
+            </a:pathLst>
+          </a:custGeom>
+        </p:spPr>
+      </p:sp>
+      <p:sp>
+        <p:nvSpPr>
+          <p:cNvPr id="71" name="Google Shape;71;gac10fef634_0_16:notes"/>
+          <p:cNvSpPr txBox="1">
+            <a:spLocks noGrp="1"/>
+          </p:cNvSpPr>
+          <p:nvPr>
+            <p:ph type="body" idx="1"/>
+          </p:nvPr>
+        </p:nvSpPr>
+        <p:spPr>
+          <a:xfrm>
+            <a:off x="685800" y="4343400"/>
+            <a:ext cx="5486400" cy="4114800"/>
+          </a:xfrm>
+          <a:prstGeom prst="rect">
+            <a:avLst/>
+          </a:prstGeom>
+        </p:spPr>
+        <p:txBody>
+          <a:bodyPr spcFirstLastPara="1" wrap="square" lIns="91425" tIns="91425" rIns="91425" bIns="91425" anchor="t" anchorCtr="0">
+            <a:noAutofit/>
+          </a:bodyPr>
+          <a:lstStyle/>
+          <a:p>
+            <a:pPr marL="0" lvl="0" indent="0" algn="l" rtl="0">
+              <a:spcBef>
+                <a:spcPts val="0"/>
+              </a:spcBef>
+              <a:spcAft>
+                <a:spcPts val="0"/>
+              </a:spcAft>
+              <a:buNone/>
+            </a:pPr>
+            <a:endParaRPr/>
+          </a:p>
+        </p:txBody>
+      </p:sp>
+    </p:spTree>
+    <p:extLst>
+      <p:ext uri="{BB962C8B-B14F-4D97-AF65-F5344CB8AC3E}">
+        <p14:creationId xmlns:p14="http://schemas.microsoft.com/office/powerpoint/2010/main" val="3922725791"/>
+      </p:ext>
+    </p:extLst>
+  </p:cSld>
+  <p:clrMapOvr>
+    <a:masterClrMapping/>
+  </p:clrMapOvr>
+</p:notes>
+</file>
+
+<file path=ppt/notesSlides/notesSlide12.xml><?xml version="1.0" encoding="utf-8"?>
+<p:notes xmlns:a="http://schemas.openxmlformats.org/drawingml/2006/main" xmlns:r="http://schemas.openxmlformats.org/officeDocument/2006/relationships" xmlns:p="http://schemas.openxmlformats.org/presentationml/2006/main" showMasterSp="0" showMasterPhAnim="0">
+  <p:cSld>
+    <p:spTree>
+      <p:nvGrpSpPr>
+        <p:cNvPr id="1" name="Shape 74"/>
+        <p:cNvGrpSpPr/>
+        <p:nvPr/>
+      </p:nvGrpSpPr>
+      <p:grpSpPr>
+        <a:xfrm>
+          <a:off x="0" y="0"/>
+          <a:ext cx="0" cy="0"/>
+          <a:chOff x="0" y="0"/>
+          <a:chExt cx="0" cy="0"/>
+        </a:xfrm>
+      </p:grpSpPr>
+      <p:sp>
+        <p:nvSpPr>
+          <p:cNvPr id="75" name="Google Shape;75;gac10fef634_0_20:notes"/>
+          <p:cNvSpPr>
+            <a:spLocks noGrp="1" noRot="1" noChangeAspect="1"/>
+          </p:cNvSpPr>
+          <p:nvPr>
+            <p:ph type="sldImg" idx="2"/>
+          </p:nvPr>
+        </p:nvSpPr>
+        <p:spPr>
+          <a:xfrm>
+            <a:off x="381000" y="685800"/>
+            <a:ext cx="6096000" cy="3429000"/>
+          </a:xfrm>
+          <a:custGeom>
+            <a:avLst/>
+            <a:gdLst/>
+            <a:ahLst/>
+            <a:cxnLst/>
+            <a:rect l="l" t="t" r="r" b="b"/>
+            <a:pathLst>
+              <a:path w="120000" h="120000" extrusionOk="0">
+                <a:moveTo>
+                  <a:pt x="0" y="0"/>
+                </a:moveTo>
+                <a:lnTo>
+                  <a:pt x="120000" y="0"/>
+                </a:lnTo>
+                <a:lnTo>
+                  <a:pt x="120000" y="120000"/>
+                </a:lnTo>
+                <a:lnTo>
+                  <a:pt x="0" y="120000"/>
+                </a:lnTo>
+                <a:close/>
+              </a:path>
+            </a:pathLst>
+          </a:custGeom>
+        </p:spPr>
+      </p:sp>
+      <p:sp>
+        <p:nvSpPr>
+          <p:cNvPr id="76" name="Google Shape;76;gac10fef634_0_20:notes"/>
+          <p:cNvSpPr txBox="1">
+            <a:spLocks noGrp="1"/>
+          </p:cNvSpPr>
+          <p:nvPr>
+            <p:ph type="body" idx="1"/>
+          </p:nvPr>
+        </p:nvSpPr>
+        <p:spPr>
+          <a:xfrm>
+            <a:off x="685800" y="4343400"/>
+            <a:ext cx="5486400" cy="4114800"/>
+          </a:xfrm>
+          <a:prstGeom prst="rect">
+            <a:avLst/>
+          </a:prstGeom>
+        </p:spPr>
+        <p:txBody>
+          <a:bodyPr spcFirstLastPara="1" wrap="square" lIns="91425" tIns="91425" rIns="91425" bIns="91425" anchor="t" anchorCtr="0">
+            <a:noAutofit/>
+          </a:bodyPr>
+          <a:lstStyle/>
+          <a:p>
+            <a:pPr marL="0" lvl="0" indent="0" algn="l" rtl="0">
+              <a:spcBef>
+                <a:spcPts val="0"/>
+              </a:spcBef>
+              <a:spcAft>
+                <a:spcPts val="0"/>
+              </a:spcAft>
+              <a:buNone/>
+            </a:pPr>
+            <a:endParaRPr/>
+          </a:p>
+        </p:txBody>
+      </p:sp>
+    </p:spTree>
+    <p:extLst>
+      <p:ext uri="{BB962C8B-B14F-4D97-AF65-F5344CB8AC3E}">
+        <p14:creationId xmlns:p14="http://schemas.microsoft.com/office/powerpoint/2010/main" val="3784718878"/>
+      </p:ext>
+    </p:extLst>
+  </p:cSld>
+  <p:clrMapOvr>
+    <a:masterClrMapping/>
+  </p:clrMapOvr>
+</p:notes>
+</file>
+
+<file path=ppt/notesSlides/notesSlide13.xml><?xml version="1.0" encoding="utf-8"?>
+<p:notes xmlns:a="http://schemas.openxmlformats.org/drawingml/2006/main" xmlns:r="http://schemas.openxmlformats.org/officeDocument/2006/relationships" xmlns:p="http://schemas.openxmlformats.org/presentationml/2006/main" showMasterSp="0" showMasterPhAnim="0">
+  <p:cSld>
+    <p:spTree>
+      <p:nvGrpSpPr>
+        <p:cNvPr id="1" name="Shape 80"/>
+        <p:cNvGrpSpPr/>
+        <p:nvPr/>
+      </p:nvGrpSpPr>
+      <p:grpSpPr>
+        <a:xfrm>
+          <a:off x="0" y="0"/>
+          <a:ext cx="0" cy="0"/>
+          <a:chOff x="0" y="0"/>
+          <a:chExt cx="0" cy="0"/>
+        </a:xfrm>
+      </p:grpSpPr>
+      <p:sp>
+        <p:nvSpPr>
+          <p:cNvPr id="81" name="Google Shape;81;gac10fef634_0_25:notes"/>
+          <p:cNvSpPr>
+            <a:spLocks noGrp="1" noRot="1" noChangeAspect="1"/>
+          </p:cNvSpPr>
+          <p:nvPr>
+            <p:ph type="sldImg" idx="2"/>
+          </p:nvPr>
+        </p:nvSpPr>
+        <p:spPr>
+          <a:xfrm>
+            <a:off x="381000" y="685800"/>
+            <a:ext cx="6096000" cy="3429000"/>
+          </a:xfrm>
+          <a:custGeom>
+            <a:avLst/>
+            <a:gdLst/>
+            <a:ahLst/>
+            <a:cxnLst/>
+            <a:rect l="l" t="t" r="r" b="b"/>
+            <a:pathLst>
+              <a:path w="120000" h="120000" extrusionOk="0">
+                <a:moveTo>
+                  <a:pt x="0" y="0"/>
+                </a:moveTo>
+                <a:lnTo>
+                  <a:pt x="120000" y="0"/>
+                </a:lnTo>
+                <a:lnTo>
+                  <a:pt x="120000" y="120000"/>
+                </a:lnTo>
+                <a:lnTo>
+                  <a:pt x="0" y="120000"/>
+                </a:lnTo>
+                <a:close/>
+              </a:path>
+            </a:pathLst>
+          </a:custGeom>
+        </p:spPr>
+      </p:sp>
+      <p:sp>
+        <p:nvSpPr>
+          <p:cNvPr id="82" name="Google Shape;82;gac10fef634_0_25:notes"/>
+          <p:cNvSpPr txBox="1">
+            <a:spLocks noGrp="1"/>
+          </p:cNvSpPr>
+          <p:nvPr>
+            <p:ph type="body" idx="1"/>
+          </p:nvPr>
+        </p:nvSpPr>
+        <p:spPr>
+          <a:xfrm>
+            <a:off x="685800" y="4343400"/>
+            <a:ext cx="5486400" cy="4114800"/>
+          </a:xfrm>
+          <a:prstGeom prst="rect">
+            <a:avLst/>
+          </a:prstGeom>
+        </p:spPr>
+        <p:txBody>
+          <a:bodyPr spcFirstLastPara="1" wrap="square" lIns="91425" tIns="91425" rIns="91425" bIns="91425" anchor="t" anchorCtr="0">
+            <a:noAutofit/>
+          </a:bodyPr>
+          <a:lstStyle/>
+          <a:p>
+            <a:pPr marL="0" lvl="0" indent="0" algn="l" rtl="0">
+              <a:spcBef>
+                <a:spcPts val="0"/>
+              </a:spcBef>
+              <a:spcAft>
+                <a:spcPts val="0"/>
+              </a:spcAft>
+              <a:buClr>
+                <a:schemeClr val="dk1"/>
+              </a:buClr>
+              <a:buSzPts val="1100"/>
+              <a:buFont typeface="Arial"/>
+              <a:buNone/>
+            </a:pPr>
+            <a:r>
+              <a:rPr lang="en"/>
+              <a:t>Your version control evidence should go here.  This could be in the form of annotated screenshots which show you you managed this process or you could make a brief screencast explaining how you implemented version control.</a:t>
+            </a:r>
+            <a:endParaRPr/>
+          </a:p>
+          <a:p>
+            <a:pPr marL="0" lvl="0" indent="0" algn="l" rtl="0">
+              <a:spcBef>
+                <a:spcPts val="0"/>
+              </a:spcBef>
+              <a:spcAft>
+                <a:spcPts val="0"/>
+              </a:spcAft>
+              <a:buNone/>
+            </a:pPr>
+            <a:endParaRPr/>
+          </a:p>
+        </p:txBody>
+      </p:sp>
+    </p:spTree>
+  </p:cSld>
+  <p:clrMapOvr>
+    <a:masterClrMapping/>
+  </p:clrMapOvr>
+</p:notes>
+</file>
+
+<file path=ppt/notesSlides/notesSlide14.xml><?xml version="1.0" encoding="utf-8"?>
+<p:notes xmlns:a="http://schemas.openxmlformats.org/drawingml/2006/main" xmlns:r="http://schemas.openxmlformats.org/officeDocument/2006/relationships" xmlns:p="http://schemas.openxmlformats.org/presentationml/2006/main" showMasterSp="0" showMasterPhAnim="0">
+  <p:cSld>
+    <p:spTree>
+      <p:nvGrpSpPr>
         <p:cNvPr id="1" name="Shape 86"/>
         <p:cNvGrpSpPr/>
         <p:nvPr/>
@@ -1949,7 +2521,7 @@
     </p:spTree>
     <p:extLst>
       <p:ext uri="{BB962C8B-B14F-4D97-AF65-F5344CB8AC3E}">
-        <p14:creationId xmlns:p14="http://schemas.microsoft.com/office/powerpoint/2010/main" val="3784718878"/>
+        <p14:creationId xmlns:p14="http://schemas.microsoft.com/office/powerpoint/2010/main" val="3213249182"/>
       </p:ext>
     </p:extLst>
   </p:cSld>
@@ -1964,7 +2536,7 @@
   <p:cSld>
     <p:spTree>
       <p:nvGrpSpPr>
-        <p:cNvPr id="1" name="Shape 80"/>
+        <p:cNvPr id="1" name="Shape 74"/>
         <p:cNvGrpSpPr/>
         <p:nvPr/>
       </p:nvGrpSpPr>
@@ -1978,7 +2550,7 @@
       </p:grpSpPr>
       <p:sp>
         <p:nvSpPr>
-          <p:cNvPr id="81" name="Google Shape;81;gac10fef634_0_25:notes"/>
+          <p:cNvPr id="75" name="Google Shape;75;gac10fef634_0_20:notes"/>
           <p:cNvSpPr>
             <a:spLocks noGrp="1" noRot="1" noChangeAspect="1"/>
           </p:cNvSpPr>
@@ -2019,7 +2591,7 @@
       </p:sp>
       <p:sp>
         <p:nvSpPr>
-          <p:cNvPr id="82" name="Google Shape;82;gac10fef634_0_25:notes"/>
+          <p:cNvPr id="76" name="Google Shape;76;gac10fef634_0_20:notes"/>
           <p:cNvSpPr txBox="1">
             <a:spLocks noGrp="1"/>
           </p:cNvSpPr>
@@ -2049,27 +2621,6 @@
               <a:spcAft>
                 <a:spcPts val="0"/>
               </a:spcAft>
-              <a:buClr>
-                <a:schemeClr val="dk1"/>
-              </a:buClr>
-              <a:buSzPts val="1100"/>
-              <a:buFont typeface="Arial"/>
-              <a:buNone/>
-            </a:pPr>
-            <a:r>
-              <a:rPr lang="en"/>
-              <a:t>Your version control evidence should go here.  This could be in the form of annotated screenshots which show you you managed this process or you could make a brief screencast explaining how you implemented version control.</a:t>
-            </a:r>
-            <a:endParaRPr/>
-          </a:p>
-          <a:p>
-            <a:pPr marL="0" lvl="0" indent="0" algn="l" rtl="0">
-              <a:spcBef>
-                <a:spcPts val="0"/>
-              </a:spcBef>
-              <a:spcAft>
-                <a:spcPts val="0"/>
-              </a:spcAft>
               <a:buNone/>
             </a:pPr>
             <a:endParaRPr/>
@@ -2077,6 +2628,11 @@
         </p:txBody>
       </p:sp>
     </p:spTree>
+    <p:extLst>
+      <p:ext uri="{BB962C8B-B14F-4D97-AF65-F5344CB8AC3E}">
+        <p14:creationId xmlns:p14="http://schemas.microsoft.com/office/powerpoint/2010/main" val="1587411304"/>
+      </p:ext>
+    </p:extLst>
   </p:cSld>
   <p:clrMapOvr>
     <a:masterClrMapping/>
@@ -7139,6 +7695,709 @@
 <file path=ppt/slides/slide10.xml><?xml version="1.0" encoding="utf-8"?>
 <p:sld xmlns:a="http://schemas.openxmlformats.org/drawingml/2006/main" xmlns:r="http://schemas.openxmlformats.org/officeDocument/2006/relationships" xmlns:p="http://schemas.openxmlformats.org/presentationml/2006/main">
   <p:cSld>
+    <p:spTree>
+      <p:nvGrpSpPr>
+        <p:cNvPr id="1" name="Shape 77"/>
+        <p:cNvGrpSpPr/>
+        <p:nvPr/>
+      </p:nvGrpSpPr>
+      <p:grpSpPr>
+        <a:xfrm>
+          <a:off x="0" y="0"/>
+          <a:ext cx="0" cy="0"/>
+          <a:chOff x="0" y="0"/>
+          <a:chExt cx="0" cy="0"/>
+        </a:xfrm>
+      </p:grpSpPr>
+      <p:sp>
+        <p:nvSpPr>
+          <p:cNvPr id="78" name="Google Shape;78;p17"/>
+          <p:cNvSpPr txBox="1">
+            <a:spLocks noGrp="1"/>
+          </p:cNvSpPr>
+          <p:nvPr>
+            <p:ph type="title"/>
+          </p:nvPr>
+        </p:nvSpPr>
+        <p:spPr>
+          <a:xfrm>
+            <a:off x="311700" y="445025"/>
+            <a:ext cx="8520600" cy="572700"/>
+          </a:xfrm>
+          <a:prstGeom prst="rect">
+            <a:avLst/>
+          </a:prstGeom>
+        </p:spPr>
+        <p:txBody>
+          <a:bodyPr spcFirstLastPara="1" wrap="square" lIns="91425" tIns="91425" rIns="91425" bIns="91425" anchor="t" anchorCtr="0">
+            <a:noAutofit/>
+          </a:bodyPr>
+          <a:lstStyle/>
+          <a:p>
+            <a:pPr marL="0" lvl="0" indent="0" algn="l" rtl="0">
+              <a:spcBef>
+                <a:spcPts val="0"/>
+              </a:spcBef>
+              <a:spcAft>
+                <a:spcPts val="0"/>
+              </a:spcAft>
+              <a:buNone/>
+            </a:pPr>
+            <a:r>
+              <a:rPr lang="en" dirty="0"/>
+              <a:t>Component 2 </a:t>
+            </a:r>
+            <a:r>
+              <a:rPr lang="en"/>
+              <a:t>version 3 </a:t>
+            </a:r>
+            <a:r>
+              <a:rPr lang="en" dirty="0"/>
+              <a:t>- Test Plan (?and screenshot)</a:t>
+            </a:r>
+            <a:endParaRPr dirty="0"/>
+          </a:p>
+        </p:txBody>
+      </p:sp>
+      <p:graphicFrame>
+        <p:nvGraphicFramePr>
+          <p:cNvPr id="79" name="Google Shape;79;p17"/>
+          <p:cNvGraphicFramePr/>
+          <p:nvPr/>
+        </p:nvGraphicFramePr>
+        <p:xfrm>
+          <a:off x="311700" y="3577431"/>
+          <a:ext cx="8520600" cy="1462980"/>
+        </p:xfrm>
+        <a:graphic>
+          <a:graphicData uri="http://schemas.openxmlformats.org/drawingml/2006/table">
+            <a:tbl>
+              <a:tblPr>
+                <a:noFill/>
+                <a:tableStyleId>{E1099E06-0E6B-448D-9D27-60429F06E6F4}</a:tableStyleId>
+              </a:tblPr>
+              <a:tblGrid>
+                <a:gridCol w="4260300">
+                  <a:extLst>
+                    <a:ext uri="{9D8B030D-6E8A-4147-A177-3AD203B41FA5}">
+                      <a16:colId xmlns:a16="http://schemas.microsoft.com/office/drawing/2014/main" val="20000"/>
+                    </a:ext>
+                  </a:extLst>
+                </a:gridCol>
+                <a:gridCol w="4260300">
+                  <a:extLst>
+                    <a:ext uri="{9D8B030D-6E8A-4147-A177-3AD203B41FA5}">
+                      <a16:colId xmlns:a16="http://schemas.microsoft.com/office/drawing/2014/main" val="20001"/>
+                    </a:ext>
+                  </a:extLst>
+                </a:gridCol>
+              </a:tblGrid>
+              <a:tr h="381000">
+                <a:tc>
+                  <a:txBody>
+                    <a:bodyPr/>
+                    <a:lstStyle/>
+                    <a:p>
+                      <a:pPr marL="0" lvl="0" indent="0" algn="l" rtl="0">
+                        <a:spcBef>
+                          <a:spcPts val="0"/>
+                        </a:spcBef>
+                        <a:spcAft>
+                          <a:spcPts val="0"/>
+                        </a:spcAft>
+                        <a:buNone/>
+                      </a:pPr>
+                      <a:r>
+                        <a:rPr lang="en" sz="1800" b="1" dirty="0"/>
+                        <a:t>Test Case</a:t>
+                      </a:r>
+                      <a:endParaRPr sz="1800" b="1" dirty="0"/>
+                    </a:p>
+                  </a:txBody>
+                  <a:tcPr marL="91425" marR="91425" marT="91425" marB="91425">
+                    <a:solidFill>
+                      <a:srgbClr val="CCCCCC"/>
+                    </a:solidFill>
+                  </a:tcPr>
+                </a:tc>
+                <a:tc>
+                  <a:txBody>
+                    <a:bodyPr/>
+                    <a:lstStyle/>
+                    <a:p>
+                      <a:pPr marL="0" lvl="0" indent="0" algn="l" rtl="0">
+                        <a:spcBef>
+                          <a:spcPts val="0"/>
+                        </a:spcBef>
+                        <a:spcAft>
+                          <a:spcPts val="0"/>
+                        </a:spcAft>
+                        <a:buNone/>
+                      </a:pPr>
+                      <a:r>
+                        <a:rPr lang="en" sz="1800" b="1"/>
+                        <a:t>Expected Values</a:t>
+                      </a:r>
+                      <a:endParaRPr sz="1800" b="1"/>
+                    </a:p>
+                  </a:txBody>
+                  <a:tcPr marL="91425" marR="91425" marT="91425" marB="91425">
+                    <a:solidFill>
+                      <a:srgbClr val="CCCCCC"/>
+                    </a:solidFill>
+                  </a:tcPr>
+                </a:tc>
+                <a:extLst>
+                  <a:ext uri="{0D108BD9-81ED-4DB2-BD59-A6C34878D82A}">
+                    <a16:rowId xmlns:a16="http://schemas.microsoft.com/office/drawing/2014/main" val="10000"/>
+                  </a:ext>
+                </a:extLst>
+              </a:tr>
+              <a:tr h="396200">
+                <a:tc>
+                  <a:txBody>
+                    <a:bodyPr/>
+                    <a:lstStyle/>
+                    <a:p>
+                      <a:pPr marL="0" lvl="0" indent="0" algn="l" rtl="0">
+                        <a:spcBef>
+                          <a:spcPts val="0"/>
+                        </a:spcBef>
+                        <a:spcAft>
+                          <a:spcPts val="0"/>
+                        </a:spcAft>
+                        <a:buNone/>
+                      </a:pPr>
+                      <a:r>
+                        <a:rPr lang="en-NZ" sz="1800" dirty="0"/>
+                        <a:t>Run program </a:t>
+                      </a:r>
+                      <a:endParaRPr sz="1800" dirty="0"/>
+                    </a:p>
+                  </a:txBody>
+                  <a:tcPr marL="91425" marR="91425" marT="91425" marB="91425"/>
+                </a:tc>
+                <a:tc>
+                  <a:txBody>
+                    <a:bodyPr/>
+                    <a:lstStyle/>
+                    <a:p>
+                      <a:pPr marL="0" lvl="0" indent="0" algn="l" rtl="0">
+                        <a:spcBef>
+                          <a:spcPts val="0"/>
+                        </a:spcBef>
+                        <a:spcAft>
+                          <a:spcPts val="0"/>
+                        </a:spcAft>
+                        <a:buNone/>
+                      </a:pPr>
+                      <a:r>
+                        <a:rPr lang="en-NZ" sz="1800" dirty="0"/>
+                        <a:t>Enter p program prints pickup </a:t>
+                      </a:r>
+                    </a:p>
+                    <a:p>
+                      <a:pPr marL="0" lvl="0" indent="0" algn="l" rtl="0">
+                        <a:spcBef>
+                          <a:spcPts val="0"/>
+                        </a:spcBef>
+                        <a:spcAft>
+                          <a:spcPts val="0"/>
+                        </a:spcAft>
+                        <a:buNone/>
+                      </a:pPr>
+                      <a:r>
+                        <a:rPr lang="en-NZ" sz="1800" dirty="0"/>
+                        <a:t>Enter d program prints delivery</a:t>
+                      </a:r>
+                    </a:p>
+                    <a:p>
+                      <a:pPr marL="0" lvl="0" indent="0" algn="l" rtl="0">
+                        <a:spcBef>
+                          <a:spcPts val="0"/>
+                        </a:spcBef>
+                        <a:spcAft>
+                          <a:spcPts val="0"/>
+                        </a:spcAft>
+                        <a:buNone/>
+                      </a:pPr>
+                      <a:r>
+                        <a:rPr lang="en-NZ" sz="1800" dirty="0"/>
+                        <a:t>Enter invalid prints error message</a:t>
+                      </a:r>
+                      <a:endParaRPr sz="1800" dirty="0"/>
+                    </a:p>
+                  </a:txBody>
+                  <a:tcPr marL="91425" marR="91425" marT="91425" marB="91425"/>
+                </a:tc>
+                <a:extLst>
+                  <a:ext uri="{0D108BD9-81ED-4DB2-BD59-A6C34878D82A}">
+                    <a16:rowId xmlns:a16="http://schemas.microsoft.com/office/drawing/2014/main" val="10001"/>
+                  </a:ext>
+                </a:extLst>
+              </a:tr>
+            </a:tbl>
+          </a:graphicData>
+        </a:graphic>
+      </p:graphicFrame>
+      <p:pic>
+        <p:nvPicPr>
+          <p:cNvPr id="4" name="Picture 3">
+            <a:extLst>
+              <a:ext uri="{FF2B5EF4-FFF2-40B4-BE49-F238E27FC236}">
+                <a16:creationId xmlns:a16="http://schemas.microsoft.com/office/drawing/2014/main" id="{986BEF04-0424-3DCC-E274-EACB7D2DFC56}"/>
+              </a:ext>
+            </a:extLst>
+          </p:cNvPr>
+          <p:cNvPicPr>
+            <a:picLocks noChangeAspect="1"/>
+          </p:cNvPicPr>
+          <p:nvPr/>
+        </p:nvPicPr>
+        <p:blipFill>
+          <a:blip r:embed="rId3"/>
+          <a:stretch>
+            <a:fillRect/>
+          </a:stretch>
+        </p:blipFill>
+        <p:spPr>
+          <a:xfrm>
+            <a:off x="311700" y="1376549"/>
+            <a:ext cx="1876087" cy="2158227"/>
+          </a:xfrm>
+          <a:prstGeom prst="rect">
+            <a:avLst/>
+          </a:prstGeom>
+        </p:spPr>
+      </p:pic>
+    </p:spTree>
+    <p:extLst>
+      <p:ext uri="{BB962C8B-B14F-4D97-AF65-F5344CB8AC3E}">
+        <p14:creationId xmlns:p14="http://schemas.microsoft.com/office/powerpoint/2010/main" val="163324706"/>
+      </p:ext>
+    </p:extLst>
+  </p:cSld>
+  <p:clrMapOvr>
+    <a:masterClrMapping/>
+  </p:clrMapOvr>
+</p:sld>
+</file>
+
+<file path=ppt/slides/slide11.xml><?xml version="1.0" encoding="utf-8"?>
+<p:sld xmlns:a="http://schemas.openxmlformats.org/drawingml/2006/main" xmlns:r="http://schemas.openxmlformats.org/officeDocument/2006/relationships" xmlns:p="http://schemas.openxmlformats.org/presentationml/2006/main">
+  <p:cSld>
+    <p:bg>
+      <p:bgPr>
+        <a:solidFill>
+          <a:srgbClr val="D9EAD3"/>
+        </a:solidFill>
+        <a:effectLst/>
+      </p:bgPr>
+    </p:bg>
+    <p:spTree>
+      <p:nvGrpSpPr>
+        <p:cNvPr id="1" name="Shape 72"/>
+        <p:cNvGrpSpPr/>
+        <p:nvPr/>
+      </p:nvGrpSpPr>
+      <p:grpSpPr>
+        <a:xfrm>
+          <a:off x="0" y="0"/>
+          <a:ext cx="0" cy="0"/>
+          <a:chOff x="0" y="0"/>
+          <a:chExt cx="0" cy="0"/>
+        </a:xfrm>
+      </p:grpSpPr>
+      <p:sp>
+        <p:nvSpPr>
+          <p:cNvPr id="73" name="Google Shape;73;p16"/>
+          <p:cNvSpPr txBox="1">
+            <a:spLocks noGrp="1"/>
+          </p:cNvSpPr>
+          <p:nvPr>
+            <p:ph type="title"/>
+          </p:nvPr>
+        </p:nvSpPr>
+        <p:spPr>
+          <a:xfrm>
+            <a:off x="311700" y="445025"/>
+            <a:ext cx="8520600" cy="572700"/>
+          </a:xfrm>
+          <a:prstGeom prst="rect">
+            <a:avLst/>
+          </a:prstGeom>
+        </p:spPr>
+        <p:txBody>
+          <a:bodyPr spcFirstLastPara="1" wrap="square" lIns="91425" tIns="91425" rIns="91425" bIns="91425" anchor="t" anchorCtr="0">
+            <a:noAutofit/>
+          </a:bodyPr>
+          <a:lstStyle/>
+          <a:p>
+            <a:pPr marL="0" lvl="0" indent="0" algn="l" rtl="0">
+              <a:spcBef>
+                <a:spcPts val="0"/>
+              </a:spcBef>
+              <a:spcAft>
+                <a:spcPts val="0"/>
+              </a:spcAft>
+              <a:buNone/>
+            </a:pPr>
+            <a:r>
+              <a:rPr lang="en" dirty="0"/>
+              <a:t>Component 2 (Trello screenshot)</a:t>
+            </a:r>
+            <a:endParaRPr dirty="0"/>
+          </a:p>
+        </p:txBody>
+      </p:sp>
+    </p:spTree>
+    <p:extLst>
+      <p:ext uri="{BB962C8B-B14F-4D97-AF65-F5344CB8AC3E}">
+        <p14:creationId xmlns:p14="http://schemas.microsoft.com/office/powerpoint/2010/main" val="63546648"/>
+      </p:ext>
+    </p:extLst>
+  </p:cSld>
+  <p:clrMapOvr>
+    <a:masterClrMapping/>
+  </p:clrMapOvr>
+</p:sld>
+</file>
+
+<file path=ppt/slides/slide12.xml><?xml version="1.0" encoding="utf-8"?>
+<p:sld xmlns:a="http://schemas.openxmlformats.org/drawingml/2006/main" xmlns:r="http://schemas.openxmlformats.org/officeDocument/2006/relationships" xmlns:p="http://schemas.openxmlformats.org/presentationml/2006/main">
+  <p:cSld>
+    <p:spTree>
+      <p:nvGrpSpPr>
+        <p:cNvPr id="1" name="Shape 77"/>
+        <p:cNvGrpSpPr/>
+        <p:nvPr/>
+      </p:nvGrpSpPr>
+      <p:grpSpPr>
+        <a:xfrm>
+          <a:off x="0" y="0"/>
+          <a:ext cx="0" cy="0"/>
+          <a:chOff x="0" y="0"/>
+          <a:chExt cx="0" cy="0"/>
+        </a:xfrm>
+      </p:grpSpPr>
+      <p:sp>
+        <p:nvSpPr>
+          <p:cNvPr id="78" name="Google Shape;78;p17"/>
+          <p:cNvSpPr txBox="1">
+            <a:spLocks noGrp="1"/>
+          </p:cNvSpPr>
+          <p:nvPr>
+            <p:ph type="title"/>
+          </p:nvPr>
+        </p:nvSpPr>
+        <p:spPr>
+          <a:xfrm>
+            <a:off x="311700" y="445025"/>
+            <a:ext cx="8520600" cy="572700"/>
+          </a:xfrm>
+          <a:prstGeom prst="rect">
+            <a:avLst/>
+          </a:prstGeom>
+        </p:spPr>
+        <p:txBody>
+          <a:bodyPr spcFirstLastPara="1" wrap="square" lIns="91425" tIns="91425" rIns="91425" bIns="91425" anchor="t" anchorCtr="0">
+            <a:noAutofit/>
+          </a:bodyPr>
+          <a:lstStyle/>
+          <a:p>
+            <a:pPr marL="0" lvl="0" indent="0" algn="l" rtl="0">
+              <a:spcBef>
+                <a:spcPts val="0"/>
+              </a:spcBef>
+              <a:spcAft>
+                <a:spcPts val="0"/>
+              </a:spcAft>
+              <a:buNone/>
+            </a:pPr>
+            <a:r>
+              <a:rPr lang="en" dirty="0"/>
+              <a:t>Component 2 - Test Plan (?and screenshot)</a:t>
+            </a:r>
+            <a:endParaRPr dirty="0"/>
+          </a:p>
+        </p:txBody>
+      </p:sp>
+      <p:graphicFrame>
+        <p:nvGraphicFramePr>
+          <p:cNvPr id="79" name="Google Shape;79;p17"/>
+          <p:cNvGraphicFramePr/>
+          <p:nvPr/>
+        </p:nvGraphicFramePr>
+        <p:xfrm>
+          <a:off x="382475" y="1267725"/>
+          <a:ext cx="8520600" cy="914340"/>
+        </p:xfrm>
+        <a:graphic>
+          <a:graphicData uri="http://schemas.openxmlformats.org/drawingml/2006/table">
+            <a:tbl>
+              <a:tblPr>
+                <a:noFill/>
+                <a:tableStyleId>{E1099E06-0E6B-448D-9D27-60429F06E6F4}</a:tableStyleId>
+              </a:tblPr>
+              <a:tblGrid>
+                <a:gridCol w="4260300">
+                  <a:extLst>
+                    <a:ext uri="{9D8B030D-6E8A-4147-A177-3AD203B41FA5}">
+                      <a16:colId xmlns:a16="http://schemas.microsoft.com/office/drawing/2014/main" val="20000"/>
+                    </a:ext>
+                  </a:extLst>
+                </a:gridCol>
+                <a:gridCol w="4260300">
+                  <a:extLst>
+                    <a:ext uri="{9D8B030D-6E8A-4147-A177-3AD203B41FA5}">
+                      <a16:colId xmlns:a16="http://schemas.microsoft.com/office/drawing/2014/main" val="20001"/>
+                    </a:ext>
+                  </a:extLst>
+                </a:gridCol>
+              </a:tblGrid>
+              <a:tr h="381000">
+                <a:tc>
+                  <a:txBody>
+                    <a:bodyPr/>
+                    <a:lstStyle/>
+                    <a:p>
+                      <a:pPr marL="0" lvl="0" indent="0" algn="l" rtl="0">
+                        <a:spcBef>
+                          <a:spcPts val="0"/>
+                        </a:spcBef>
+                        <a:spcAft>
+                          <a:spcPts val="0"/>
+                        </a:spcAft>
+                        <a:buNone/>
+                      </a:pPr>
+                      <a:r>
+                        <a:rPr lang="en" sz="1800" b="1"/>
+                        <a:t>Test Case</a:t>
+                      </a:r>
+                      <a:endParaRPr sz="1800" b="1"/>
+                    </a:p>
+                  </a:txBody>
+                  <a:tcPr marL="91425" marR="91425" marT="91425" marB="91425">
+                    <a:solidFill>
+                      <a:srgbClr val="CCCCCC"/>
+                    </a:solidFill>
+                  </a:tcPr>
+                </a:tc>
+                <a:tc>
+                  <a:txBody>
+                    <a:bodyPr/>
+                    <a:lstStyle/>
+                    <a:p>
+                      <a:pPr marL="0" lvl="0" indent="0" algn="l" rtl="0">
+                        <a:spcBef>
+                          <a:spcPts val="0"/>
+                        </a:spcBef>
+                        <a:spcAft>
+                          <a:spcPts val="0"/>
+                        </a:spcAft>
+                        <a:buNone/>
+                      </a:pPr>
+                      <a:r>
+                        <a:rPr lang="en" sz="1800" b="1"/>
+                        <a:t>Expected Values</a:t>
+                      </a:r>
+                      <a:endParaRPr sz="1800" b="1"/>
+                    </a:p>
+                  </a:txBody>
+                  <a:tcPr marL="91425" marR="91425" marT="91425" marB="91425">
+                    <a:solidFill>
+                      <a:srgbClr val="CCCCCC"/>
+                    </a:solidFill>
+                  </a:tcPr>
+                </a:tc>
+                <a:extLst>
+                  <a:ext uri="{0D108BD9-81ED-4DB2-BD59-A6C34878D82A}">
+                    <a16:rowId xmlns:a16="http://schemas.microsoft.com/office/drawing/2014/main" val="10000"/>
+                  </a:ext>
+                </a:extLst>
+              </a:tr>
+              <a:tr h="396200">
+                <a:tc>
+                  <a:txBody>
+                    <a:bodyPr/>
+                    <a:lstStyle/>
+                    <a:p>
+                      <a:pPr marL="0" lvl="0" indent="0" algn="l" rtl="0">
+                        <a:spcBef>
+                          <a:spcPts val="0"/>
+                        </a:spcBef>
+                        <a:spcAft>
+                          <a:spcPts val="0"/>
+                        </a:spcAft>
+                        <a:buNone/>
+                      </a:pPr>
+                      <a:endParaRPr sz="1800"/>
+                    </a:p>
+                  </a:txBody>
+                  <a:tcPr marL="91425" marR="91425" marT="91425" marB="91425"/>
+                </a:tc>
+                <a:tc>
+                  <a:txBody>
+                    <a:bodyPr/>
+                    <a:lstStyle/>
+                    <a:p>
+                      <a:pPr marL="0" lvl="0" indent="0" algn="l" rtl="0">
+                        <a:spcBef>
+                          <a:spcPts val="0"/>
+                        </a:spcBef>
+                        <a:spcAft>
+                          <a:spcPts val="0"/>
+                        </a:spcAft>
+                        <a:buNone/>
+                      </a:pPr>
+                      <a:endParaRPr sz="1800"/>
+                    </a:p>
+                  </a:txBody>
+                  <a:tcPr marL="91425" marR="91425" marT="91425" marB="91425"/>
+                </a:tc>
+                <a:extLst>
+                  <a:ext uri="{0D108BD9-81ED-4DB2-BD59-A6C34878D82A}">
+                    <a16:rowId xmlns:a16="http://schemas.microsoft.com/office/drawing/2014/main" val="10001"/>
+                  </a:ext>
+                </a:extLst>
+              </a:tr>
+            </a:tbl>
+          </a:graphicData>
+        </a:graphic>
+      </p:graphicFrame>
+    </p:spTree>
+    <p:extLst>
+      <p:ext uri="{BB962C8B-B14F-4D97-AF65-F5344CB8AC3E}">
+        <p14:creationId xmlns:p14="http://schemas.microsoft.com/office/powerpoint/2010/main" val="2399237063"/>
+      </p:ext>
+    </p:extLst>
+  </p:cSld>
+  <p:clrMapOvr>
+    <a:masterClrMapping/>
+  </p:clrMapOvr>
+</p:sld>
+</file>
+
+<file path=ppt/slides/slide13.xml><?xml version="1.0" encoding="utf-8"?>
+<p:sld xmlns:a="http://schemas.openxmlformats.org/drawingml/2006/main" xmlns:r="http://schemas.openxmlformats.org/officeDocument/2006/relationships" xmlns:p="http://schemas.openxmlformats.org/presentationml/2006/main">
+  <p:cSld>
+    <p:bg>
+      <p:bgPr>
+        <a:solidFill>
+          <a:srgbClr val="D9EAD3"/>
+        </a:solidFill>
+        <a:effectLst/>
+      </p:bgPr>
+    </p:bg>
+    <p:spTree>
+      <p:nvGrpSpPr>
+        <p:cNvPr id="1" name="Shape 83"/>
+        <p:cNvGrpSpPr/>
+        <p:nvPr/>
+      </p:nvGrpSpPr>
+      <p:grpSpPr>
+        <a:xfrm>
+          <a:off x="0" y="0"/>
+          <a:ext cx="0" cy="0"/>
+          <a:chOff x="0" y="0"/>
+          <a:chExt cx="0" cy="0"/>
+        </a:xfrm>
+      </p:grpSpPr>
+      <p:sp>
+        <p:nvSpPr>
+          <p:cNvPr id="84" name="Google Shape;84;p18"/>
+          <p:cNvSpPr txBox="1">
+            <a:spLocks noGrp="1"/>
+          </p:cNvSpPr>
+          <p:nvPr>
+            <p:ph type="title"/>
+          </p:nvPr>
+        </p:nvSpPr>
+        <p:spPr>
+          <a:xfrm>
+            <a:off x="311700" y="445025"/>
+            <a:ext cx="8520600" cy="572700"/>
+          </a:xfrm>
+          <a:prstGeom prst="rect">
+            <a:avLst/>
+          </a:prstGeom>
+        </p:spPr>
+        <p:txBody>
+          <a:bodyPr spcFirstLastPara="1" wrap="square" lIns="91425" tIns="91425" rIns="91425" bIns="91425" anchor="t" anchorCtr="0">
+            <a:noAutofit/>
+          </a:bodyPr>
+          <a:lstStyle/>
+          <a:p>
+            <a:pPr marL="0" lvl="0" indent="0" algn="l" rtl="0">
+              <a:spcBef>
+                <a:spcPts val="0"/>
+              </a:spcBef>
+              <a:spcAft>
+                <a:spcPts val="0"/>
+              </a:spcAft>
+              <a:buNone/>
+            </a:pPr>
+            <a:r>
+              <a:rPr lang="en"/>
+              <a:t>Version Control Evidence</a:t>
+            </a:r>
+            <a:endParaRPr/>
+          </a:p>
+        </p:txBody>
+      </p:sp>
+      <p:sp>
+        <p:nvSpPr>
+          <p:cNvPr id="85" name="Google Shape;85;p18"/>
+          <p:cNvSpPr txBox="1">
+            <a:spLocks noGrp="1"/>
+          </p:cNvSpPr>
+          <p:nvPr>
+            <p:ph type="body" idx="1"/>
+          </p:nvPr>
+        </p:nvSpPr>
+        <p:spPr>
+          <a:xfrm>
+            <a:off x="311700" y="1152475"/>
+            <a:ext cx="8464200" cy="3739200"/>
+          </a:xfrm>
+          <a:prstGeom prst="rect">
+            <a:avLst/>
+          </a:prstGeom>
+        </p:spPr>
+        <p:txBody>
+          <a:bodyPr spcFirstLastPara="1" wrap="square" lIns="91425" tIns="91425" rIns="91425" bIns="91425" anchor="t" anchorCtr="0">
+            <a:noAutofit/>
+          </a:bodyPr>
+          <a:lstStyle/>
+          <a:p>
+            <a:pPr marL="0" lvl="0" indent="0" algn="l" rtl="0">
+              <a:spcBef>
+                <a:spcPts val="0"/>
+              </a:spcBef>
+              <a:spcAft>
+                <a:spcPts val="1600"/>
+              </a:spcAft>
+              <a:buNone/>
+            </a:pPr>
+            <a:r>
+              <a:rPr lang="en" i="1"/>
+              <a:t>Your version control evidence should go here.  This could be in the form of annotated screenshots which show you you managed this process or you could make a brief screencast explaining how you implemented version control.</a:t>
+            </a:r>
+            <a:endParaRPr i="1"/>
+          </a:p>
+        </p:txBody>
+      </p:sp>
+    </p:spTree>
+  </p:cSld>
+  <p:clrMapOvr>
+    <a:masterClrMapping/>
+  </p:clrMapOvr>
+</p:sld>
+</file>
+
+<file path=ppt/slides/slide14.xml><?xml version="1.0" encoding="utf-8"?>
+<p:sld xmlns:a="http://schemas.openxmlformats.org/drawingml/2006/main" xmlns:r="http://schemas.openxmlformats.org/officeDocument/2006/relationships" xmlns:p="http://schemas.openxmlformats.org/presentationml/2006/main">
+  <p:cSld>
     <p:bg>
       <p:bgPr>
         <a:solidFill>
@@ -8306,6 +9565,36 @@
           </a:p>
         </p:txBody>
       </p:sp>
+      <p:pic>
+        <p:nvPicPr>
+          <p:cNvPr id="3" name="Picture 2">
+            <a:extLst>
+              <a:ext uri="{FF2B5EF4-FFF2-40B4-BE49-F238E27FC236}">
+                <a16:creationId xmlns:a16="http://schemas.microsoft.com/office/drawing/2014/main" id="{152D5625-AB07-1FAF-0A5B-28D44BA70EC6}"/>
+              </a:ext>
+            </a:extLst>
+          </p:cNvPr>
+          <p:cNvPicPr>
+            <a:picLocks noChangeAspect="1"/>
+          </p:cNvPicPr>
+          <p:nvPr/>
+        </p:nvPicPr>
+        <p:blipFill>
+          <a:blip r:embed="rId3"/>
+          <a:stretch>
+            <a:fillRect/>
+          </a:stretch>
+        </p:blipFill>
+        <p:spPr>
+          <a:xfrm>
+            <a:off x="0" y="1148287"/>
+            <a:ext cx="9144000" cy="2846925"/>
+          </a:xfrm>
+          <a:prstGeom prst="rect">
+            <a:avLst/>
+          </a:prstGeom>
+        </p:spPr>
+      </p:pic>
     </p:spTree>
     <p:extLst>
       <p:ext uri="{BB962C8B-B14F-4D97-AF65-F5344CB8AC3E}">
@@ -8372,7 +9661,7 @@
             </a:pPr>
             <a:r>
               <a:rPr lang="en" dirty="0"/>
-              <a:t>Component 2 - Test Plan (?and screenshot)</a:t>
+              <a:t>Component 2 version 1 - Test Plan (?and screenshot)</a:t>
             </a:r>
             <a:endParaRPr dirty="0"/>
           </a:p>
@@ -8382,11 +9671,17 @@
         <p:nvGraphicFramePr>
           <p:cNvPr id="79" name="Google Shape;79;p17"/>
           <p:cNvGraphicFramePr/>
-          <p:nvPr/>
+          <p:nvPr>
+            <p:extLst>
+              <p:ext uri="{D42A27DB-BD31-4B8C-83A1-F6EECF244321}">
+                <p14:modId xmlns:p14="http://schemas.microsoft.com/office/powerpoint/2010/main" val="2109280056"/>
+              </p:ext>
+            </p:extLst>
+          </p:nvPr>
         </p:nvGraphicFramePr>
         <p:xfrm>
-          <a:off x="382475" y="1267725"/>
-          <a:ext cx="8520600" cy="914340"/>
+          <a:off x="311700" y="3577431"/>
+          <a:ext cx="8520600" cy="1462980"/>
         </p:xfrm>
         <a:graphic>
           <a:graphicData uri="http://schemas.openxmlformats.org/drawingml/2006/table">
@@ -8427,10 +9722,10 @@
                         <a:buNone/>
                       </a:pPr>
                       <a:r>
-                        <a:rPr lang="en" sz="1800" b="1"/>
+                        <a:rPr lang="en" sz="1800" b="1" dirty="0"/>
                         <a:t>Test Case</a:t>
                       </a:r>
-                      <a:endParaRPr sz="1800" b="1"/>
+                      <a:endParaRPr sz="1800" b="1" dirty="0"/>
                     </a:p>
                   </a:txBody>
                   <a:tcPr marL="91425" marR="91425" marT="91425" marB="91425">
@@ -8487,7 +9782,11 @@
                         </a:spcAft>
                         <a:buNone/>
                       </a:pPr>
-                      <a:endParaRPr sz="1800"/>
+                      <a:r>
+                        <a:rPr lang="en-NZ" sz="1800" dirty="0"/>
+                        <a:t>Run program </a:t>
+                      </a:r>
+                      <a:endParaRPr sz="1800" dirty="0"/>
                     </a:p>
                   </a:txBody>
                   <a:tcPr marL="91425" marR="91425" marT="91425" marB="91425"/>
@@ -8506,7 +9805,41 @@
                         </a:spcAft>
                         <a:buNone/>
                       </a:pPr>
-                      <a:endParaRPr sz="1800"/>
+                      <a:r>
+                        <a:rPr lang="en-NZ" sz="1800" dirty="0"/>
+                        <a:t>Enter p program prints pickup </a:t>
+                      </a:r>
+                    </a:p>
+                    <a:p>
+                      <a:pPr marL="0" lvl="0" indent="0" algn="l" rtl="0">
+                        <a:spcBef>
+                          <a:spcPts val="0"/>
+                        </a:spcBef>
+                        <a:spcAft>
+                          <a:spcPts val="0"/>
+                        </a:spcAft>
+                        <a:buNone/>
+                      </a:pPr>
+                      <a:r>
+                        <a:rPr lang="en-NZ" sz="1800" dirty="0"/>
+                        <a:t>Enter d program prints delivery</a:t>
+                      </a:r>
+                    </a:p>
+                    <a:p>
+                      <a:pPr marL="0" lvl="0" indent="0" algn="l" rtl="0">
+                        <a:spcBef>
+                          <a:spcPts val="0"/>
+                        </a:spcBef>
+                        <a:spcAft>
+                          <a:spcPts val="0"/>
+                        </a:spcAft>
+                        <a:buNone/>
+                      </a:pPr>
+                      <a:r>
+                        <a:rPr lang="en-NZ" sz="1800" dirty="0"/>
+                        <a:t>Enter invalid program stops</a:t>
+                      </a:r>
+                      <a:endParaRPr sz="1800" dirty="0"/>
                     </a:p>
                   </a:txBody>
                   <a:tcPr marL="91425" marR="91425" marT="91425" marB="91425"/>
@@ -8521,10 +9854,40 @@
           </a:graphicData>
         </a:graphic>
       </p:graphicFrame>
+      <p:pic>
+        <p:nvPicPr>
+          <p:cNvPr id="3" name="Picture 2">
+            <a:extLst>
+              <a:ext uri="{FF2B5EF4-FFF2-40B4-BE49-F238E27FC236}">
+                <a16:creationId xmlns:a16="http://schemas.microsoft.com/office/drawing/2014/main" id="{DB82BF23-FA86-0C11-496F-21B54CD49A28}"/>
+              </a:ext>
+            </a:extLst>
+          </p:cNvPr>
+          <p:cNvPicPr>
+            <a:picLocks noChangeAspect="1"/>
+          </p:cNvPicPr>
+          <p:nvPr/>
+        </p:nvPicPr>
+        <p:blipFill>
+          <a:blip r:embed="rId3"/>
+          <a:stretch>
+            <a:fillRect/>
+          </a:stretch>
+        </p:blipFill>
+        <p:spPr>
+          <a:xfrm>
+            <a:off x="311700" y="1379888"/>
+            <a:ext cx="2216569" cy="2197543"/>
+          </a:xfrm>
+          <a:prstGeom prst="rect">
+            <a:avLst/>
+          </a:prstGeom>
+        </p:spPr>
+      </p:pic>
     </p:spTree>
     <p:extLst>
       <p:ext uri="{BB962C8B-B14F-4D97-AF65-F5344CB8AC3E}">
-        <p14:creationId xmlns:p14="http://schemas.microsoft.com/office/powerpoint/2010/main" val="2399237063"/>
+        <p14:creationId xmlns:p14="http://schemas.microsoft.com/office/powerpoint/2010/main" val="1853017093"/>
       </p:ext>
     </p:extLst>
   </p:cSld>
@@ -8537,17 +9900,9 @@
 <file path=ppt/slides/slide9.xml><?xml version="1.0" encoding="utf-8"?>
 <p:sld xmlns:a="http://schemas.openxmlformats.org/drawingml/2006/main" xmlns:r="http://schemas.openxmlformats.org/officeDocument/2006/relationships" xmlns:p="http://schemas.openxmlformats.org/presentationml/2006/main">
   <p:cSld>
-    <p:bg>
-      <p:bgPr>
-        <a:solidFill>
-          <a:srgbClr val="D9EAD3"/>
-        </a:solidFill>
-        <a:effectLst/>
-      </p:bgPr>
-    </p:bg>
     <p:spTree>
       <p:nvGrpSpPr>
-        <p:cNvPr id="1" name="Shape 83"/>
+        <p:cNvPr id="1" name="Shape 77"/>
         <p:cNvGrpSpPr/>
         <p:nvPr/>
       </p:nvGrpSpPr>
@@ -8561,7 +9916,7 @@
       </p:grpSpPr>
       <p:sp>
         <p:nvSpPr>
-          <p:cNvPr id="84" name="Google Shape;84;p18"/>
+          <p:cNvPr id="78" name="Google Shape;78;p17"/>
           <p:cNvSpPr txBox="1">
             <a:spLocks noGrp="1"/>
           </p:cNvSpPr>
@@ -8594,56 +9949,236 @@
               <a:buNone/>
             </a:pPr>
             <a:r>
-              <a:rPr lang="en"/>
-              <a:t>Version Control Evidence</a:t>
+              <a:rPr lang="en" dirty="0"/>
+              <a:t>Component 2 version 2 - Test Plan (?and screenshot)</a:t>
             </a:r>
-            <a:endParaRPr/>
+            <a:endParaRPr dirty="0"/>
           </a:p>
         </p:txBody>
       </p:sp>
-      <p:sp>
-        <p:nvSpPr>
-          <p:cNvPr id="85" name="Google Shape;85;p18"/>
-          <p:cNvSpPr txBox="1">
-            <a:spLocks noGrp="1"/>
-          </p:cNvSpPr>
+      <p:graphicFrame>
+        <p:nvGraphicFramePr>
+          <p:cNvPr id="79" name="Google Shape;79;p17"/>
+          <p:cNvGraphicFramePr/>
           <p:nvPr>
-            <p:ph type="body" idx="1"/>
+            <p:extLst>
+              <p:ext uri="{D42A27DB-BD31-4B8C-83A1-F6EECF244321}">
+                <p14:modId xmlns:p14="http://schemas.microsoft.com/office/powerpoint/2010/main" val="3409442146"/>
+              </p:ext>
+            </p:extLst>
           </p:nvPr>
-        </p:nvSpPr>
+        </p:nvGraphicFramePr>
+        <p:xfrm>
+          <a:off x="311700" y="3577431"/>
+          <a:ext cx="8520600" cy="1462980"/>
+        </p:xfrm>
+        <a:graphic>
+          <a:graphicData uri="http://schemas.openxmlformats.org/drawingml/2006/table">
+            <a:tbl>
+              <a:tblPr>
+                <a:noFill/>
+                <a:tableStyleId>{E1099E06-0E6B-448D-9D27-60429F06E6F4}</a:tableStyleId>
+              </a:tblPr>
+              <a:tblGrid>
+                <a:gridCol w="4260300">
+                  <a:extLst>
+                    <a:ext uri="{9D8B030D-6E8A-4147-A177-3AD203B41FA5}">
+                      <a16:colId xmlns:a16="http://schemas.microsoft.com/office/drawing/2014/main" val="20000"/>
+                    </a:ext>
+                  </a:extLst>
+                </a:gridCol>
+                <a:gridCol w="4260300">
+                  <a:extLst>
+                    <a:ext uri="{9D8B030D-6E8A-4147-A177-3AD203B41FA5}">
+                      <a16:colId xmlns:a16="http://schemas.microsoft.com/office/drawing/2014/main" val="20001"/>
+                    </a:ext>
+                  </a:extLst>
+                </a:gridCol>
+              </a:tblGrid>
+              <a:tr h="381000">
+                <a:tc>
+                  <a:txBody>
+                    <a:bodyPr/>
+                    <a:lstStyle/>
+                    <a:p>
+                      <a:pPr marL="0" lvl="0" indent="0" algn="l" rtl="0">
+                        <a:spcBef>
+                          <a:spcPts val="0"/>
+                        </a:spcBef>
+                        <a:spcAft>
+                          <a:spcPts val="0"/>
+                        </a:spcAft>
+                        <a:buNone/>
+                      </a:pPr>
+                      <a:r>
+                        <a:rPr lang="en" sz="1800" b="1" dirty="0"/>
+                        <a:t>Test Case</a:t>
+                      </a:r>
+                      <a:endParaRPr sz="1800" b="1" dirty="0"/>
+                    </a:p>
+                  </a:txBody>
+                  <a:tcPr marL="91425" marR="91425" marT="91425" marB="91425">
+                    <a:solidFill>
+                      <a:srgbClr val="CCCCCC"/>
+                    </a:solidFill>
+                  </a:tcPr>
+                </a:tc>
+                <a:tc>
+                  <a:txBody>
+                    <a:bodyPr/>
+                    <a:lstStyle/>
+                    <a:p>
+                      <a:pPr marL="0" lvl="0" indent="0" algn="l" rtl="0">
+                        <a:spcBef>
+                          <a:spcPts val="0"/>
+                        </a:spcBef>
+                        <a:spcAft>
+                          <a:spcPts val="0"/>
+                        </a:spcAft>
+                        <a:buNone/>
+                      </a:pPr>
+                      <a:r>
+                        <a:rPr lang="en" sz="1800" b="1"/>
+                        <a:t>Expected Values</a:t>
+                      </a:r>
+                      <a:endParaRPr sz="1800" b="1"/>
+                    </a:p>
+                  </a:txBody>
+                  <a:tcPr marL="91425" marR="91425" marT="91425" marB="91425">
+                    <a:solidFill>
+                      <a:srgbClr val="CCCCCC"/>
+                    </a:solidFill>
+                  </a:tcPr>
+                </a:tc>
+                <a:extLst>
+                  <a:ext uri="{0D108BD9-81ED-4DB2-BD59-A6C34878D82A}">
+                    <a16:rowId xmlns:a16="http://schemas.microsoft.com/office/drawing/2014/main" val="10000"/>
+                  </a:ext>
+                </a:extLst>
+              </a:tr>
+              <a:tr h="396200">
+                <a:tc>
+                  <a:txBody>
+                    <a:bodyPr/>
+                    <a:lstStyle/>
+                    <a:p>
+                      <a:pPr marL="0" lvl="0" indent="0" algn="l" rtl="0">
+                        <a:spcBef>
+                          <a:spcPts val="0"/>
+                        </a:spcBef>
+                        <a:spcAft>
+                          <a:spcPts val="0"/>
+                        </a:spcAft>
+                        <a:buNone/>
+                      </a:pPr>
+                      <a:r>
+                        <a:rPr lang="en-NZ" sz="1800" dirty="0"/>
+                        <a:t>Run program </a:t>
+                      </a:r>
+                      <a:endParaRPr sz="1800" dirty="0"/>
+                    </a:p>
+                  </a:txBody>
+                  <a:tcPr marL="91425" marR="91425" marT="91425" marB="91425"/>
+                </a:tc>
+                <a:tc>
+                  <a:txBody>
+                    <a:bodyPr/>
+                    <a:lstStyle/>
+                    <a:p>
+                      <a:pPr marL="0" lvl="0" indent="0" algn="l" rtl="0">
+                        <a:spcBef>
+                          <a:spcPts val="0"/>
+                        </a:spcBef>
+                        <a:spcAft>
+                          <a:spcPts val="0"/>
+                        </a:spcAft>
+                        <a:buNone/>
+                      </a:pPr>
+                      <a:r>
+                        <a:rPr lang="en-NZ" sz="1800" dirty="0"/>
+                        <a:t>Enter p program prints pickup </a:t>
+                      </a:r>
+                    </a:p>
+                    <a:p>
+                      <a:pPr marL="0" lvl="0" indent="0" algn="l" rtl="0">
+                        <a:spcBef>
+                          <a:spcPts val="0"/>
+                        </a:spcBef>
+                        <a:spcAft>
+                          <a:spcPts val="0"/>
+                        </a:spcAft>
+                        <a:buNone/>
+                      </a:pPr>
+                      <a:r>
+                        <a:rPr lang="en-NZ" sz="1800" dirty="0"/>
+                        <a:t>Enter d program prints delivery</a:t>
+                      </a:r>
+                    </a:p>
+                    <a:p>
+                      <a:pPr marL="0" lvl="0" indent="0" algn="l" rtl="0">
+                        <a:spcBef>
+                          <a:spcPts val="0"/>
+                        </a:spcBef>
+                        <a:spcAft>
+                          <a:spcPts val="0"/>
+                        </a:spcAft>
+                        <a:buNone/>
+                      </a:pPr>
+                      <a:r>
+                        <a:rPr lang="en-NZ" sz="1800" dirty="0"/>
+                        <a:t>Enter invalid prints error message</a:t>
+                      </a:r>
+                      <a:endParaRPr sz="1800" dirty="0"/>
+                    </a:p>
+                  </a:txBody>
+                  <a:tcPr marL="91425" marR="91425" marT="91425" marB="91425"/>
+                </a:tc>
+                <a:extLst>
+                  <a:ext uri="{0D108BD9-81ED-4DB2-BD59-A6C34878D82A}">
+                    <a16:rowId xmlns:a16="http://schemas.microsoft.com/office/drawing/2014/main" val="10001"/>
+                  </a:ext>
+                </a:extLst>
+              </a:tr>
+            </a:tbl>
+          </a:graphicData>
+        </a:graphic>
+      </p:graphicFrame>
+      <p:pic>
+        <p:nvPicPr>
+          <p:cNvPr id="4" name="Picture 3">
+            <a:extLst>
+              <a:ext uri="{FF2B5EF4-FFF2-40B4-BE49-F238E27FC236}">
+                <a16:creationId xmlns:a16="http://schemas.microsoft.com/office/drawing/2014/main" id="{986BEF04-0424-3DCC-E274-EACB7D2DFC56}"/>
+              </a:ext>
+            </a:extLst>
+          </p:cNvPr>
+          <p:cNvPicPr>
+            <a:picLocks noChangeAspect="1"/>
+          </p:cNvPicPr>
+          <p:nvPr/>
+        </p:nvPicPr>
+        <p:blipFill>
+          <a:blip r:embed="rId3"/>
+          <a:stretch>
+            <a:fillRect/>
+          </a:stretch>
+        </p:blipFill>
         <p:spPr>
           <a:xfrm>
-            <a:off x="311700" y="1152475"/>
-            <a:ext cx="8464200" cy="3739200"/>
+            <a:off x="311700" y="1376549"/>
+            <a:ext cx="1876087" cy="2158227"/>
           </a:xfrm>
           <a:prstGeom prst="rect">
             <a:avLst/>
           </a:prstGeom>
         </p:spPr>
-        <p:txBody>
-          <a:bodyPr spcFirstLastPara="1" wrap="square" lIns="91425" tIns="91425" rIns="91425" bIns="91425" anchor="t" anchorCtr="0">
-            <a:noAutofit/>
-          </a:bodyPr>
-          <a:lstStyle/>
-          <a:p>
-            <a:pPr marL="0" lvl="0" indent="0" algn="l" rtl="0">
-              <a:spcBef>
-                <a:spcPts val="0"/>
-              </a:spcBef>
-              <a:spcAft>
-                <a:spcPts val="1600"/>
-              </a:spcAft>
-              <a:buNone/>
-            </a:pPr>
-            <a:r>
-              <a:rPr lang="en" i="1"/>
-              <a:t>Your version control evidence should go here.  This could be in the form of annotated screenshots which show you you managed this process or you could make a brief screencast explaining how you implemented version control.</a:t>
-            </a:r>
-            <a:endParaRPr i="1"/>
-          </a:p>
-        </p:txBody>
-      </p:sp>
+      </p:pic>
     </p:spTree>
+    <p:extLst>
+      <p:ext uri="{BB962C8B-B14F-4D97-AF65-F5344CB8AC3E}">
+        <p14:creationId xmlns:p14="http://schemas.microsoft.com/office/powerpoint/2010/main" val="864288546"/>
+      </p:ext>
+    </p:extLst>
   </p:cSld>
   <p:clrMapOvr>
     <a:masterClrMapping/>

--- a/022_91893+_+91897+Documentation.pptx
+++ b/022_91893+_+91897+Documentation.pptx
@@ -5,7 +5,7 @@
     <p:sldMasterId id="2147483659" r:id="rId1"/>
   </p:sldMasterIdLst>
   <p:notesMasterIdLst>
-    <p:notesMasterId r:id="rId16"/>
+    <p:notesMasterId r:id="rId18"/>
   </p:notesMasterIdLst>
   <p:sldIdLst>
     <p:sldId id="256" r:id="rId2"/>
@@ -18,10 +18,12 @@
     <p:sldId id="266" r:id="rId9"/>
     <p:sldId id="268" r:id="rId10"/>
     <p:sldId id="269" r:id="rId11"/>
-    <p:sldId id="267" r:id="rId12"/>
-    <p:sldId id="264" r:id="rId13"/>
-    <p:sldId id="261" r:id="rId14"/>
-    <p:sldId id="262" r:id="rId15"/>
+    <p:sldId id="270" r:id="rId12"/>
+    <p:sldId id="271" r:id="rId13"/>
+    <p:sldId id="267" r:id="rId14"/>
+    <p:sldId id="264" r:id="rId15"/>
+    <p:sldId id="261" r:id="rId16"/>
+    <p:sldId id="262" r:id="rId17"/>
   </p:sldIdLst>
   <p:sldSz cx="9144000" cy="5143500" type="screen16x9"/>
   <p:notesSz cx="6858000" cy="9144000"/>
@@ -286,7 +288,7 @@
   <pc:docChgLst>
     <pc:chgData name="Luka Timmermans" userId="4364fd2f-d475-40f9-8f47-058a32a73bfe" providerId="ADAL" clId="{159DA90F-DD34-45EF-96B3-FC6778599D65}"/>
     <pc:docChg chg="undo custSel addSld delSld modSld sldOrd">
-      <pc:chgData name="Luka Timmermans" userId="4364fd2f-d475-40f9-8f47-058a32a73bfe" providerId="ADAL" clId="{159DA90F-DD34-45EF-96B3-FC6778599D65}" dt="2023-05-17T02:57:47.278" v="600" actId="20577"/>
+      <pc:chgData name="Luka Timmermans" userId="4364fd2f-d475-40f9-8f47-058a32a73bfe" providerId="ADAL" clId="{159DA90F-DD34-45EF-96B3-FC6778599D65}" dt="2023-05-18T00:30:22.700" v="872" actId="20577"/>
       <pc:docMkLst>
         <pc:docMk/>
       </pc:docMkLst>
@@ -599,8 +601,8 @@
           </ac:picMkLst>
         </pc:picChg>
       </pc:sldChg>
-      <pc:sldChg chg="modSp add mod">
-        <pc:chgData name="Luka Timmermans" userId="4364fd2f-d475-40f9-8f47-058a32a73bfe" providerId="ADAL" clId="{159DA90F-DD34-45EF-96B3-FC6778599D65}" dt="2023-05-17T02:57:47.278" v="600" actId="20577"/>
+      <pc:sldChg chg="addSp delSp modSp add mod">
+        <pc:chgData name="Luka Timmermans" userId="4364fd2f-d475-40f9-8f47-058a32a73bfe" providerId="ADAL" clId="{159DA90F-DD34-45EF-96B3-FC6778599D65}" dt="2023-05-17T23:53:25.829" v="654" actId="1076"/>
         <pc:sldMkLst>
           <pc:docMk/>
           <pc:sldMk cId="163324706" sldId="269"/>
@@ -613,6 +615,132 @@
             <ac:spMk id="78" creationId="{00000000-0000-0000-0000-000000000000}"/>
           </ac:spMkLst>
         </pc:spChg>
+        <pc:graphicFrameChg chg="mod modGraphic">
+          <ac:chgData name="Luka Timmermans" userId="4364fd2f-d475-40f9-8f47-058a32a73bfe" providerId="ADAL" clId="{159DA90F-DD34-45EF-96B3-FC6778599D65}" dt="2023-05-17T23:53:25.829" v="654" actId="1076"/>
+          <ac:graphicFrameMkLst>
+            <pc:docMk/>
+            <pc:sldMk cId="163324706" sldId="269"/>
+            <ac:graphicFrameMk id="79" creationId="{00000000-0000-0000-0000-000000000000}"/>
+          </ac:graphicFrameMkLst>
+        </pc:graphicFrameChg>
+        <pc:picChg chg="add mod">
+          <ac:chgData name="Luka Timmermans" userId="4364fd2f-d475-40f9-8f47-058a32a73bfe" providerId="ADAL" clId="{159DA90F-DD34-45EF-96B3-FC6778599D65}" dt="2023-05-17T23:51:46.248" v="604" actId="1076"/>
+          <ac:picMkLst>
+            <pc:docMk/>
+            <pc:sldMk cId="163324706" sldId="269"/>
+            <ac:picMk id="3" creationId="{4AA0D08E-D18B-1BF7-B757-5626E73C7232}"/>
+          </ac:picMkLst>
+        </pc:picChg>
+        <pc:picChg chg="del">
+          <ac:chgData name="Luka Timmermans" userId="4364fd2f-d475-40f9-8f47-058a32a73bfe" providerId="ADAL" clId="{159DA90F-DD34-45EF-96B3-FC6778599D65}" dt="2023-05-17T23:51:24.647" v="601" actId="478"/>
+          <ac:picMkLst>
+            <pc:docMk/>
+            <pc:sldMk cId="163324706" sldId="269"/>
+            <ac:picMk id="4" creationId="{986BEF04-0424-3DCC-E274-EACB7D2DFC56}"/>
+          </ac:picMkLst>
+        </pc:picChg>
+      </pc:sldChg>
+      <pc:sldChg chg="addSp delSp modSp add mod">
+        <pc:chgData name="Luka Timmermans" userId="4364fd2f-d475-40f9-8f47-058a32a73bfe" providerId="ADAL" clId="{159DA90F-DD34-45EF-96B3-FC6778599D65}" dt="2023-05-18T00:30:22.700" v="872" actId="20577"/>
+        <pc:sldMkLst>
+          <pc:docMk/>
+          <pc:sldMk cId="3876568777" sldId="270"/>
+        </pc:sldMkLst>
+        <pc:spChg chg="mod">
+          <ac:chgData name="Luka Timmermans" userId="4364fd2f-d475-40f9-8f47-058a32a73bfe" providerId="ADAL" clId="{159DA90F-DD34-45EF-96B3-FC6778599D65}" dt="2023-05-18T00:08:47.817" v="662" actId="1076"/>
+          <ac:spMkLst>
+            <pc:docMk/>
+            <pc:sldMk cId="3876568777" sldId="270"/>
+            <ac:spMk id="78" creationId="{00000000-0000-0000-0000-000000000000}"/>
+          </ac:spMkLst>
+        </pc:spChg>
+        <pc:graphicFrameChg chg="mod modGraphic">
+          <ac:chgData name="Luka Timmermans" userId="4364fd2f-d475-40f9-8f47-058a32a73bfe" providerId="ADAL" clId="{159DA90F-DD34-45EF-96B3-FC6778599D65}" dt="2023-05-18T00:30:22.700" v="872" actId="20577"/>
+          <ac:graphicFrameMkLst>
+            <pc:docMk/>
+            <pc:sldMk cId="3876568777" sldId="270"/>
+            <ac:graphicFrameMk id="79" creationId="{00000000-0000-0000-0000-000000000000}"/>
+          </ac:graphicFrameMkLst>
+        </pc:graphicFrameChg>
+        <pc:picChg chg="del">
+          <ac:chgData name="Luka Timmermans" userId="4364fd2f-d475-40f9-8f47-058a32a73bfe" providerId="ADAL" clId="{159DA90F-DD34-45EF-96B3-FC6778599D65}" dt="2023-05-17T23:53:46.940" v="658" actId="478"/>
+          <ac:picMkLst>
+            <pc:docMk/>
+            <pc:sldMk cId="3876568777" sldId="270"/>
+            <ac:picMk id="3" creationId="{4AA0D08E-D18B-1BF7-B757-5626E73C7232}"/>
+          </ac:picMkLst>
+        </pc:picChg>
+        <pc:picChg chg="add mod">
+          <ac:chgData name="Luka Timmermans" userId="4364fd2f-d475-40f9-8f47-058a32a73bfe" providerId="ADAL" clId="{159DA90F-DD34-45EF-96B3-FC6778599D65}" dt="2023-05-18T00:12:18.760" v="782" actId="1076"/>
+          <ac:picMkLst>
+            <pc:docMk/>
+            <pc:sldMk cId="3876568777" sldId="270"/>
+            <ac:picMk id="4" creationId="{0E32B4F4-94B6-F3F2-25A2-8F776D892A72}"/>
+          </ac:picMkLst>
+        </pc:picChg>
+        <pc:picChg chg="add mod">
+          <ac:chgData name="Luka Timmermans" userId="4364fd2f-d475-40f9-8f47-058a32a73bfe" providerId="ADAL" clId="{159DA90F-DD34-45EF-96B3-FC6778599D65}" dt="2023-05-18T00:10:46.529" v="667" actId="1076"/>
+          <ac:picMkLst>
+            <pc:docMk/>
+            <pc:sldMk cId="3876568777" sldId="270"/>
+            <ac:picMk id="6" creationId="{A7E1470B-34F3-786C-0995-802E41782F08}"/>
+          </ac:picMkLst>
+        </pc:picChg>
+      </pc:sldChg>
+      <pc:sldChg chg="addSp delSp modSp add mod">
+        <pc:chgData name="Luka Timmermans" userId="4364fd2f-d475-40f9-8f47-058a32a73bfe" providerId="ADAL" clId="{159DA90F-DD34-45EF-96B3-FC6778599D65}" dt="2023-05-18T00:28:54.877" v="824" actId="255"/>
+        <pc:sldMkLst>
+          <pc:docMk/>
+          <pc:sldMk cId="1854274013" sldId="271"/>
+        </pc:sldMkLst>
+        <pc:spChg chg="mod">
+          <ac:chgData name="Luka Timmermans" userId="4364fd2f-d475-40f9-8f47-058a32a73bfe" providerId="ADAL" clId="{159DA90F-DD34-45EF-96B3-FC6778599D65}" dt="2023-05-18T00:26:43.982" v="794" actId="1076"/>
+          <ac:spMkLst>
+            <pc:docMk/>
+            <pc:sldMk cId="1854274013" sldId="271"/>
+            <ac:spMk id="78" creationId="{00000000-0000-0000-0000-000000000000}"/>
+          </ac:spMkLst>
+        </pc:spChg>
+        <pc:graphicFrameChg chg="modGraphic">
+          <ac:chgData name="Luka Timmermans" userId="4364fd2f-d475-40f9-8f47-058a32a73bfe" providerId="ADAL" clId="{159DA90F-DD34-45EF-96B3-FC6778599D65}" dt="2023-05-18T00:28:54.877" v="824" actId="255"/>
+          <ac:graphicFrameMkLst>
+            <pc:docMk/>
+            <pc:sldMk cId="1854274013" sldId="271"/>
+            <ac:graphicFrameMk id="79" creationId="{00000000-0000-0000-0000-000000000000}"/>
+          </ac:graphicFrameMkLst>
+        </pc:graphicFrameChg>
+        <pc:picChg chg="add mod">
+          <ac:chgData name="Luka Timmermans" userId="4364fd2f-d475-40f9-8f47-058a32a73bfe" providerId="ADAL" clId="{159DA90F-DD34-45EF-96B3-FC6778599D65}" dt="2023-05-18T00:26:45.942" v="795" actId="1076"/>
+          <ac:picMkLst>
+            <pc:docMk/>
+            <pc:sldMk cId="1854274013" sldId="271"/>
+            <ac:picMk id="3" creationId="{3CE5C339-9B58-F922-FAC5-ECC36A8C01EC}"/>
+          </ac:picMkLst>
+        </pc:picChg>
+        <pc:picChg chg="del">
+          <ac:chgData name="Luka Timmermans" userId="4364fd2f-d475-40f9-8f47-058a32a73bfe" providerId="ADAL" clId="{159DA90F-DD34-45EF-96B3-FC6778599D65}" dt="2023-05-18T00:13:14.304" v="787" actId="478"/>
+          <ac:picMkLst>
+            <pc:docMk/>
+            <pc:sldMk cId="1854274013" sldId="271"/>
+            <ac:picMk id="4" creationId="{0E32B4F4-94B6-F3F2-25A2-8F776D892A72}"/>
+          </ac:picMkLst>
+        </pc:picChg>
+        <pc:picChg chg="del">
+          <ac:chgData name="Luka Timmermans" userId="4364fd2f-d475-40f9-8f47-058a32a73bfe" providerId="ADAL" clId="{159DA90F-DD34-45EF-96B3-FC6778599D65}" dt="2023-05-18T00:13:14.640" v="788" actId="478"/>
+          <ac:picMkLst>
+            <pc:docMk/>
+            <pc:sldMk cId="1854274013" sldId="271"/>
+            <ac:picMk id="6" creationId="{A7E1470B-34F3-786C-0995-802E41782F08}"/>
+          </ac:picMkLst>
+        </pc:picChg>
+        <pc:picChg chg="add mod">
+          <ac:chgData name="Luka Timmermans" userId="4364fd2f-d475-40f9-8f47-058a32a73bfe" providerId="ADAL" clId="{159DA90F-DD34-45EF-96B3-FC6778599D65}" dt="2023-05-18T00:28:10.372" v="797" actId="1076"/>
+          <ac:picMkLst>
+            <pc:docMk/>
+            <pc:sldMk cId="1854274013" sldId="271"/>
+            <ac:picMk id="7" creationId="{485BE252-F134-E2C0-E30D-638A99548A2A}"/>
+          </ac:picMkLst>
+        </pc:picChg>
       </pc:sldChg>
     </pc:docChg>
   </pc:docChgLst>
@@ -1317,7 +1445,7 @@
   <p:cSld>
     <p:spTree>
       <p:nvGrpSpPr>
-        <p:cNvPr id="1" name="Shape 69"/>
+        <p:cNvPr id="1" name="Shape 74"/>
         <p:cNvGrpSpPr/>
         <p:nvPr/>
       </p:nvGrpSpPr>
@@ -1331,7 +1459,7 @@
       </p:grpSpPr>
       <p:sp>
         <p:nvSpPr>
-          <p:cNvPr id="70" name="Google Shape;70;gac10fef634_0_16:notes"/>
+          <p:cNvPr id="75" name="Google Shape;75;gac10fef634_0_20:notes"/>
           <p:cNvSpPr>
             <a:spLocks noGrp="1" noRot="1" noChangeAspect="1"/>
           </p:cNvSpPr>
@@ -1372,7 +1500,7 @@
       </p:sp>
       <p:sp>
         <p:nvSpPr>
-          <p:cNvPr id="71" name="Google Shape;71;gac10fef634_0_16:notes"/>
+          <p:cNvPr id="76" name="Google Shape;76;gac10fef634_0_20:notes"/>
           <p:cNvSpPr txBox="1">
             <a:spLocks noGrp="1"/>
           </p:cNvSpPr>
@@ -1411,7 +1539,7 @@
     </p:spTree>
     <p:extLst>
       <p:ext uri="{BB962C8B-B14F-4D97-AF65-F5344CB8AC3E}">
-        <p14:creationId xmlns:p14="http://schemas.microsoft.com/office/powerpoint/2010/main" val="3922725791"/>
+        <p14:creationId xmlns:p14="http://schemas.microsoft.com/office/powerpoint/2010/main" val="706258187"/>
       </p:ext>
     </p:extLst>
   </p:cSld>
@@ -1520,6 +1648,224 @@
     </p:spTree>
     <p:extLst>
       <p:ext uri="{BB962C8B-B14F-4D97-AF65-F5344CB8AC3E}">
+        <p14:creationId xmlns:p14="http://schemas.microsoft.com/office/powerpoint/2010/main" val="3169488269"/>
+      </p:ext>
+    </p:extLst>
+  </p:cSld>
+  <p:clrMapOvr>
+    <a:masterClrMapping/>
+  </p:clrMapOvr>
+</p:notes>
+</file>
+
+<file path=ppt/notesSlides/notesSlide13.xml><?xml version="1.0" encoding="utf-8"?>
+<p:notes xmlns:a="http://schemas.openxmlformats.org/drawingml/2006/main" xmlns:r="http://schemas.openxmlformats.org/officeDocument/2006/relationships" xmlns:p="http://schemas.openxmlformats.org/presentationml/2006/main" showMasterSp="0" showMasterPhAnim="0">
+  <p:cSld>
+    <p:spTree>
+      <p:nvGrpSpPr>
+        <p:cNvPr id="1" name="Shape 69"/>
+        <p:cNvGrpSpPr/>
+        <p:nvPr/>
+      </p:nvGrpSpPr>
+      <p:grpSpPr>
+        <a:xfrm>
+          <a:off x="0" y="0"/>
+          <a:ext cx="0" cy="0"/>
+          <a:chOff x="0" y="0"/>
+          <a:chExt cx="0" cy="0"/>
+        </a:xfrm>
+      </p:grpSpPr>
+      <p:sp>
+        <p:nvSpPr>
+          <p:cNvPr id="70" name="Google Shape;70;gac10fef634_0_16:notes"/>
+          <p:cNvSpPr>
+            <a:spLocks noGrp="1" noRot="1" noChangeAspect="1"/>
+          </p:cNvSpPr>
+          <p:nvPr>
+            <p:ph type="sldImg" idx="2"/>
+          </p:nvPr>
+        </p:nvSpPr>
+        <p:spPr>
+          <a:xfrm>
+            <a:off x="381000" y="685800"/>
+            <a:ext cx="6096000" cy="3429000"/>
+          </a:xfrm>
+          <a:custGeom>
+            <a:avLst/>
+            <a:gdLst/>
+            <a:ahLst/>
+            <a:cxnLst/>
+            <a:rect l="l" t="t" r="r" b="b"/>
+            <a:pathLst>
+              <a:path w="120000" h="120000" extrusionOk="0">
+                <a:moveTo>
+                  <a:pt x="0" y="0"/>
+                </a:moveTo>
+                <a:lnTo>
+                  <a:pt x="120000" y="0"/>
+                </a:lnTo>
+                <a:lnTo>
+                  <a:pt x="120000" y="120000"/>
+                </a:lnTo>
+                <a:lnTo>
+                  <a:pt x="0" y="120000"/>
+                </a:lnTo>
+                <a:close/>
+              </a:path>
+            </a:pathLst>
+          </a:custGeom>
+        </p:spPr>
+      </p:sp>
+      <p:sp>
+        <p:nvSpPr>
+          <p:cNvPr id="71" name="Google Shape;71;gac10fef634_0_16:notes"/>
+          <p:cNvSpPr txBox="1">
+            <a:spLocks noGrp="1"/>
+          </p:cNvSpPr>
+          <p:nvPr>
+            <p:ph type="body" idx="1"/>
+          </p:nvPr>
+        </p:nvSpPr>
+        <p:spPr>
+          <a:xfrm>
+            <a:off x="685800" y="4343400"/>
+            <a:ext cx="5486400" cy="4114800"/>
+          </a:xfrm>
+          <a:prstGeom prst="rect">
+            <a:avLst/>
+          </a:prstGeom>
+        </p:spPr>
+        <p:txBody>
+          <a:bodyPr spcFirstLastPara="1" wrap="square" lIns="91425" tIns="91425" rIns="91425" bIns="91425" anchor="t" anchorCtr="0">
+            <a:noAutofit/>
+          </a:bodyPr>
+          <a:lstStyle/>
+          <a:p>
+            <a:pPr marL="0" lvl="0" indent="0" algn="l" rtl="0">
+              <a:spcBef>
+                <a:spcPts val="0"/>
+              </a:spcBef>
+              <a:spcAft>
+                <a:spcPts val="0"/>
+              </a:spcAft>
+              <a:buNone/>
+            </a:pPr>
+            <a:endParaRPr/>
+          </a:p>
+        </p:txBody>
+      </p:sp>
+    </p:spTree>
+    <p:extLst>
+      <p:ext uri="{BB962C8B-B14F-4D97-AF65-F5344CB8AC3E}">
+        <p14:creationId xmlns:p14="http://schemas.microsoft.com/office/powerpoint/2010/main" val="3922725791"/>
+      </p:ext>
+    </p:extLst>
+  </p:cSld>
+  <p:clrMapOvr>
+    <a:masterClrMapping/>
+  </p:clrMapOvr>
+</p:notes>
+</file>
+
+<file path=ppt/notesSlides/notesSlide14.xml><?xml version="1.0" encoding="utf-8"?>
+<p:notes xmlns:a="http://schemas.openxmlformats.org/drawingml/2006/main" xmlns:r="http://schemas.openxmlformats.org/officeDocument/2006/relationships" xmlns:p="http://schemas.openxmlformats.org/presentationml/2006/main" showMasterSp="0" showMasterPhAnim="0">
+  <p:cSld>
+    <p:spTree>
+      <p:nvGrpSpPr>
+        <p:cNvPr id="1" name="Shape 74"/>
+        <p:cNvGrpSpPr/>
+        <p:nvPr/>
+      </p:nvGrpSpPr>
+      <p:grpSpPr>
+        <a:xfrm>
+          <a:off x="0" y="0"/>
+          <a:ext cx="0" cy="0"/>
+          <a:chOff x="0" y="0"/>
+          <a:chExt cx="0" cy="0"/>
+        </a:xfrm>
+      </p:grpSpPr>
+      <p:sp>
+        <p:nvSpPr>
+          <p:cNvPr id="75" name="Google Shape;75;gac10fef634_0_20:notes"/>
+          <p:cNvSpPr>
+            <a:spLocks noGrp="1" noRot="1" noChangeAspect="1"/>
+          </p:cNvSpPr>
+          <p:nvPr>
+            <p:ph type="sldImg" idx="2"/>
+          </p:nvPr>
+        </p:nvSpPr>
+        <p:spPr>
+          <a:xfrm>
+            <a:off x="381000" y="685800"/>
+            <a:ext cx="6096000" cy="3429000"/>
+          </a:xfrm>
+          <a:custGeom>
+            <a:avLst/>
+            <a:gdLst/>
+            <a:ahLst/>
+            <a:cxnLst/>
+            <a:rect l="l" t="t" r="r" b="b"/>
+            <a:pathLst>
+              <a:path w="120000" h="120000" extrusionOk="0">
+                <a:moveTo>
+                  <a:pt x="0" y="0"/>
+                </a:moveTo>
+                <a:lnTo>
+                  <a:pt x="120000" y="0"/>
+                </a:lnTo>
+                <a:lnTo>
+                  <a:pt x="120000" y="120000"/>
+                </a:lnTo>
+                <a:lnTo>
+                  <a:pt x="0" y="120000"/>
+                </a:lnTo>
+                <a:close/>
+              </a:path>
+            </a:pathLst>
+          </a:custGeom>
+        </p:spPr>
+      </p:sp>
+      <p:sp>
+        <p:nvSpPr>
+          <p:cNvPr id="76" name="Google Shape;76;gac10fef634_0_20:notes"/>
+          <p:cNvSpPr txBox="1">
+            <a:spLocks noGrp="1"/>
+          </p:cNvSpPr>
+          <p:nvPr>
+            <p:ph type="body" idx="1"/>
+          </p:nvPr>
+        </p:nvSpPr>
+        <p:spPr>
+          <a:xfrm>
+            <a:off x="685800" y="4343400"/>
+            <a:ext cx="5486400" cy="4114800"/>
+          </a:xfrm>
+          <a:prstGeom prst="rect">
+            <a:avLst/>
+          </a:prstGeom>
+        </p:spPr>
+        <p:txBody>
+          <a:bodyPr spcFirstLastPara="1" wrap="square" lIns="91425" tIns="91425" rIns="91425" bIns="91425" anchor="t" anchorCtr="0">
+            <a:noAutofit/>
+          </a:bodyPr>
+          <a:lstStyle/>
+          <a:p>
+            <a:pPr marL="0" lvl="0" indent="0" algn="l" rtl="0">
+              <a:spcBef>
+                <a:spcPts val="0"/>
+              </a:spcBef>
+              <a:spcAft>
+                <a:spcPts val="0"/>
+              </a:spcAft>
+              <a:buNone/>
+            </a:pPr>
+            <a:endParaRPr/>
+          </a:p>
+        </p:txBody>
+      </p:sp>
+    </p:spTree>
+    <p:extLst>
+      <p:ext uri="{BB962C8B-B14F-4D97-AF65-F5344CB8AC3E}">
         <p14:creationId xmlns:p14="http://schemas.microsoft.com/office/powerpoint/2010/main" val="3784718878"/>
       </p:ext>
     </p:extLst>
@@ -1530,7 +1876,7 @@
 </p:notes>
 </file>
 
-<file path=ppt/notesSlides/notesSlide13.xml><?xml version="1.0" encoding="utf-8"?>
+<file path=ppt/notesSlides/notesSlide15.xml><?xml version="1.0" encoding="utf-8"?>
 <p:notes xmlns:a="http://schemas.openxmlformats.org/drawingml/2006/main" xmlns:r="http://schemas.openxmlformats.org/officeDocument/2006/relationships" xmlns:p="http://schemas.openxmlformats.org/presentationml/2006/main" showMasterSp="0" showMasterPhAnim="0">
   <p:cSld>
     <p:spTree>
@@ -1655,7 +2001,7 @@
 </p:notes>
 </file>
 
-<file path=ppt/notesSlides/notesSlide14.xml><?xml version="1.0" encoding="utf-8"?>
+<file path=ppt/notesSlides/notesSlide16.xml><?xml version="1.0" encoding="utf-8"?>
 <p:notes xmlns:a="http://schemas.openxmlformats.org/drawingml/2006/main" xmlns:r="http://schemas.openxmlformats.org/officeDocument/2006/relationships" xmlns:p="http://schemas.openxmlformats.org/presentationml/2006/main" showMasterSp="0" showMasterPhAnim="0">
   <p:cSld>
     <p:spTree>
@@ -7763,11 +8109,17 @@
         <p:nvGraphicFramePr>
           <p:cNvPr id="79" name="Google Shape;79;p17"/>
           <p:cNvGraphicFramePr/>
-          <p:nvPr/>
+          <p:nvPr>
+            <p:extLst>
+              <p:ext uri="{D42A27DB-BD31-4B8C-83A1-F6EECF244321}">
+                <p14:modId xmlns:p14="http://schemas.microsoft.com/office/powerpoint/2010/main" val="520714341"/>
+              </p:ext>
+            </p:extLst>
+          </p:nvPr>
         </p:nvGraphicFramePr>
         <p:xfrm>
-          <a:off x="311700" y="3577431"/>
-          <a:ext cx="8520600" cy="1462980"/>
+          <a:off x="311700" y="3413996"/>
+          <a:ext cx="8520600" cy="1737300"/>
         </p:xfrm>
         <a:graphic>
           <a:graphicData uri="http://schemas.openxmlformats.org/drawingml/2006/table">
@@ -7893,7 +8245,7 @@
                       </a:pPr>
                       <a:r>
                         <a:rPr lang="en-NZ" sz="1800" dirty="0"/>
-                        <a:t>Enter p program prints pickup </a:t>
+                        <a:t>Enter 1 program prints pickup </a:t>
                       </a:r>
                     </a:p>
                     <a:p>
@@ -7908,7 +8260,7 @@
                       </a:pPr>
                       <a:r>
                         <a:rPr lang="en-NZ" sz="1800" dirty="0"/>
-                        <a:t>Enter d program prints delivery</a:t>
+                        <a:t>Enter 2 program prints delivery</a:t>
                       </a:r>
                     </a:p>
                     <a:p>
@@ -7923,7 +8275,7 @@
                       </a:pPr>
                       <a:r>
                         <a:rPr lang="en-NZ" sz="1800" dirty="0"/>
-                        <a:t>Enter invalid prints error message</a:t>
+                        <a:t>Enter invalid program displays value error.</a:t>
                       </a:r>
                       <a:endParaRPr sz="1800" dirty="0"/>
                     </a:p>
@@ -7942,10 +8294,10 @@
       </p:graphicFrame>
       <p:pic>
         <p:nvPicPr>
-          <p:cNvPr id="4" name="Picture 3">
+          <p:cNvPr id="3" name="Picture 2">
             <a:extLst>
               <a:ext uri="{FF2B5EF4-FFF2-40B4-BE49-F238E27FC236}">
-                <a16:creationId xmlns:a16="http://schemas.microsoft.com/office/drawing/2014/main" id="{986BEF04-0424-3DCC-E274-EACB7D2DFC56}"/>
+                <a16:creationId xmlns:a16="http://schemas.microsoft.com/office/drawing/2014/main" id="{4AA0D08E-D18B-1BF7-B757-5626E73C7232}"/>
               </a:ext>
             </a:extLst>
           </p:cNvPr>
@@ -7962,8 +8314,8 @@
         </p:blipFill>
         <p:spPr>
           <a:xfrm>
-            <a:off x="311700" y="1376549"/>
-            <a:ext cx="1876087" cy="2158227"/>
+            <a:off x="311700" y="1386009"/>
+            <a:ext cx="3224271" cy="2027987"/>
           </a:xfrm>
           <a:prstGeom prst="rect">
             <a:avLst/>
@@ -7984,6 +8336,678 @@
 </file>
 
 <file path=ppt/slides/slide11.xml><?xml version="1.0" encoding="utf-8"?>
+<p:sld xmlns:a="http://schemas.openxmlformats.org/drawingml/2006/main" xmlns:r="http://schemas.openxmlformats.org/officeDocument/2006/relationships" xmlns:p="http://schemas.openxmlformats.org/presentationml/2006/main">
+  <p:cSld>
+    <p:spTree>
+      <p:nvGrpSpPr>
+        <p:cNvPr id="1" name="Shape 77"/>
+        <p:cNvGrpSpPr/>
+        <p:nvPr/>
+      </p:nvGrpSpPr>
+      <p:grpSpPr>
+        <a:xfrm>
+          <a:off x="0" y="0"/>
+          <a:ext cx="0" cy="0"/>
+          <a:chOff x="0" y="0"/>
+          <a:chExt cx="0" cy="0"/>
+        </a:xfrm>
+      </p:grpSpPr>
+      <p:sp>
+        <p:nvSpPr>
+          <p:cNvPr id="78" name="Google Shape;78;p17"/>
+          <p:cNvSpPr txBox="1">
+            <a:spLocks noGrp="1"/>
+          </p:cNvSpPr>
+          <p:nvPr>
+            <p:ph type="title"/>
+          </p:nvPr>
+        </p:nvSpPr>
+        <p:spPr>
+          <a:xfrm>
+            <a:off x="311700" y="167318"/>
+            <a:ext cx="8520600" cy="572700"/>
+          </a:xfrm>
+          <a:prstGeom prst="rect">
+            <a:avLst/>
+          </a:prstGeom>
+        </p:spPr>
+        <p:txBody>
+          <a:bodyPr spcFirstLastPara="1" wrap="square" lIns="91425" tIns="91425" rIns="91425" bIns="91425" anchor="t" anchorCtr="0">
+            <a:noAutofit/>
+          </a:bodyPr>
+          <a:lstStyle/>
+          <a:p>
+            <a:pPr marL="0" lvl="0" indent="0" algn="l" rtl="0">
+              <a:spcBef>
+                <a:spcPts val="0"/>
+              </a:spcBef>
+              <a:spcAft>
+                <a:spcPts val="0"/>
+              </a:spcAft>
+              <a:buNone/>
+            </a:pPr>
+            <a:r>
+              <a:rPr lang="en" dirty="0"/>
+              <a:t>Component 2 version 4 - Test Plan (?and screenshot)</a:t>
+            </a:r>
+            <a:endParaRPr dirty="0"/>
+          </a:p>
+        </p:txBody>
+      </p:sp>
+      <p:graphicFrame>
+        <p:nvGraphicFramePr>
+          <p:cNvPr id="79" name="Google Shape;79;p17"/>
+          <p:cNvGraphicFramePr/>
+          <p:nvPr>
+            <p:extLst>
+              <p:ext uri="{D42A27DB-BD31-4B8C-83A1-F6EECF244321}">
+                <p14:modId xmlns:p14="http://schemas.microsoft.com/office/powerpoint/2010/main" val="2790148243"/>
+              </p:ext>
+            </p:extLst>
+          </p:nvPr>
+        </p:nvGraphicFramePr>
+        <p:xfrm>
+          <a:off x="311700" y="3201728"/>
+          <a:ext cx="8520600" cy="1554420"/>
+        </p:xfrm>
+        <a:graphic>
+          <a:graphicData uri="http://schemas.openxmlformats.org/drawingml/2006/table">
+            <a:tbl>
+              <a:tblPr>
+                <a:noFill/>
+                <a:tableStyleId>{E1099E06-0E6B-448D-9D27-60429F06E6F4}</a:tableStyleId>
+              </a:tblPr>
+              <a:tblGrid>
+                <a:gridCol w="4260300">
+                  <a:extLst>
+                    <a:ext uri="{9D8B030D-6E8A-4147-A177-3AD203B41FA5}">
+                      <a16:colId xmlns:a16="http://schemas.microsoft.com/office/drawing/2014/main" val="20000"/>
+                    </a:ext>
+                  </a:extLst>
+                </a:gridCol>
+                <a:gridCol w="4260300">
+                  <a:extLst>
+                    <a:ext uri="{9D8B030D-6E8A-4147-A177-3AD203B41FA5}">
+                      <a16:colId xmlns:a16="http://schemas.microsoft.com/office/drawing/2014/main" val="20001"/>
+                    </a:ext>
+                  </a:extLst>
+                </a:gridCol>
+              </a:tblGrid>
+              <a:tr h="381000">
+                <a:tc>
+                  <a:txBody>
+                    <a:bodyPr/>
+                    <a:lstStyle/>
+                    <a:p>
+                      <a:pPr marL="0" lvl="0" indent="0" algn="l" rtl="0">
+                        <a:spcBef>
+                          <a:spcPts val="0"/>
+                        </a:spcBef>
+                        <a:spcAft>
+                          <a:spcPts val="0"/>
+                        </a:spcAft>
+                        <a:buNone/>
+                      </a:pPr>
+                      <a:r>
+                        <a:rPr lang="en" sz="1800" b="1" dirty="0"/>
+                        <a:t>Test Case</a:t>
+                      </a:r>
+                      <a:endParaRPr sz="1800" b="1" dirty="0"/>
+                    </a:p>
+                  </a:txBody>
+                  <a:tcPr marL="91425" marR="91425" marT="91425" marB="91425">
+                    <a:solidFill>
+                      <a:srgbClr val="CCCCCC"/>
+                    </a:solidFill>
+                  </a:tcPr>
+                </a:tc>
+                <a:tc>
+                  <a:txBody>
+                    <a:bodyPr/>
+                    <a:lstStyle/>
+                    <a:p>
+                      <a:pPr marL="0" lvl="0" indent="0" algn="l" rtl="0">
+                        <a:spcBef>
+                          <a:spcPts val="0"/>
+                        </a:spcBef>
+                        <a:spcAft>
+                          <a:spcPts val="0"/>
+                        </a:spcAft>
+                        <a:buNone/>
+                      </a:pPr>
+                      <a:r>
+                        <a:rPr lang="en" sz="1800" b="1"/>
+                        <a:t>Expected Values</a:t>
+                      </a:r>
+                      <a:endParaRPr sz="1800" b="1"/>
+                    </a:p>
+                  </a:txBody>
+                  <a:tcPr marL="91425" marR="91425" marT="91425" marB="91425">
+                    <a:solidFill>
+                      <a:srgbClr val="CCCCCC"/>
+                    </a:solidFill>
+                  </a:tcPr>
+                </a:tc>
+                <a:extLst>
+                  <a:ext uri="{0D108BD9-81ED-4DB2-BD59-A6C34878D82A}">
+                    <a16:rowId xmlns:a16="http://schemas.microsoft.com/office/drawing/2014/main" val="10000"/>
+                  </a:ext>
+                </a:extLst>
+              </a:tr>
+              <a:tr h="286382">
+                <a:tc>
+                  <a:txBody>
+                    <a:bodyPr/>
+                    <a:lstStyle/>
+                    <a:p>
+                      <a:pPr marL="0" lvl="0" indent="0" algn="l" rtl="0">
+                        <a:spcBef>
+                          <a:spcPts val="0"/>
+                        </a:spcBef>
+                        <a:spcAft>
+                          <a:spcPts val="0"/>
+                        </a:spcAft>
+                        <a:buNone/>
+                      </a:pPr>
+                      <a:r>
+                        <a:rPr lang="en-NZ" sz="1800" dirty="0"/>
+                        <a:t>Run program </a:t>
+                      </a:r>
+                      <a:endParaRPr sz="1800" dirty="0"/>
+                    </a:p>
+                  </a:txBody>
+                  <a:tcPr marL="91425" marR="91425" marT="91425" marB="91425"/>
+                </a:tc>
+                <a:tc>
+                  <a:txBody>
+                    <a:bodyPr/>
+                    <a:lstStyle/>
+                    <a:p>
+                      <a:pPr marL="0" lvl="0" indent="0" algn="l" rtl="0">
+                        <a:spcBef>
+                          <a:spcPts val="0"/>
+                        </a:spcBef>
+                        <a:spcAft>
+                          <a:spcPts val="0"/>
+                        </a:spcAft>
+                        <a:buNone/>
+                      </a:pPr>
+                      <a:r>
+                        <a:rPr lang="en-NZ" sz="1200" dirty="0"/>
+                        <a:t>Enter 1 program prints pickup </a:t>
+                      </a:r>
+                    </a:p>
+                    <a:p>
+                      <a:pPr marL="0" lvl="0" indent="0" algn="l" rtl="0">
+                        <a:spcBef>
+                          <a:spcPts val="0"/>
+                        </a:spcBef>
+                        <a:spcAft>
+                          <a:spcPts val="0"/>
+                        </a:spcAft>
+                        <a:buNone/>
+                      </a:pPr>
+                      <a:r>
+                        <a:rPr lang="en-NZ" sz="1200" dirty="0"/>
+                        <a:t>Enter 2 program prints delivery</a:t>
+                      </a:r>
+                    </a:p>
+                    <a:p>
+                      <a:pPr marL="0" lvl="0" indent="0" algn="l" rtl="0">
+                        <a:spcBef>
+                          <a:spcPts val="0"/>
+                        </a:spcBef>
+                        <a:spcAft>
+                          <a:spcPts val="0"/>
+                        </a:spcAft>
+                        <a:buNone/>
+                      </a:pPr>
+                      <a:r>
+                        <a:rPr lang="en-NZ" sz="1200" dirty="0"/>
+                        <a:t>Enter invalid entry  - prints error message</a:t>
+                      </a:r>
+                    </a:p>
+                    <a:p>
+                      <a:pPr marL="0" lvl="0" indent="0" algn="l" rtl="0">
+                        <a:spcBef>
+                          <a:spcPts val="0"/>
+                        </a:spcBef>
+                        <a:spcAft>
+                          <a:spcPts val="0"/>
+                        </a:spcAft>
+                        <a:buNone/>
+                      </a:pPr>
+                      <a:r>
+                        <a:rPr lang="en-NZ" sz="1200" dirty="0"/>
+                        <a:t>Enter number other than 1 or 2 does not work – error message asks </a:t>
+                      </a:r>
+                      <a:r>
+                        <a:rPr lang="en-NZ" sz="1200"/>
+                        <a:t>for entry again</a:t>
+                      </a:r>
+                      <a:endParaRPr sz="1200" dirty="0"/>
+                    </a:p>
+                  </a:txBody>
+                  <a:tcPr marL="91425" marR="91425" marT="91425" marB="91425"/>
+                </a:tc>
+                <a:extLst>
+                  <a:ext uri="{0D108BD9-81ED-4DB2-BD59-A6C34878D82A}">
+                    <a16:rowId xmlns:a16="http://schemas.microsoft.com/office/drawing/2014/main" val="10001"/>
+                  </a:ext>
+                </a:extLst>
+              </a:tr>
+            </a:tbl>
+          </a:graphicData>
+        </a:graphic>
+      </p:graphicFrame>
+      <p:pic>
+        <p:nvPicPr>
+          <p:cNvPr id="4" name="Picture 3">
+            <a:extLst>
+              <a:ext uri="{FF2B5EF4-FFF2-40B4-BE49-F238E27FC236}">
+                <a16:creationId xmlns:a16="http://schemas.microsoft.com/office/drawing/2014/main" id="{0E32B4F4-94B6-F3F2-25A2-8F776D892A72}"/>
+              </a:ext>
+            </a:extLst>
+          </p:cNvPr>
+          <p:cNvPicPr>
+            <a:picLocks noChangeAspect="1"/>
+          </p:cNvPicPr>
+          <p:nvPr/>
+        </p:nvPicPr>
+        <p:blipFill>
+          <a:blip r:embed="rId3"/>
+          <a:stretch>
+            <a:fillRect/>
+          </a:stretch>
+        </p:blipFill>
+        <p:spPr>
+          <a:xfrm>
+            <a:off x="311700" y="1056641"/>
+            <a:ext cx="2466828" cy="2252694"/>
+          </a:xfrm>
+          <a:prstGeom prst="rect">
+            <a:avLst/>
+          </a:prstGeom>
+        </p:spPr>
+      </p:pic>
+      <p:pic>
+        <p:nvPicPr>
+          <p:cNvPr id="6" name="Picture 5">
+            <a:extLst>
+              <a:ext uri="{FF2B5EF4-FFF2-40B4-BE49-F238E27FC236}">
+                <a16:creationId xmlns:a16="http://schemas.microsoft.com/office/drawing/2014/main" id="{A7E1470B-34F3-786C-0995-802E41782F08}"/>
+              </a:ext>
+            </a:extLst>
+          </p:cNvPr>
+          <p:cNvPicPr>
+            <a:picLocks noChangeAspect="1"/>
+          </p:cNvPicPr>
+          <p:nvPr/>
+        </p:nvPicPr>
+        <p:blipFill>
+          <a:blip r:embed="rId4"/>
+          <a:stretch>
+            <a:fillRect/>
+          </a:stretch>
+        </p:blipFill>
+        <p:spPr>
+          <a:xfrm>
+            <a:off x="2967213" y="1164247"/>
+            <a:ext cx="4801800" cy="2091667"/>
+          </a:xfrm>
+          <a:prstGeom prst="rect">
+            <a:avLst/>
+          </a:prstGeom>
+        </p:spPr>
+      </p:pic>
+    </p:spTree>
+    <p:extLst>
+      <p:ext uri="{BB962C8B-B14F-4D97-AF65-F5344CB8AC3E}">
+        <p14:creationId xmlns:p14="http://schemas.microsoft.com/office/powerpoint/2010/main" val="3876568777"/>
+      </p:ext>
+    </p:extLst>
+  </p:cSld>
+  <p:clrMapOvr>
+    <a:masterClrMapping/>
+  </p:clrMapOvr>
+</p:sld>
+</file>
+
+<file path=ppt/slides/slide12.xml><?xml version="1.0" encoding="utf-8"?>
+<p:sld xmlns:a="http://schemas.openxmlformats.org/drawingml/2006/main" xmlns:r="http://schemas.openxmlformats.org/officeDocument/2006/relationships" xmlns:p="http://schemas.openxmlformats.org/presentationml/2006/main">
+  <p:cSld>
+    <p:spTree>
+      <p:nvGrpSpPr>
+        <p:cNvPr id="1" name="Shape 77"/>
+        <p:cNvGrpSpPr/>
+        <p:nvPr/>
+      </p:nvGrpSpPr>
+      <p:grpSpPr>
+        <a:xfrm>
+          <a:off x="0" y="0"/>
+          <a:ext cx="0" cy="0"/>
+          <a:chOff x="0" y="0"/>
+          <a:chExt cx="0" cy="0"/>
+        </a:xfrm>
+      </p:grpSpPr>
+      <p:sp>
+        <p:nvSpPr>
+          <p:cNvPr id="78" name="Google Shape;78;p17"/>
+          <p:cNvSpPr txBox="1">
+            <a:spLocks noGrp="1"/>
+          </p:cNvSpPr>
+          <p:nvPr>
+            <p:ph type="title"/>
+          </p:nvPr>
+        </p:nvSpPr>
+        <p:spPr>
+          <a:xfrm>
+            <a:off x="311700" y="0"/>
+            <a:ext cx="8520600" cy="572700"/>
+          </a:xfrm>
+          <a:prstGeom prst="rect">
+            <a:avLst/>
+          </a:prstGeom>
+        </p:spPr>
+        <p:txBody>
+          <a:bodyPr spcFirstLastPara="1" wrap="square" lIns="91425" tIns="91425" rIns="91425" bIns="91425" anchor="t" anchorCtr="0">
+            <a:noAutofit/>
+          </a:bodyPr>
+          <a:lstStyle/>
+          <a:p>
+            <a:pPr marL="0" lvl="0" indent="0" algn="l" rtl="0">
+              <a:spcBef>
+                <a:spcPts val="0"/>
+              </a:spcBef>
+              <a:spcAft>
+                <a:spcPts val="0"/>
+              </a:spcAft>
+              <a:buNone/>
+            </a:pPr>
+            <a:r>
+              <a:rPr lang="en" dirty="0"/>
+              <a:t>Component 2 version 5 - Test Plan (?and screenshot)</a:t>
+            </a:r>
+            <a:endParaRPr dirty="0"/>
+          </a:p>
+        </p:txBody>
+      </p:sp>
+      <p:graphicFrame>
+        <p:nvGraphicFramePr>
+          <p:cNvPr id="79" name="Google Shape;79;p17"/>
+          <p:cNvGraphicFramePr/>
+          <p:nvPr>
+            <p:extLst>
+              <p:ext uri="{D42A27DB-BD31-4B8C-83A1-F6EECF244321}">
+                <p14:modId xmlns:p14="http://schemas.microsoft.com/office/powerpoint/2010/main" val="471537054"/>
+              </p:ext>
+            </p:extLst>
+          </p:nvPr>
+        </p:nvGraphicFramePr>
+        <p:xfrm>
+          <a:off x="311700" y="3201728"/>
+          <a:ext cx="8520600" cy="1706820"/>
+        </p:xfrm>
+        <a:graphic>
+          <a:graphicData uri="http://schemas.openxmlformats.org/drawingml/2006/table">
+            <a:tbl>
+              <a:tblPr>
+                <a:noFill/>
+                <a:tableStyleId>{E1099E06-0E6B-448D-9D27-60429F06E6F4}</a:tableStyleId>
+              </a:tblPr>
+              <a:tblGrid>
+                <a:gridCol w="4260300">
+                  <a:extLst>
+                    <a:ext uri="{9D8B030D-6E8A-4147-A177-3AD203B41FA5}">
+                      <a16:colId xmlns:a16="http://schemas.microsoft.com/office/drawing/2014/main" val="20000"/>
+                    </a:ext>
+                  </a:extLst>
+                </a:gridCol>
+                <a:gridCol w="4260300">
+                  <a:extLst>
+                    <a:ext uri="{9D8B030D-6E8A-4147-A177-3AD203B41FA5}">
+                      <a16:colId xmlns:a16="http://schemas.microsoft.com/office/drawing/2014/main" val="20001"/>
+                    </a:ext>
+                  </a:extLst>
+                </a:gridCol>
+              </a:tblGrid>
+              <a:tr h="381000">
+                <a:tc>
+                  <a:txBody>
+                    <a:bodyPr/>
+                    <a:lstStyle/>
+                    <a:p>
+                      <a:pPr marL="0" lvl="0" indent="0" algn="l" rtl="0">
+                        <a:spcBef>
+                          <a:spcPts val="0"/>
+                        </a:spcBef>
+                        <a:spcAft>
+                          <a:spcPts val="0"/>
+                        </a:spcAft>
+                        <a:buNone/>
+                      </a:pPr>
+                      <a:r>
+                        <a:rPr lang="en" sz="1800" b="1" dirty="0"/>
+                        <a:t>Test Case</a:t>
+                      </a:r>
+                      <a:endParaRPr sz="1800" b="1" dirty="0"/>
+                    </a:p>
+                  </a:txBody>
+                  <a:tcPr marL="91425" marR="91425" marT="91425" marB="91425">
+                    <a:solidFill>
+                      <a:srgbClr val="CCCCCC"/>
+                    </a:solidFill>
+                  </a:tcPr>
+                </a:tc>
+                <a:tc>
+                  <a:txBody>
+                    <a:bodyPr/>
+                    <a:lstStyle/>
+                    <a:p>
+                      <a:pPr marL="0" lvl="0" indent="0" algn="l" rtl="0">
+                        <a:spcBef>
+                          <a:spcPts val="0"/>
+                        </a:spcBef>
+                        <a:spcAft>
+                          <a:spcPts val="0"/>
+                        </a:spcAft>
+                        <a:buNone/>
+                      </a:pPr>
+                      <a:r>
+                        <a:rPr lang="en" sz="1800" b="1"/>
+                        <a:t>Expected Values</a:t>
+                      </a:r>
+                      <a:endParaRPr sz="1800" b="1"/>
+                    </a:p>
+                  </a:txBody>
+                  <a:tcPr marL="91425" marR="91425" marT="91425" marB="91425">
+                    <a:solidFill>
+                      <a:srgbClr val="CCCCCC"/>
+                    </a:solidFill>
+                  </a:tcPr>
+                </a:tc>
+                <a:extLst>
+                  <a:ext uri="{0D108BD9-81ED-4DB2-BD59-A6C34878D82A}">
+                    <a16:rowId xmlns:a16="http://schemas.microsoft.com/office/drawing/2014/main" val="10000"/>
+                  </a:ext>
+                </a:extLst>
+              </a:tr>
+              <a:tr h="286382">
+                <a:tc>
+                  <a:txBody>
+                    <a:bodyPr/>
+                    <a:lstStyle/>
+                    <a:p>
+                      <a:pPr marL="0" lvl="0" indent="0" algn="l" rtl="0">
+                        <a:spcBef>
+                          <a:spcPts val="0"/>
+                        </a:spcBef>
+                        <a:spcAft>
+                          <a:spcPts val="0"/>
+                        </a:spcAft>
+                        <a:buNone/>
+                      </a:pPr>
+                      <a:r>
+                        <a:rPr lang="en-NZ" sz="1800" dirty="0"/>
+                        <a:t>Run program </a:t>
+                      </a:r>
+                      <a:endParaRPr sz="1800" dirty="0"/>
+                    </a:p>
+                  </a:txBody>
+                  <a:tcPr marL="91425" marR="91425" marT="91425" marB="91425"/>
+                </a:tc>
+                <a:tc>
+                  <a:txBody>
+                    <a:bodyPr/>
+                    <a:lstStyle/>
+                    <a:p>
+                      <a:pPr marL="0" lvl="0" indent="0" algn="l" rtl="0">
+                        <a:spcBef>
+                          <a:spcPts val="0"/>
+                        </a:spcBef>
+                        <a:spcAft>
+                          <a:spcPts val="0"/>
+                        </a:spcAft>
+                        <a:buNone/>
+                      </a:pPr>
+                      <a:r>
+                        <a:rPr lang="en-NZ" sz="1400" dirty="0"/>
+                        <a:t>Enter 1 program prints pickup </a:t>
+                      </a:r>
+                    </a:p>
+                    <a:p>
+                      <a:pPr marL="0" lvl="0" indent="0" algn="l" rtl="0">
+                        <a:spcBef>
+                          <a:spcPts val="0"/>
+                        </a:spcBef>
+                        <a:spcAft>
+                          <a:spcPts val="0"/>
+                        </a:spcAft>
+                        <a:buNone/>
+                      </a:pPr>
+                      <a:r>
+                        <a:rPr lang="en-NZ" sz="1400" dirty="0"/>
+                        <a:t>Enter 2 program prints delivery</a:t>
+                      </a:r>
+                    </a:p>
+                    <a:p>
+                      <a:pPr marL="0" lvl="0" indent="0" algn="l" rtl="0">
+                        <a:spcBef>
+                          <a:spcPts val="0"/>
+                        </a:spcBef>
+                        <a:spcAft>
+                          <a:spcPts val="0"/>
+                        </a:spcAft>
+                        <a:buNone/>
+                      </a:pPr>
+                      <a:r>
+                        <a:rPr lang="en-NZ" sz="1400" dirty="0"/>
+                        <a:t>Enter invalid prints error message then asks for input again</a:t>
+                      </a:r>
+                    </a:p>
+                    <a:p>
+                      <a:pPr marL="0" lvl="0" indent="0" algn="l" rtl="0">
+                        <a:spcBef>
+                          <a:spcPts val="0"/>
+                        </a:spcBef>
+                        <a:spcAft>
+                          <a:spcPts val="0"/>
+                        </a:spcAft>
+                        <a:buNone/>
+                      </a:pPr>
+                      <a:r>
+                        <a:rPr lang="en-NZ" sz="1400" dirty="0"/>
+                        <a:t>Enter number other than 1 or 2 does not work</a:t>
+                      </a:r>
+                      <a:endParaRPr sz="1400" dirty="0"/>
+                    </a:p>
+                  </a:txBody>
+                  <a:tcPr marL="91425" marR="91425" marT="91425" marB="91425"/>
+                </a:tc>
+                <a:extLst>
+                  <a:ext uri="{0D108BD9-81ED-4DB2-BD59-A6C34878D82A}">
+                    <a16:rowId xmlns:a16="http://schemas.microsoft.com/office/drawing/2014/main" val="10001"/>
+                  </a:ext>
+                </a:extLst>
+              </a:tr>
+            </a:tbl>
+          </a:graphicData>
+        </a:graphic>
+      </p:graphicFrame>
+      <p:pic>
+        <p:nvPicPr>
+          <p:cNvPr id="3" name="Picture 2">
+            <a:extLst>
+              <a:ext uri="{FF2B5EF4-FFF2-40B4-BE49-F238E27FC236}">
+                <a16:creationId xmlns:a16="http://schemas.microsoft.com/office/drawing/2014/main" id="{3CE5C339-9B58-F922-FAC5-ECC36A8C01EC}"/>
+              </a:ext>
+            </a:extLst>
+          </p:cNvPr>
+          <p:cNvPicPr>
+            <a:picLocks noChangeAspect="1"/>
+          </p:cNvPicPr>
+          <p:nvPr/>
+        </p:nvPicPr>
+        <p:blipFill>
+          <a:blip r:embed="rId3"/>
+          <a:stretch>
+            <a:fillRect/>
+          </a:stretch>
+        </p:blipFill>
+        <p:spPr>
+          <a:xfrm>
+            <a:off x="311700" y="887306"/>
+            <a:ext cx="2268396" cy="2235200"/>
+          </a:xfrm>
+          <a:prstGeom prst="rect">
+            <a:avLst/>
+          </a:prstGeom>
+        </p:spPr>
+      </p:pic>
+      <p:pic>
+        <p:nvPicPr>
+          <p:cNvPr id="7" name="Picture 6">
+            <a:extLst>
+              <a:ext uri="{FF2B5EF4-FFF2-40B4-BE49-F238E27FC236}">
+                <a16:creationId xmlns:a16="http://schemas.microsoft.com/office/drawing/2014/main" id="{485BE252-F134-E2C0-E30D-638A99548A2A}"/>
+              </a:ext>
+            </a:extLst>
+          </p:cNvPr>
+          <p:cNvPicPr>
+            <a:picLocks noChangeAspect="1"/>
+          </p:cNvPicPr>
+          <p:nvPr/>
+        </p:nvPicPr>
+        <p:blipFill>
+          <a:blip r:embed="rId4"/>
+          <a:stretch>
+            <a:fillRect/>
+          </a:stretch>
+        </p:blipFill>
+        <p:spPr>
+          <a:xfrm>
+            <a:off x="2853201" y="1009404"/>
+            <a:ext cx="5496692" cy="1991003"/>
+          </a:xfrm>
+          <a:prstGeom prst="rect">
+            <a:avLst/>
+          </a:prstGeom>
+        </p:spPr>
+      </p:pic>
+    </p:spTree>
+    <p:extLst>
+      <p:ext uri="{BB962C8B-B14F-4D97-AF65-F5344CB8AC3E}">
+        <p14:creationId xmlns:p14="http://schemas.microsoft.com/office/powerpoint/2010/main" val="1854274013"/>
+      </p:ext>
+    </p:extLst>
+  </p:cSld>
+  <p:clrMapOvr>
+    <a:masterClrMapping/>
+  </p:clrMapOvr>
+</p:sld>
+</file>
+
+<file path=ppt/slides/slide13.xml><?xml version="1.0" encoding="utf-8"?>
 <p:sld xmlns:a="http://schemas.openxmlformats.org/drawingml/2006/main" xmlns:r="http://schemas.openxmlformats.org/officeDocument/2006/relationships" xmlns:p="http://schemas.openxmlformats.org/presentationml/2006/main">
   <p:cSld>
     <p:bg>
@@ -8063,7 +9087,7 @@
 </p:sld>
 </file>
 
-<file path=ppt/slides/slide12.xml><?xml version="1.0" encoding="utf-8"?>
+<file path=ppt/slides/slide14.xml><?xml version="1.0" encoding="utf-8"?>
 <p:sld xmlns:a="http://schemas.openxmlformats.org/drawingml/2006/main" xmlns:r="http://schemas.openxmlformats.org/officeDocument/2006/relationships" xmlns:p="http://schemas.openxmlformats.org/presentationml/2006/main">
   <p:cSld>
     <p:spTree>
@@ -8278,7 +9302,7 @@
 </p:sld>
 </file>
 
-<file path=ppt/slides/slide13.xml><?xml version="1.0" encoding="utf-8"?>
+<file path=ppt/slides/slide15.xml><?xml version="1.0" encoding="utf-8"?>
 <p:sld xmlns:a="http://schemas.openxmlformats.org/drawingml/2006/main" xmlns:r="http://schemas.openxmlformats.org/officeDocument/2006/relationships" xmlns:p="http://schemas.openxmlformats.org/presentationml/2006/main">
   <p:cSld>
     <p:bg>
@@ -8395,7 +9419,7 @@
 </p:sld>
 </file>
 
-<file path=ppt/slides/slide14.xml><?xml version="1.0" encoding="utf-8"?>
+<file path=ppt/slides/slide16.xml><?xml version="1.0" encoding="utf-8"?>
 <p:sld xmlns:a="http://schemas.openxmlformats.org/drawingml/2006/main" xmlns:r="http://schemas.openxmlformats.org/officeDocument/2006/relationships" xmlns:p="http://schemas.openxmlformats.org/presentationml/2006/main">
   <p:cSld>
     <p:bg>

--- a/022_91893+_+91897+Documentation.pptx
+++ b/022_91893+_+91897+Documentation.pptx
@@ -5,7 +5,7 @@
     <p:sldMasterId id="2147483659" r:id="rId1"/>
   </p:sldMasterIdLst>
   <p:notesMasterIdLst>
-    <p:notesMasterId r:id="rId18"/>
+    <p:notesMasterId r:id="rId20"/>
   </p:notesMasterIdLst>
   <p:sldIdLst>
     <p:sldId id="256" r:id="rId2"/>
@@ -15,15 +15,17 @@
     <p:sldId id="260" r:id="rId6"/>
     <p:sldId id="265" r:id="rId7"/>
     <p:sldId id="263" r:id="rId8"/>
-    <p:sldId id="266" r:id="rId9"/>
-    <p:sldId id="268" r:id="rId10"/>
-    <p:sldId id="269" r:id="rId11"/>
-    <p:sldId id="270" r:id="rId12"/>
-    <p:sldId id="271" r:id="rId13"/>
-    <p:sldId id="267" r:id="rId14"/>
-    <p:sldId id="264" r:id="rId15"/>
-    <p:sldId id="261" r:id="rId16"/>
-    <p:sldId id="262" r:id="rId17"/>
+    <p:sldId id="267" r:id="rId9"/>
+    <p:sldId id="266" r:id="rId10"/>
+    <p:sldId id="268" r:id="rId11"/>
+    <p:sldId id="269" r:id="rId12"/>
+    <p:sldId id="270" r:id="rId13"/>
+    <p:sldId id="271" r:id="rId14"/>
+    <p:sldId id="274" r:id="rId15"/>
+    <p:sldId id="264" r:id="rId16"/>
+    <p:sldId id="273" r:id="rId17"/>
+    <p:sldId id="261" r:id="rId18"/>
+    <p:sldId id="262" r:id="rId19"/>
   </p:sldIdLst>
   <p:sldSz cx="9144000" cy="5143500" type="screen16x9"/>
   <p:notesSz cx="6858000" cy="9144000"/>
@@ -288,7 +290,7 @@
   <pc:docChgLst>
     <pc:chgData name="Luka Timmermans" userId="4364fd2f-d475-40f9-8f47-058a32a73bfe" providerId="ADAL" clId="{159DA90F-DD34-45EF-96B3-FC6778599D65}"/>
     <pc:docChg chg="undo custSel addSld delSld modSld sldOrd">
-      <pc:chgData name="Luka Timmermans" userId="4364fd2f-d475-40f9-8f47-058a32a73bfe" providerId="ADAL" clId="{159DA90F-DD34-45EF-96B3-FC6778599D65}" dt="2023-05-18T00:30:22.700" v="872" actId="20577"/>
+      <pc:chgData name="Luka Timmermans" userId="4364fd2f-d475-40f9-8f47-058a32a73bfe" providerId="ADAL" clId="{159DA90F-DD34-45EF-96B3-FC6778599D65}" dt="2023-05-21T23:52:50.952" v="923"/>
       <pc:docMkLst>
         <pc:docMk/>
       </pc:docMkLst>
@@ -555,12 +557,28 @@
           </ac:picMkLst>
         </pc:picChg>
       </pc:sldChg>
-      <pc:sldChg chg="add replId">
-        <pc:chgData name="Luka Timmermans" userId="4364fd2f-d475-40f9-8f47-058a32a73bfe" providerId="ADAL" clId="{159DA90F-DD34-45EF-96B3-FC6778599D65}" dt="2023-05-17T02:41:16.633" v="404" actId="2890"/>
+      <pc:sldChg chg="addSp modSp add mod ord replId">
+        <pc:chgData name="Luka Timmermans" userId="4364fd2f-d475-40f9-8f47-058a32a73bfe" providerId="ADAL" clId="{159DA90F-DD34-45EF-96B3-FC6778599D65}" dt="2023-05-21T23:52:50.952" v="923"/>
         <pc:sldMkLst>
           <pc:docMk/>
           <pc:sldMk cId="63546648" sldId="267"/>
         </pc:sldMkLst>
+        <pc:spChg chg="mod">
+          <ac:chgData name="Luka Timmermans" userId="4364fd2f-d475-40f9-8f47-058a32a73bfe" providerId="ADAL" clId="{159DA90F-DD34-45EF-96B3-FC6778599D65}" dt="2023-05-21T23:52:10.972" v="921" actId="20577"/>
+          <ac:spMkLst>
+            <pc:docMk/>
+            <pc:sldMk cId="63546648" sldId="267"/>
+            <ac:spMk id="73" creationId="{00000000-0000-0000-0000-000000000000}"/>
+          </ac:spMkLst>
+        </pc:spChg>
+        <pc:picChg chg="add mod">
+          <ac:chgData name="Luka Timmermans" userId="4364fd2f-d475-40f9-8f47-058a32a73bfe" providerId="ADAL" clId="{159DA90F-DD34-45EF-96B3-FC6778599D65}" dt="2023-05-21T23:51:24.143" v="885" actId="1076"/>
+          <ac:picMkLst>
+            <pc:docMk/>
+            <pc:sldMk cId="63546648" sldId="267"/>
+            <ac:picMk id="3" creationId="{F01CB3ED-FF6B-1B4C-B49E-4E2D1769EF43}"/>
+          </ac:picMkLst>
+        </pc:picChg>
       </pc:sldChg>
       <pc:sldChg chg="addSp delSp modSp add mod">
         <pc:chgData name="Luka Timmermans" userId="4364fd2f-d475-40f9-8f47-058a32a73bfe" providerId="ADAL" clId="{159DA90F-DD34-45EF-96B3-FC6778599D65}" dt="2023-05-17T02:57:00.283" v="597" actId="20577"/>
@@ -739,6 +757,59 @@
             <pc:docMk/>
             <pc:sldMk cId="1854274013" sldId="271"/>
             <ac:picMk id="7" creationId="{485BE252-F134-E2C0-E30D-638A99548A2A}"/>
+          </ac:picMkLst>
+        </pc:picChg>
+      </pc:sldChg>
+      <pc:sldChg chg="delSp add del mod">
+        <pc:chgData name="Luka Timmermans" userId="4364fd2f-d475-40f9-8f47-058a32a73bfe" providerId="ADAL" clId="{159DA90F-DD34-45EF-96B3-FC6778599D65}" dt="2023-05-21T23:50:39.823" v="879" actId="2696"/>
+        <pc:sldMkLst>
+          <pc:docMk/>
+          <pc:sldMk cId="20133543" sldId="272"/>
+        </pc:sldMkLst>
+        <pc:picChg chg="del">
+          <ac:chgData name="Luka Timmermans" userId="4364fd2f-d475-40f9-8f47-058a32a73bfe" providerId="ADAL" clId="{159DA90F-DD34-45EF-96B3-FC6778599D65}" dt="2023-05-21T23:45:44.068" v="874" actId="478"/>
+          <ac:picMkLst>
+            <pc:docMk/>
+            <pc:sldMk cId="20133543" sldId="272"/>
+            <ac:picMk id="3" creationId="{3CE5C339-9B58-F922-FAC5-ECC36A8C01EC}"/>
+          </ac:picMkLst>
+        </pc:picChg>
+        <pc:picChg chg="del">
+          <ac:chgData name="Luka Timmermans" userId="4364fd2f-d475-40f9-8f47-058a32a73bfe" providerId="ADAL" clId="{159DA90F-DD34-45EF-96B3-FC6778599D65}" dt="2023-05-21T23:45:44.621" v="875" actId="478"/>
+          <ac:picMkLst>
+            <pc:docMk/>
+            <pc:sldMk cId="20133543" sldId="272"/>
+            <ac:picMk id="7" creationId="{485BE252-F134-E2C0-E30D-638A99548A2A}"/>
+          </ac:picMkLst>
+        </pc:picChg>
+      </pc:sldChg>
+      <pc:sldChg chg="add ord">
+        <pc:chgData name="Luka Timmermans" userId="4364fd2f-d475-40f9-8f47-058a32a73bfe" providerId="ADAL" clId="{159DA90F-DD34-45EF-96B3-FC6778599D65}" dt="2023-05-21T23:50:27.156" v="878"/>
+        <pc:sldMkLst>
+          <pc:docMk/>
+          <pc:sldMk cId="2913256815" sldId="273"/>
+        </pc:sldMkLst>
+      </pc:sldChg>
+      <pc:sldChg chg="delSp modSp add mod">
+        <pc:chgData name="Luka Timmermans" userId="4364fd2f-d475-40f9-8f47-058a32a73bfe" providerId="ADAL" clId="{159DA90F-DD34-45EF-96B3-FC6778599D65}" dt="2023-05-21T23:51:38.033" v="898" actId="20577"/>
+        <pc:sldMkLst>
+          <pc:docMk/>
+          <pc:sldMk cId="3874754132" sldId="274"/>
+        </pc:sldMkLst>
+        <pc:spChg chg="mod">
+          <ac:chgData name="Luka Timmermans" userId="4364fd2f-d475-40f9-8f47-058a32a73bfe" providerId="ADAL" clId="{159DA90F-DD34-45EF-96B3-FC6778599D65}" dt="2023-05-21T23:51:38.033" v="898" actId="20577"/>
+          <ac:spMkLst>
+            <pc:docMk/>
+            <pc:sldMk cId="3874754132" sldId="274"/>
+            <ac:spMk id="73" creationId="{00000000-0000-0000-0000-000000000000}"/>
+          </ac:spMkLst>
+        </pc:spChg>
+        <pc:picChg chg="del">
+          <ac:chgData name="Luka Timmermans" userId="4364fd2f-d475-40f9-8f47-058a32a73bfe" providerId="ADAL" clId="{159DA90F-DD34-45EF-96B3-FC6778599D65}" dt="2023-05-21T23:51:28.695" v="887" actId="478"/>
+          <ac:picMkLst>
+            <pc:docMk/>
+            <pc:sldMk cId="3874754132" sldId="274"/>
+            <ac:picMk id="3" creationId="{F01CB3ED-FF6B-1B4C-B49E-4E2D1769EF43}"/>
           </ac:picMkLst>
         </pc:picChg>
       </pc:sldChg>
@@ -1430,7 +1501,7 @@
     </p:spTree>
     <p:extLst>
       <p:ext uri="{BB962C8B-B14F-4D97-AF65-F5344CB8AC3E}">
-        <p14:creationId xmlns:p14="http://schemas.microsoft.com/office/powerpoint/2010/main" val="661750749"/>
+        <p14:creationId xmlns:p14="http://schemas.microsoft.com/office/powerpoint/2010/main" val="1587411304"/>
       </p:ext>
     </p:extLst>
   </p:cSld>
@@ -1539,7 +1610,7 @@
     </p:spTree>
     <p:extLst>
       <p:ext uri="{BB962C8B-B14F-4D97-AF65-F5344CB8AC3E}">
-        <p14:creationId xmlns:p14="http://schemas.microsoft.com/office/powerpoint/2010/main" val="706258187"/>
+        <p14:creationId xmlns:p14="http://schemas.microsoft.com/office/powerpoint/2010/main" val="661750749"/>
       </p:ext>
     </p:extLst>
   </p:cSld>
@@ -1648,6 +1719,115 @@
     </p:spTree>
     <p:extLst>
       <p:ext uri="{BB962C8B-B14F-4D97-AF65-F5344CB8AC3E}">
+        <p14:creationId xmlns:p14="http://schemas.microsoft.com/office/powerpoint/2010/main" val="706258187"/>
+      </p:ext>
+    </p:extLst>
+  </p:cSld>
+  <p:clrMapOvr>
+    <a:masterClrMapping/>
+  </p:clrMapOvr>
+</p:notes>
+</file>
+
+<file path=ppt/notesSlides/notesSlide13.xml><?xml version="1.0" encoding="utf-8"?>
+<p:notes xmlns:a="http://schemas.openxmlformats.org/drawingml/2006/main" xmlns:r="http://schemas.openxmlformats.org/officeDocument/2006/relationships" xmlns:p="http://schemas.openxmlformats.org/presentationml/2006/main" showMasterSp="0" showMasterPhAnim="0">
+  <p:cSld>
+    <p:spTree>
+      <p:nvGrpSpPr>
+        <p:cNvPr id="1" name="Shape 74"/>
+        <p:cNvGrpSpPr/>
+        <p:nvPr/>
+      </p:nvGrpSpPr>
+      <p:grpSpPr>
+        <a:xfrm>
+          <a:off x="0" y="0"/>
+          <a:ext cx="0" cy="0"/>
+          <a:chOff x="0" y="0"/>
+          <a:chExt cx="0" cy="0"/>
+        </a:xfrm>
+      </p:grpSpPr>
+      <p:sp>
+        <p:nvSpPr>
+          <p:cNvPr id="75" name="Google Shape;75;gac10fef634_0_20:notes"/>
+          <p:cNvSpPr>
+            <a:spLocks noGrp="1" noRot="1" noChangeAspect="1"/>
+          </p:cNvSpPr>
+          <p:nvPr>
+            <p:ph type="sldImg" idx="2"/>
+          </p:nvPr>
+        </p:nvSpPr>
+        <p:spPr>
+          <a:xfrm>
+            <a:off x="381000" y="685800"/>
+            <a:ext cx="6096000" cy="3429000"/>
+          </a:xfrm>
+          <a:custGeom>
+            <a:avLst/>
+            <a:gdLst/>
+            <a:ahLst/>
+            <a:cxnLst/>
+            <a:rect l="l" t="t" r="r" b="b"/>
+            <a:pathLst>
+              <a:path w="120000" h="120000" extrusionOk="0">
+                <a:moveTo>
+                  <a:pt x="0" y="0"/>
+                </a:moveTo>
+                <a:lnTo>
+                  <a:pt x="120000" y="0"/>
+                </a:lnTo>
+                <a:lnTo>
+                  <a:pt x="120000" y="120000"/>
+                </a:lnTo>
+                <a:lnTo>
+                  <a:pt x="0" y="120000"/>
+                </a:lnTo>
+                <a:close/>
+              </a:path>
+            </a:pathLst>
+          </a:custGeom>
+        </p:spPr>
+      </p:sp>
+      <p:sp>
+        <p:nvSpPr>
+          <p:cNvPr id="76" name="Google Shape;76;gac10fef634_0_20:notes"/>
+          <p:cNvSpPr txBox="1">
+            <a:spLocks noGrp="1"/>
+          </p:cNvSpPr>
+          <p:nvPr>
+            <p:ph type="body" idx="1"/>
+          </p:nvPr>
+        </p:nvSpPr>
+        <p:spPr>
+          <a:xfrm>
+            <a:off x="685800" y="4343400"/>
+            <a:ext cx="5486400" cy="4114800"/>
+          </a:xfrm>
+          <a:prstGeom prst="rect">
+            <a:avLst/>
+          </a:prstGeom>
+        </p:spPr>
+        <p:txBody>
+          <a:bodyPr spcFirstLastPara="1" wrap="square" lIns="91425" tIns="91425" rIns="91425" bIns="91425" anchor="t" anchorCtr="0">
+            <a:noAutofit/>
+          </a:bodyPr>
+          <a:lstStyle/>
+          <a:p>
+            <a:pPr marL="0" lvl="0" indent="0" algn="l" rtl="0">
+              <a:spcBef>
+                <a:spcPts val="0"/>
+              </a:spcBef>
+              <a:spcAft>
+                <a:spcPts val="0"/>
+              </a:spcAft>
+              <a:buNone/>
+            </a:pPr>
+            <a:endParaRPr/>
+          </a:p>
+        </p:txBody>
+      </p:sp>
+    </p:spTree>
+    <p:extLst>
+      <p:ext uri="{BB962C8B-B14F-4D97-AF65-F5344CB8AC3E}">
         <p14:creationId xmlns:p14="http://schemas.microsoft.com/office/powerpoint/2010/main" val="3169488269"/>
       </p:ext>
     </p:extLst>
@@ -1658,7 +1838,7 @@
 </p:notes>
 </file>
 
-<file path=ppt/notesSlides/notesSlide13.xml><?xml version="1.0" encoding="utf-8"?>
+<file path=ppt/notesSlides/notesSlide14.xml><?xml version="1.0" encoding="utf-8"?>
 <p:notes xmlns:a="http://schemas.openxmlformats.org/drawingml/2006/main" xmlns:r="http://schemas.openxmlformats.org/officeDocument/2006/relationships" xmlns:p="http://schemas.openxmlformats.org/presentationml/2006/main" showMasterSp="0" showMasterPhAnim="0">
   <p:cSld>
     <p:spTree>
@@ -1757,7 +1937,7 @@
     </p:spTree>
     <p:extLst>
       <p:ext uri="{BB962C8B-B14F-4D97-AF65-F5344CB8AC3E}">
-        <p14:creationId xmlns:p14="http://schemas.microsoft.com/office/powerpoint/2010/main" val="3922725791"/>
+        <p14:creationId xmlns:p14="http://schemas.microsoft.com/office/powerpoint/2010/main" val="3033504858"/>
       </p:ext>
     </p:extLst>
   </p:cSld>
@@ -1767,7 +1947,7 @@
 </p:notes>
 </file>
 
-<file path=ppt/notesSlides/notesSlide14.xml><?xml version="1.0" encoding="utf-8"?>
+<file path=ppt/notesSlides/notesSlide15.xml><?xml version="1.0" encoding="utf-8"?>
 <p:notes xmlns:a="http://schemas.openxmlformats.org/drawingml/2006/main" xmlns:r="http://schemas.openxmlformats.org/officeDocument/2006/relationships" xmlns:p="http://schemas.openxmlformats.org/presentationml/2006/main" showMasterSp="0" showMasterPhAnim="0">
   <p:cSld>
     <p:spTree>
@@ -1876,7 +2056,116 @@
 </p:notes>
 </file>
 
-<file path=ppt/notesSlides/notesSlide15.xml><?xml version="1.0" encoding="utf-8"?>
+<file path=ppt/notesSlides/notesSlide16.xml><?xml version="1.0" encoding="utf-8"?>
+<p:notes xmlns:a="http://schemas.openxmlformats.org/drawingml/2006/main" xmlns:r="http://schemas.openxmlformats.org/officeDocument/2006/relationships" xmlns:p="http://schemas.openxmlformats.org/presentationml/2006/main" showMasterSp="0" showMasterPhAnim="0">
+  <p:cSld>
+    <p:spTree>
+      <p:nvGrpSpPr>
+        <p:cNvPr id="1" name="Shape 69"/>
+        <p:cNvGrpSpPr/>
+        <p:nvPr/>
+      </p:nvGrpSpPr>
+      <p:grpSpPr>
+        <a:xfrm>
+          <a:off x="0" y="0"/>
+          <a:ext cx="0" cy="0"/>
+          <a:chOff x="0" y="0"/>
+          <a:chExt cx="0" cy="0"/>
+        </a:xfrm>
+      </p:grpSpPr>
+      <p:sp>
+        <p:nvSpPr>
+          <p:cNvPr id="70" name="Google Shape;70;gac10fef634_0_16:notes"/>
+          <p:cNvSpPr>
+            <a:spLocks noGrp="1" noRot="1" noChangeAspect="1"/>
+          </p:cNvSpPr>
+          <p:nvPr>
+            <p:ph type="sldImg" idx="2"/>
+          </p:nvPr>
+        </p:nvSpPr>
+        <p:spPr>
+          <a:xfrm>
+            <a:off x="381000" y="685800"/>
+            <a:ext cx="6096000" cy="3429000"/>
+          </a:xfrm>
+          <a:custGeom>
+            <a:avLst/>
+            <a:gdLst/>
+            <a:ahLst/>
+            <a:cxnLst/>
+            <a:rect l="l" t="t" r="r" b="b"/>
+            <a:pathLst>
+              <a:path w="120000" h="120000" extrusionOk="0">
+                <a:moveTo>
+                  <a:pt x="0" y="0"/>
+                </a:moveTo>
+                <a:lnTo>
+                  <a:pt x="120000" y="0"/>
+                </a:lnTo>
+                <a:lnTo>
+                  <a:pt x="120000" y="120000"/>
+                </a:lnTo>
+                <a:lnTo>
+                  <a:pt x="0" y="120000"/>
+                </a:lnTo>
+                <a:close/>
+              </a:path>
+            </a:pathLst>
+          </a:custGeom>
+        </p:spPr>
+      </p:sp>
+      <p:sp>
+        <p:nvSpPr>
+          <p:cNvPr id="71" name="Google Shape;71;gac10fef634_0_16:notes"/>
+          <p:cNvSpPr txBox="1">
+            <a:spLocks noGrp="1"/>
+          </p:cNvSpPr>
+          <p:nvPr>
+            <p:ph type="body" idx="1"/>
+          </p:nvPr>
+        </p:nvSpPr>
+        <p:spPr>
+          <a:xfrm>
+            <a:off x="685800" y="4343400"/>
+            <a:ext cx="5486400" cy="4114800"/>
+          </a:xfrm>
+          <a:prstGeom prst="rect">
+            <a:avLst/>
+          </a:prstGeom>
+        </p:spPr>
+        <p:txBody>
+          <a:bodyPr spcFirstLastPara="1" wrap="square" lIns="91425" tIns="91425" rIns="91425" bIns="91425" anchor="t" anchorCtr="0">
+            <a:noAutofit/>
+          </a:bodyPr>
+          <a:lstStyle/>
+          <a:p>
+            <a:pPr marL="0" lvl="0" indent="0" algn="l" rtl="0">
+              <a:spcBef>
+                <a:spcPts val="0"/>
+              </a:spcBef>
+              <a:spcAft>
+                <a:spcPts val="0"/>
+              </a:spcAft>
+              <a:buNone/>
+            </a:pPr>
+            <a:endParaRPr/>
+          </a:p>
+        </p:txBody>
+      </p:sp>
+    </p:spTree>
+    <p:extLst>
+      <p:ext uri="{BB962C8B-B14F-4D97-AF65-F5344CB8AC3E}">
+        <p14:creationId xmlns:p14="http://schemas.microsoft.com/office/powerpoint/2010/main" val="3319458045"/>
+      </p:ext>
+    </p:extLst>
+  </p:cSld>
+  <p:clrMapOvr>
+    <a:masterClrMapping/>
+  </p:clrMapOvr>
+</p:notes>
+</file>
+
+<file path=ppt/notesSlides/notesSlide17.xml><?xml version="1.0" encoding="utf-8"?>
 <p:notes xmlns:a="http://schemas.openxmlformats.org/drawingml/2006/main" xmlns:r="http://schemas.openxmlformats.org/officeDocument/2006/relationships" xmlns:p="http://schemas.openxmlformats.org/presentationml/2006/main" showMasterSp="0" showMasterPhAnim="0">
   <p:cSld>
     <p:spTree>
@@ -2001,7 +2290,7 @@
 </p:notes>
 </file>
 
-<file path=ppt/notesSlides/notesSlide16.xml><?xml version="1.0" encoding="utf-8"?>
+<file path=ppt/notesSlides/notesSlide18.xml><?xml version="1.0" encoding="utf-8"?>
 <p:notes xmlns:a="http://schemas.openxmlformats.org/drawingml/2006/main" xmlns:r="http://schemas.openxmlformats.org/officeDocument/2006/relationships" xmlns:p="http://schemas.openxmlformats.org/presentationml/2006/main" showMasterSp="0" showMasterPhAnim="0">
   <p:cSld>
     <p:spTree>
@@ -2773,7 +3062,7 @@
   <p:cSld>
     <p:spTree>
       <p:nvGrpSpPr>
-        <p:cNvPr id="1" name="Shape 74"/>
+        <p:cNvPr id="1" name="Shape 69"/>
         <p:cNvGrpSpPr/>
         <p:nvPr/>
       </p:nvGrpSpPr>
@@ -2787,7 +3076,7 @@
       </p:grpSpPr>
       <p:sp>
         <p:nvSpPr>
-          <p:cNvPr id="75" name="Google Shape;75;gac10fef634_0_20:notes"/>
+          <p:cNvPr id="70" name="Google Shape;70;gac10fef634_0_16:notes"/>
           <p:cNvSpPr>
             <a:spLocks noGrp="1" noRot="1" noChangeAspect="1"/>
           </p:cNvSpPr>
@@ -2828,7 +3117,7 @@
       </p:sp>
       <p:sp>
         <p:nvSpPr>
-          <p:cNvPr id="76" name="Google Shape;76;gac10fef634_0_20:notes"/>
+          <p:cNvPr id="71" name="Google Shape;71;gac10fef634_0_16:notes"/>
           <p:cNvSpPr txBox="1">
             <a:spLocks noGrp="1"/>
           </p:cNvSpPr>
@@ -2867,7 +3156,7 @@
     </p:spTree>
     <p:extLst>
       <p:ext uri="{BB962C8B-B14F-4D97-AF65-F5344CB8AC3E}">
-        <p14:creationId xmlns:p14="http://schemas.microsoft.com/office/powerpoint/2010/main" val="3213249182"/>
+        <p14:creationId xmlns:p14="http://schemas.microsoft.com/office/powerpoint/2010/main" val="3922725791"/>
       </p:ext>
     </p:extLst>
   </p:cSld>
@@ -2976,7 +3265,7 @@
     </p:spTree>
     <p:extLst>
       <p:ext uri="{BB962C8B-B14F-4D97-AF65-F5344CB8AC3E}">
-        <p14:creationId xmlns:p14="http://schemas.microsoft.com/office/powerpoint/2010/main" val="1587411304"/>
+        <p14:creationId xmlns:p14="http://schemas.microsoft.com/office/powerpoint/2010/main" val="3213249182"/>
       </p:ext>
     </p:extLst>
   </p:cSld>
@@ -8091,6 +8380,295 @@
             </a:pPr>
             <a:r>
               <a:rPr lang="en" dirty="0"/>
+              <a:t>Component 2 version 2 - Test Plan (?and screenshot)</a:t>
+            </a:r>
+            <a:endParaRPr dirty="0"/>
+          </a:p>
+        </p:txBody>
+      </p:sp>
+      <p:graphicFrame>
+        <p:nvGraphicFramePr>
+          <p:cNvPr id="79" name="Google Shape;79;p17"/>
+          <p:cNvGraphicFramePr/>
+          <p:nvPr>
+            <p:extLst>
+              <p:ext uri="{D42A27DB-BD31-4B8C-83A1-F6EECF244321}">
+                <p14:modId xmlns:p14="http://schemas.microsoft.com/office/powerpoint/2010/main" val="3409442146"/>
+              </p:ext>
+            </p:extLst>
+          </p:nvPr>
+        </p:nvGraphicFramePr>
+        <p:xfrm>
+          <a:off x="311700" y="3577431"/>
+          <a:ext cx="8520600" cy="1462980"/>
+        </p:xfrm>
+        <a:graphic>
+          <a:graphicData uri="http://schemas.openxmlformats.org/drawingml/2006/table">
+            <a:tbl>
+              <a:tblPr>
+                <a:noFill/>
+                <a:tableStyleId>{E1099E06-0E6B-448D-9D27-60429F06E6F4}</a:tableStyleId>
+              </a:tblPr>
+              <a:tblGrid>
+                <a:gridCol w="4260300">
+                  <a:extLst>
+                    <a:ext uri="{9D8B030D-6E8A-4147-A177-3AD203B41FA5}">
+                      <a16:colId xmlns:a16="http://schemas.microsoft.com/office/drawing/2014/main" val="20000"/>
+                    </a:ext>
+                  </a:extLst>
+                </a:gridCol>
+                <a:gridCol w="4260300">
+                  <a:extLst>
+                    <a:ext uri="{9D8B030D-6E8A-4147-A177-3AD203B41FA5}">
+                      <a16:colId xmlns:a16="http://schemas.microsoft.com/office/drawing/2014/main" val="20001"/>
+                    </a:ext>
+                  </a:extLst>
+                </a:gridCol>
+              </a:tblGrid>
+              <a:tr h="381000">
+                <a:tc>
+                  <a:txBody>
+                    <a:bodyPr/>
+                    <a:lstStyle/>
+                    <a:p>
+                      <a:pPr marL="0" lvl="0" indent="0" algn="l" rtl="0">
+                        <a:spcBef>
+                          <a:spcPts val="0"/>
+                        </a:spcBef>
+                        <a:spcAft>
+                          <a:spcPts val="0"/>
+                        </a:spcAft>
+                        <a:buNone/>
+                      </a:pPr>
+                      <a:r>
+                        <a:rPr lang="en" sz="1800" b="1" dirty="0"/>
+                        <a:t>Test Case</a:t>
+                      </a:r>
+                      <a:endParaRPr sz="1800" b="1" dirty="0"/>
+                    </a:p>
+                  </a:txBody>
+                  <a:tcPr marL="91425" marR="91425" marT="91425" marB="91425">
+                    <a:solidFill>
+                      <a:srgbClr val="CCCCCC"/>
+                    </a:solidFill>
+                  </a:tcPr>
+                </a:tc>
+                <a:tc>
+                  <a:txBody>
+                    <a:bodyPr/>
+                    <a:lstStyle/>
+                    <a:p>
+                      <a:pPr marL="0" lvl="0" indent="0" algn="l" rtl="0">
+                        <a:spcBef>
+                          <a:spcPts val="0"/>
+                        </a:spcBef>
+                        <a:spcAft>
+                          <a:spcPts val="0"/>
+                        </a:spcAft>
+                        <a:buNone/>
+                      </a:pPr>
+                      <a:r>
+                        <a:rPr lang="en" sz="1800" b="1"/>
+                        <a:t>Expected Values</a:t>
+                      </a:r>
+                      <a:endParaRPr sz="1800" b="1"/>
+                    </a:p>
+                  </a:txBody>
+                  <a:tcPr marL="91425" marR="91425" marT="91425" marB="91425">
+                    <a:solidFill>
+                      <a:srgbClr val="CCCCCC"/>
+                    </a:solidFill>
+                  </a:tcPr>
+                </a:tc>
+                <a:extLst>
+                  <a:ext uri="{0D108BD9-81ED-4DB2-BD59-A6C34878D82A}">
+                    <a16:rowId xmlns:a16="http://schemas.microsoft.com/office/drawing/2014/main" val="10000"/>
+                  </a:ext>
+                </a:extLst>
+              </a:tr>
+              <a:tr h="396200">
+                <a:tc>
+                  <a:txBody>
+                    <a:bodyPr/>
+                    <a:lstStyle/>
+                    <a:p>
+                      <a:pPr marL="0" lvl="0" indent="0" algn="l" rtl="0">
+                        <a:spcBef>
+                          <a:spcPts val="0"/>
+                        </a:spcBef>
+                        <a:spcAft>
+                          <a:spcPts val="0"/>
+                        </a:spcAft>
+                        <a:buNone/>
+                      </a:pPr>
+                      <a:r>
+                        <a:rPr lang="en-NZ" sz="1800" dirty="0"/>
+                        <a:t>Run program </a:t>
+                      </a:r>
+                      <a:endParaRPr sz="1800" dirty="0"/>
+                    </a:p>
+                  </a:txBody>
+                  <a:tcPr marL="91425" marR="91425" marT="91425" marB="91425"/>
+                </a:tc>
+                <a:tc>
+                  <a:txBody>
+                    <a:bodyPr/>
+                    <a:lstStyle/>
+                    <a:p>
+                      <a:pPr marL="0" lvl="0" indent="0" algn="l" rtl="0">
+                        <a:spcBef>
+                          <a:spcPts val="0"/>
+                        </a:spcBef>
+                        <a:spcAft>
+                          <a:spcPts val="0"/>
+                        </a:spcAft>
+                        <a:buNone/>
+                      </a:pPr>
+                      <a:r>
+                        <a:rPr lang="en-NZ" sz="1800" dirty="0"/>
+                        <a:t>Enter p program prints pickup </a:t>
+                      </a:r>
+                    </a:p>
+                    <a:p>
+                      <a:pPr marL="0" lvl="0" indent="0" algn="l" rtl="0">
+                        <a:spcBef>
+                          <a:spcPts val="0"/>
+                        </a:spcBef>
+                        <a:spcAft>
+                          <a:spcPts val="0"/>
+                        </a:spcAft>
+                        <a:buNone/>
+                      </a:pPr>
+                      <a:r>
+                        <a:rPr lang="en-NZ" sz="1800" dirty="0"/>
+                        <a:t>Enter d program prints delivery</a:t>
+                      </a:r>
+                    </a:p>
+                    <a:p>
+                      <a:pPr marL="0" lvl="0" indent="0" algn="l" rtl="0">
+                        <a:spcBef>
+                          <a:spcPts val="0"/>
+                        </a:spcBef>
+                        <a:spcAft>
+                          <a:spcPts val="0"/>
+                        </a:spcAft>
+                        <a:buNone/>
+                      </a:pPr>
+                      <a:r>
+                        <a:rPr lang="en-NZ" sz="1800" dirty="0"/>
+                        <a:t>Enter invalid prints error message</a:t>
+                      </a:r>
+                      <a:endParaRPr sz="1800" dirty="0"/>
+                    </a:p>
+                  </a:txBody>
+                  <a:tcPr marL="91425" marR="91425" marT="91425" marB="91425"/>
+                </a:tc>
+                <a:extLst>
+                  <a:ext uri="{0D108BD9-81ED-4DB2-BD59-A6C34878D82A}">
+                    <a16:rowId xmlns:a16="http://schemas.microsoft.com/office/drawing/2014/main" val="10001"/>
+                  </a:ext>
+                </a:extLst>
+              </a:tr>
+            </a:tbl>
+          </a:graphicData>
+        </a:graphic>
+      </p:graphicFrame>
+      <p:pic>
+        <p:nvPicPr>
+          <p:cNvPr id="4" name="Picture 3">
+            <a:extLst>
+              <a:ext uri="{FF2B5EF4-FFF2-40B4-BE49-F238E27FC236}">
+                <a16:creationId xmlns:a16="http://schemas.microsoft.com/office/drawing/2014/main" id="{986BEF04-0424-3DCC-E274-EACB7D2DFC56}"/>
+              </a:ext>
+            </a:extLst>
+          </p:cNvPr>
+          <p:cNvPicPr>
+            <a:picLocks noChangeAspect="1"/>
+          </p:cNvPicPr>
+          <p:nvPr/>
+        </p:nvPicPr>
+        <p:blipFill>
+          <a:blip r:embed="rId3"/>
+          <a:stretch>
+            <a:fillRect/>
+          </a:stretch>
+        </p:blipFill>
+        <p:spPr>
+          <a:xfrm>
+            <a:off x="311700" y="1376549"/>
+            <a:ext cx="1876087" cy="2158227"/>
+          </a:xfrm>
+          <a:prstGeom prst="rect">
+            <a:avLst/>
+          </a:prstGeom>
+        </p:spPr>
+      </p:pic>
+    </p:spTree>
+    <p:extLst>
+      <p:ext uri="{BB962C8B-B14F-4D97-AF65-F5344CB8AC3E}">
+        <p14:creationId xmlns:p14="http://schemas.microsoft.com/office/powerpoint/2010/main" val="864288546"/>
+      </p:ext>
+    </p:extLst>
+  </p:cSld>
+  <p:clrMapOvr>
+    <a:masterClrMapping/>
+  </p:clrMapOvr>
+</p:sld>
+</file>
+
+<file path=ppt/slides/slide11.xml><?xml version="1.0" encoding="utf-8"?>
+<p:sld xmlns:a="http://schemas.openxmlformats.org/drawingml/2006/main" xmlns:r="http://schemas.openxmlformats.org/officeDocument/2006/relationships" xmlns:p="http://schemas.openxmlformats.org/presentationml/2006/main">
+  <p:cSld>
+    <p:spTree>
+      <p:nvGrpSpPr>
+        <p:cNvPr id="1" name="Shape 77"/>
+        <p:cNvGrpSpPr/>
+        <p:nvPr/>
+      </p:nvGrpSpPr>
+      <p:grpSpPr>
+        <a:xfrm>
+          <a:off x="0" y="0"/>
+          <a:ext cx="0" cy="0"/>
+          <a:chOff x="0" y="0"/>
+          <a:chExt cx="0" cy="0"/>
+        </a:xfrm>
+      </p:grpSpPr>
+      <p:sp>
+        <p:nvSpPr>
+          <p:cNvPr id="78" name="Google Shape;78;p17"/>
+          <p:cNvSpPr txBox="1">
+            <a:spLocks noGrp="1"/>
+          </p:cNvSpPr>
+          <p:nvPr>
+            <p:ph type="title"/>
+          </p:nvPr>
+        </p:nvSpPr>
+        <p:spPr>
+          <a:xfrm>
+            <a:off x="311700" y="445025"/>
+            <a:ext cx="8520600" cy="572700"/>
+          </a:xfrm>
+          <a:prstGeom prst="rect">
+            <a:avLst/>
+          </a:prstGeom>
+        </p:spPr>
+        <p:txBody>
+          <a:bodyPr spcFirstLastPara="1" wrap="square" lIns="91425" tIns="91425" rIns="91425" bIns="91425" anchor="t" anchorCtr="0">
+            <a:noAutofit/>
+          </a:bodyPr>
+          <a:lstStyle/>
+          <a:p>
+            <a:pPr marL="0" lvl="0" indent="0" algn="l" rtl="0">
+              <a:spcBef>
+                <a:spcPts val="0"/>
+              </a:spcBef>
+              <a:spcAft>
+                <a:spcPts val="0"/>
+              </a:spcAft>
+              <a:buNone/>
+            </a:pPr>
+            <a:r>
+              <a:rPr lang="en" dirty="0"/>
               <a:t>Component 2 </a:t>
             </a:r>
             <a:r>
@@ -8335,7 +8913,7 @@
 </p:sld>
 </file>
 
-<file path=ppt/slides/slide11.xml><?xml version="1.0" encoding="utf-8"?>
+<file path=ppt/slides/slide12.xml><?xml version="1.0" encoding="utf-8"?>
 <p:sld xmlns:a="http://schemas.openxmlformats.org/drawingml/2006/main" xmlns:r="http://schemas.openxmlformats.org/officeDocument/2006/relationships" xmlns:p="http://schemas.openxmlformats.org/presentationml/2006/main">
   <p:cSld>
     <p:spTree>
@@ -8673,7 +9251,7 @@
 </p:sld>
 </file>
 
-<file path=ppt/slides/slide12.xml><?xml version="1.0" encoding="utf-8"?>
+<file path=ppt/slides/slide13.xml><?xml version="1.0" encoding="utf-8"?>
 <p:sld xmlns:a="http://schemas.openxmlformats.org/drawingml/2006/main" xmlns:r="http://schemas.openxmlformats.org/officeDocument/2006/relationships" xmlns:p="http://schemas.openxmlformats.org/presentationml/2006/main">
   <p:cSld>
     <p:spTree>
@@ -9007,7 +9585,7 @@
 </p:sld>
 </file>
 
-<file path=ppt/slides/slide13.xml><?xml version="1.0" encoding="utf-8"?>
+<file path=ppt/slides/slide14.xml><?xml version="1.0" encoding="utf-8"?>
 <p:sld xmlns:a="http://schemas.openxmlformats.org/drawingml/2006/main" xmlns:r="http://schemas.openxmlformats.org/officeDocument/2006/relationships" xmlns:p="http://schemas.openxmlformats.org/presentationml/2006/main">
   <p:cSld>
     <p:bg>
@@ -9068,7 +9646,7 @@
             </a:pPr>
             <a:r>
               <a:rPr lang="en" dirty="0"/>
-              <a:t>Component 2 (Trello screenshot)</a:t>
+              <a:t>Component 2 Version 2(Trello screenshot)</a:t>
             </a:r>
             <a:endParaRPr dirty="0"/>
           </a:p>
@@ -9077,7 +9655,7 @@
     </p:spTree>
     <p:extLst>
       <p:ext uri="{BB962C8B-B14F-4D97-AF65-F5344CB8AC3E}">
-        <p14:creationId xmlns:p14="http://schemas.microsoft.com/office/powerpoint/2010/main" val="63546648"/>
+        <p14:creationId xmlns:p14="http://schemas.microsoft.com/office/powerpoint/2010/main" val="3874754132"/>
       </p:ext>
     </p:extLst>
   </p:cSld>
@@ -9087,7 +9665,7 @@
 </p:sld>
 </file>
 
-<file path=ppt/slides/slide14.xml><?xml version="1.0" encoding="utf-8"?>
+<file path=ppt/slides/slide15.xml><?xml version="1.0" encoding="utf-8"?>
 <p:sld xmlns:a="http://schemas.openxmlformats.org/drawingml/2006/main" xmlns:r="http://schemas.openxmlformats.org/officeDocument/2006/relationships" xmlns:p="http://schemas.openxmlformats.org/presentationml/2006/main">
   <p:cSld>
     <p:spTree>
@@ -9302,7 +9880,87 @@
 </p:sld>
 </file>
 
-<file path=ppt/slides/slide15.xml><?xml version="1.0" encoding="utf-8"?>
+<file path=ppt/slides/slide16.xml><?xml version="1.0" encoding="utf-8"?>
+<p:sld xmlns:a="http://schemas.openxmlformats.org/drawingml/2006/main" xmlns:r="http://schemas.openxmlformats.org/officeDocument/2006/relationships" xmlns:p="http://schemas.openxmlformats.org/presentationml/2006/main">
+  <p:cSld>
+    <p:bg>
+      <p:bgPr>
+        <a:solidFill>
+          <a:srgbClr val="D9EAD3"/>
+        </a:solidFill>
+        <a:effectLst/>
+      </p:bgPr>
+    </p:bg>
+    <p:spTree>
+      <p:nvGrpSpPr>
+        <p:cNvPr id="1" name="Shape 72"/>
+        <p:cNvGrpSpPr/>
+        <p:nvPr/>
+      </p:nvGrpSpPr>
+      <p:grpSpPr>
+        <a:xfrm>
+          <a:off x="0" y="0"/>
+          <a:ext cx="0" cy="0"/>
+          <a:chOff x="0" y="0"/>
+          <a:chExt cx="0" cy="0"/>
+        </a:xfrm>
+      </p:grpSpPr>
+      <p:sp>
+        <p:nvSpPr>
+          <p:cNvPr id="73" name="Google Shape;73;p16"/>
+          <p:cNvSpPr txBox="1">
+            <a:spLocks noGrp="1"/>
+          </p:cNvSpPr>
+          <p:nvPr>
+            <p:ph type="title"/>
+          </p:nvPr>
+        </p:nvSpPr>
+        <p:spPr>
+          <a:xfrm>
+            <a:off x="311700" y="445025"/>
+            <a:ext cx="8520600" cy="572700"/>
+          </a:xfrm>
+          <a:prstGeom prst="rect">
+            <a:avLst/>
+          </a:prstGeom>
+        </p:spPr>
+        <p:txBody>
+          <a:bodyPr spcFirstLastPara="1" wrap="square" lIns="91425" tIns="91425" rIns="91425" bIns="91425" anchor="t" anchorCtr="0">
+            <a:noAutofit/>
+          </a:bodyPr>
+          <a:lstStyle/>
+          <a:p>
+            <a:pPr marL="0" lvl="0" indent="0" algn="l" rtl="0">
+              <a:spcBef>
+                <a:spcPts val="0"/>
+              </a:spcBef>
+              <a:spcAft>
+                <a:spcPts val="0"/>
+              </a:spcAft>
+              <a:buNone/>
+            </a:pPr>
+            <a:r>
+              <a:rPr lang="en" dirty="0"/>
+              <a:t>Component 2 (Trello screenshot)</a:t>
+            </a:r>
+            <a:endParaRPr dirty="0"/>
+          </a:p>
+        </p:txBody>
+      </p:sp>
+    </p:spTree>
+    <p:extLst>
+      <p:ext uri="{BB962C8B-B14F-4D97-AF65-F5344CB8AC3E}">
+        <p14:creationId xmlns:p14="http://schemas.microsoft.com/office/powerpoint/2010/main" val="2913256815"/>
+      </p:ext>
+    </p:extLst>
+  </p:cSld>
+  <p:clrMapOvr>
+    <a:masterClrMapping/>
+  </p:clrMapOvr>
+</p:sld>
+</file>
+
+<file path=ppt/slides/slide17.xml><?xml version="1.0" encoding="utf-8"?>
 <p:sld xmlns:a="http://schemas.openxmlformats.org/drawingml/2006/main" xmlns:r="http://schemas.openxmlformats.org/officeDocument/2006/relationships" xmlns:p="http://schemas.openxmlformats.org/presentationml/2006/main">
   <p:cSld>
     <p:bg>
@@ -9419,7 +10077,7 @@
 </p:sld>
 </file>
 
-<file path=ppt/slides/slide16.xml><?xml version="1.0" encoding="utf-8"?>
+<file path=ppt/slides/slide18.xml><?xml version="1.0" encoding="utf-8"?>
 <p:sld xmlns:a="http://schemas.openxmlformats.org/drawingml/2006/main" xmlns:r="http://schemas.openxmlformats.org/officeDocument/2006/relationships" xmlns:p="http://schemas.openxmlformats.org/presentationml/2006/main">
   <p:cSld>
     <p:bg>
@@ -10635,6 +11293,116 @@
 <file path=ppt/slides/slide8.xml><?xml version="1.0" encoding="utf-8"?>
 <p:sld xmlns:a="http://schemas.openxmlformats.org/drawingml/2006/main" xmlns:r="http://schemas.openxmlformats.org/officeDocument/2006/relationships" xmlns:p="http://schemas.openxmlformats.org/presentationml/2006/main">
   <p:cSld>
+    <p:bg>
+      <p:bgPr>
+        <a:solidFill>
+          <a:srgbClr val="D9EAD3"/>
+        </a:solidFill>
+        <a:effectLst/>
+      </p:bgPr>
+    </p:bg>
+    <p:spTree>
+      <p:nvGrpSpPr>
+        <p:cNvPr id="1" name="Shape 72"/>
+        <p:cNvGrpSpPr/>
+        <p:nvPr/>
+      </p:nvGrpSpPr>
+      <p:grpSpPr>
+        <a:xfrm>
+          <a:off x="0" y="0"/>
+          <a:ext cx="0" cy="0"/>
+          <a:chOff x="0" y="0"/>
+          <a:chExt cx="0" cy="0"/>
+        </a:xfrm>
+      </p:grpSpPr>
+      <p:sp>
+        <p:nvSpPr>
+          <p:cNvPr id="73" name="Google Shape;73;p16"/>
+          <p:cNvSpPr txBox="1">
+            <a:spLocks noGrp="1"/>
+          </p:cNvSpPr>
+          <p:nvPr>
+            <p:ph type="title"/>
+          </p:nvPr>
+        </p:nvSpPr>
+        <p:spPr>
+          <a:xfrm>
+            <a:off x="311700" y="445025"/>
+            <a:ext cx="8520600" cy="572700"/>
+          </a:xfrm>
+          <a:prstGeom prst="rect">
+            <a:avLst/>
+          </a:prstGeom>
+        </p:spPr>
+        <p:txBody>
+          <a:bodyPr spcFirstLastPara="1" wrap="square" lIns="91425" tIns="91425" rIns="91425" bIns="91425" anchor="t" anchorCtr="0">
+            <a:noAutofit/>
+          </a:bodyPr>
+          <a:lstStyle/>
+          <a:p>
+            <a:pPr marL="0" lvl="0" indent="0" algn="l" rtl="0">
+              <a:spcBef>
+                <a:spcPts val="0"/>
+              </a:spcBef>
+              <a:spcAft>
+                <a:spcPts val="0"/>
+              </a:spcAft>
+              <a:buNone/>
+            </a:pPr>
+            <a:r>
+              <a:rPr lang="en" dirty="0"/>
+              <a:t>Component 2 Version 2(Trello screenshot)</a:t>
+            </a:r>
+            <a:endParaRPr dirty="0"/>
+          </a:p>
+        </p:txBody>
+      </p:sp>
+      <p:pic>
+        <p:nvPicPr>
+          <p:cNvPr id="3" name="Picture 2">
+            <a:extLst>
+              <a:ext uri="{FF2B5EF4-FFF2-40B4-BE49-F238E27FC236}">
+                <a16:creationId xmlns:a16="http://schemas.microsoft.com/office/drawing/2014/main" id="{F01CB3ED-FF6B-1B4C-B49E-4E2D1769EF43}"/>
+              </a:ext>
+            </a:extLst>
+          </p:cNvPr>
+          <p:cNvPicPr>
+            <a:picLocks noChangeAspect="1"/>
+          </p:cNvPicPr>
+          <p:nvPr/>
+        </p:nvPicPr>
+        <p:blipFill>
+          <a:blip r:embed="rId3"/>
+          <a:stretch>
+            <a:fillRect/>
+          </a:stretch>
+        </p:blipFill>
+        <p:spPr>
+          <a:xfrm>
+            <a:off x="0" y="1078939"/>
+            <a:ext cx="9144000" cy="3811969"/>
+          </a:xfrm>
+          <a:prstGeom prst="rect">
+            <a:avLst/>
+          </a:prstGeom>
+        </p:spPr>
+      </p:pic>
+    </p:spTree>
+    <p:extLst>
+      <p:ext uri="{BB962C8B-B14F-4D97-AF65-F5344CB8AC3E}">
+        <p14:creationId xmlns:p14="http://schemas.microsoft.com/office/powerpoint/2010/main" val="63546648"/>
+      </p:ext>
+    </p:extLst>
+  </p:cSld>
+  <p:clrMapOvr>
+    <a:masterClrMapping/>
+  </p:clrMapOvr>
+</p:sld>
+</file>
+
+<file path=ppt/slides/slide9.xml><?xml version="1.0" encoding="utf-8"?>
+<p:sld xmlns:a="http://schemas.openxmlformats.org/drawingml/2006/main" xmlns:r="http://schemas.openxmlformats.org/officeDocument/2006/relationships" xmlns:p="http://schemas.openxmlformats.org/presentationml/2006/main">
+  <p:cSld>
     <p:spTree>
       <p:nvGrpSpPr>
         <p:cNvPr id="1" name="Shape 77"/>
@@ -10912,295 +11680,6 @@
     <p:extLst>
       <p:ext uri="{BB962C8B-B14F-4D97-AF65-F5344CB8AC3E}">
         <p14:creationId xmlns:p14="http://schemas.microsoft.com/office/powerpoint/2010/main" val="1853017093"/>
-      </p:ext>
-    </p:extLst>
-  </p:cSld>
-  <p:clrMapOvr>
-    <a:masterClrMapping/>
-  </p:clrMapOvr>
-</p:sld>
-</file>
-
-<file path=ppt/slides/slide9.xml><?xml version="1.0" encoding="utf-8"?>
-<p:sld xmlns:a="http://schemas.openxmlformats.org/drawingml/2006/main" xmlns:r="http://schemas.openxmlformats.org/officeDocument/2006/relationships" xmlns:p="http://schemas.openxmlformats.org/presentationml/2006/main">
-  <p:cSld>
-    <p:spTree>
-      <p:nvGrpSpPr>
-        <p:cNvPr id="1" name="Shape 77"/>
-        <p:cNvGrpSpPr/>
-        <p:nvPr/>
-      </p:nvGrpSpPr>
-      <p:grpSpPr>
-        <a:xfrm>
-          <a:off x="0" y="0"/>
-          <a:ext cx="0" cy="0"/>
-          <a:chOff x="0" y="0"/>
-          <a:chExt cx="0" cy="0"/>
-        </a:xfrm>
-      </p:grpSpPr>
-      <p:sp>
-        <p:nvSpPr>
-          <p:cNvPr id="78" name="Google Shape;78;p17"/>
-          <p:cNvSpPr txBox="1">
-            <a:spLocks noGrp="1"/>
-          </p:cNvSpPr>
-          <p:nvPr>
-            <p:ph type="title"/>
-          </p:nvPr>
-        </p:nvSpPr>
-        <p:spPr>
-          <a:xfrm>
-            <a:off x="311700" y="445025"/>
-            <a:ext cx="8520600" cy="572700"/>
-          </a:xfrm>
-          <a:prstGeom prst="rect">
-            <a:avLst/>
-          </a:prstGeom>
-        </p:spPr>
-        <p:txBody>
-          <a:bodyPr spcFirstLastPara="1" wrap="square" lIns="91425" tIns="91425" rIns="91425" bIns="91425" anchor="t" anchorCtr="0">
-            <a:noAutofit/>
-          </a:bodyPr>
-          <a:lstStyle/>
-          <a:p>
-            <a:pPr marL="0" lvl="0" indent="0" algn="l" rtl="0">
-              <a:spcBef>
-                <a:spcPts val="0"/>
-              </a:spcBef>
-              <a:spcAft>
-                <a:spcPts val="0"/>
-              </a:spcAft>
-              <a:buNone/>
-            </a:pPr>
-            <a:r>
-              <a:rPr lang="en" dirty="0"/>
-              <a:t>Component 2 version 2 - Test Plan (?and screenshot)</a:t>
-            </a:r>
-            <a:endParaRPr dirty="0"/>
-          </a:p>
-        </p:txBody>
-      </p:sp>
-      <p:graphicFrame>
-        <p:nvGraphicFramePr>
-          <p:cNvPr id="79" name="Google Shape;79;p17"/>
-          <p:cNvGraphicFramePr/>
-          <p:nvPr>
-            <p:extLst>
-              <p:ext uri="{D42A27DB-BD31-4B8C-83A1-F6EECF244321}">
-                <p14:modId xmlns:p14="http://schemas.microsoft.com/office/powerpoint/2010/main" val="3409442146"/>
-              </p:ext>
-            </p:extLst>
-          </p:nvPr>
-        </p:nvGraphicFramePr>
-        <p:xfrm>
-          <a:off x="311700" y="3577431"/>
-          <a:ext cx="8520600" cy="1462980"/>
-        </p:xfrm>
-        <a:graphic>
-          <a:graphicData uri="http://schemas.openxmlformats.org/drawingml/2006/table">
-            <a:tbl>
-              <a:tblPr>
-                <a:noFill/>
-                <a:tableStyleId>{E1099E06-0E6B-448D-9D27-60429F06E6F4}</a:tableStyleId>
-              </a:tblPr>
-              <a:tblGrid>
-                <a:gridCol w="4260300">
-                  <a:extLst>
-                    <a:ext uri="{9D8B030D-6E8A-4147-A177-3AD203B41FA5}">
-                      <a16:colId xmlns:a16="http://schemas.microsoft.com/office/drawing/2014/main" val="20000"/>
-                    </a:ext>
-                  </a:extLst>
-                </a:gridCol>
-                <a:gridCol w="4260300">
-                  <a:extLst>
-                    <a:ext uri="{9D8B030D-6E8A-4147-A177-3AD203B41FA5}">
-                      <a16:colId xmlns:a16="http://schemas.microsoft.com/office/drawing/2014/main" val="20001"/>
-                    </a:ext>
-                  </a:extLst>
-                </a:gridCol>
-              </a:tblGrid>
-              <a:tr h="381000">
-                <a:tc>
-                  <a:txBody>
-                    <a:bodyPr/>
-                    <a:lstStyle/>
-                    <a:p>
-                      <a:pPr marL="0" lvl="0" indent="0" algn="l" rtl="0">
-                        <a:spcBef>
-                          <a:spcPts val="0"/>
-                        </a:spcBef>
-                        <a:spcAft>
-                          <a:spcPts val="0"/>
-                        </a:spcAft>
-                        <a:buNone/>
-                      </a:pPr>
-                      <a:r>
-                        <a:rPr lang="en" sz="1800" b="1" dirty="0"/>
-                        <a:t>Test Case</a:t>
-                      </a:r>
-                      <a:endParaRPr sz="1800" b="1" dirty="0"/>
-                    </a:p>
-                  </a:txBody>
-                  <a:tcPr marL="91425" marR="91425" marT="91425" marB="91425">
-                    <a:solidFill>
-                      <a:srgbClr val="CCCCCC"/>
-                    </a:solidFill>
-                  </a:tcPr>
-                </a:tc>
-                <a:tc>
-                  <a:txBody>
-                    <a:bodyPr/>
-                    <a:lstStyle/>
-                    <a:p>
-                      <a:pPr marL="0" lvl="0" indent="0" algn="l" rtl="0">
-                        <a:spcBef>
-                          <a:spcPts val="0"/>
-                        </a:spcBef>
-                        <a:spcAft>
-                          <a:spcPts val="0"/>
-                        </a:spcAft>
-                        <a:buNone/>
-                      </a:pPr>
-                      <a:r>
-                        <a:rPr lang="en" sz="1800" b="1"/>
-                        <a:t>Expected Values</a:t>
-                      </a:r>
-                      <a:endParaRPr sz="1800" b="1"/>
-                    </a:p>
-                  </a:txBody>
-                  <a:tcPr marL="91425" marR="91425" marT="91425" marB="91425">
-                    <a:solidFill>
-                      <a:srgbClr val="CCCCCC"/>
-                    </a:solidFill>
-                  </a:tcPr>
-                </a:tc>
-                <a:extLst>
-                  <a:ext uri="{0D108BD9-81ED-4DB2-BD59-A6C34878D82A}">
-                    <a16:rowId xmlns:a16="http://schemas.microsoft.com/office/drawing/2014/main" val="10000"/>
-                  </a:ext>
-                </a:extLst>
-              </a:tr>
-              <a:tr h="396200">
-                <a:tc>
-                  <a:txBody>
-                    <a:bodyPr/>
-                    <a:lstStyle/>
-                    <a:p>
-                      <a:pPr marL="0" lvl="0" indent="0" algn="l" rtl="0">
-                        <a:spcBef>
-                          <a:spcPts val="0"/>
-                        </a:spcBef>
-                        <a:spcAft>
-                          <a:spcPts val="0"/>
-                        </a:spcAft>
-                        <a:buNone/>
-                      </a:pPr>
-                      <a:r>
-                        <a:rPr lang="en-NZ" sz="1800" dirty="0"/>
-                        <a:t>Run program </a:t>
-                      </a:r>
-                      <a:endParaRPr sz="1800" dirty="0"/>
-                    </a:p>
-                  </a:txBody>
-                  <a:tcPr marL="91425" marR="91425" marT="91425" marB="91425"/>
-                </a:tc>
-                <a:tc>
-                  <a:txBody>
-                    <a:bodyPr/>
-                    <a:lstStyle/>
-                    <a:p>
-                      <a:pPr marL="0" lvl="0" indent="0" algn="l" rtl="0">
-                        <a:spcBef>
-                          <a:spcPts val="0"/>
-                        </a:spcBef>
-                        <a:spcAft>
-                          <a:spcPts val="0"/>
-                        </a:spcAft>
-                        <a:buNone/>
-                      </a:pPr>
-                      <a:r>
-                        <a:rPr lang="en-NZ" sz="1800" dirty="0"/>
-                        <a:t>Enter p program prints pickup </a:t>
-                      </a:r>
-                    </a:p>
-                    <a:p>
-                      <a:pPr marL="0" lvl="0" indent="0" algn="l" rtl="0">
-                        <a:spcBef>
-                          <a:spcPts val="0"/>
-                        </a:spcBef>
-                        <a:spcAft>
-                          <a:spcPts val="0"/>
-                        </a:spcAft>
-                        <a:buNone/>
-                      </a:pPr>
-                      <a:r>
-                        <a:rPr lang="en-NZ" sz="1800" dirty="0"/>
-                        <a:t>Enter d program prints delivery</a:t>
-                      </a:r>
-                    </a:p>
-                    <a:p>
-                      <a:pPr marL="0" lvl="0" indent="0" algn="l" rtl="0">
-                        <a:spcBef>
-                          <a:spcPts val="0"/>
-                        </a:spcBef>
-                        <a:spcAft>
-                          <a:spcPts val="0"/>
-                        </a:spcAft>
-                        <a:buNone/>
-                      </a:pPr>
-                      <a:r>
-                        <a:rPr lang="en-NZ" sz="1800" dirty="0"/>
-                        <a:t>Enter invalid prints error message</a:t>
-                      </a:r>
-                      <a:endParaRPr sz="1800" dirty="0"/>
-                    </a:p>
-                  </a:txBody>
-                  <a:tcPr marL="91425" marR="91425" marT="91425" marB="91425"/>
-                </a:tc>
-                <a:extLst>
-                  <a:ext uri="{0D108BD9-81ED-4DB2-BD59-A6C34878D82A}">
-                    <a16:rowId xmlns:a16="http://schemas.microsoft.com/office/drawing/2014/main" val="10001"/>
-                  </a:ext>
-                </a:extLst>
-              </a:tr>
-            </a:tbl>
-          </a:graphicData>
-        </a:graphic>
-      </p:graphicFrame>
-      <p:pic>
-        <p:nvPicPr>
-          <p:cNvPr id="4" name="Picture 3">
-            <a:extLst>
-              <a:ext uri="{FF2B5EF4-FFF2-40B4-BE49-F238E27FC236}">
-                <a16:creationId xmlns:a16="http://schemas.microsoft.com/office/drawing/2014/main" id="{986BEF04-0424-3DCC-E274-EACB7D2DFC56}"/>
-              </a:ext>
-            </a:extLst>
-          </p:cNvPr>
-          <p:cNvPicPr>
-            <a:picLocks noChangeAspect="1"/>
-          </p:cNvPicPr>
-          <p:nvPr/>
-        </p:nvPicPr>
-        <p:blipFill>
-          <a:blip r:embed="rId3"/>
-          <a:stretch>
-            <a:fillRect/>
-          </a:stretch>
-        </p:blipFill>
-        <p:spPr>
-          <a:xfrm>
-            <a:off x="311700" y="1376549"/>
-            <a:ext cx="1876087" cy="2158227"/>
-          </a:xfrm>
-          <a:prstGeom prst="rect">
-            <a:avLst/>
-          </a:prstGeom>
-        </p:spPr>
-      </p:pic>
-    </p:spTree>
-    <p:extLst>
-      <p:ext uri="{BB962C8B-B14F-4D97-AF65-F5344CB8AC3E}">
-        <p14:creationId xmlns:p14="http://schemas.microsoft.com/office/powerpoint/2010/main" val="864288546"/>
       </p:ext>
     </p:extLst>
   </p:cSld>

--- a/022_91893+_+91897+Documentation.pptx
+++ b/022_91893+_+91897+Documentation.pptx
@@ -5,7 +5,7 @@
     <p:sldMasterId id="2147483659" r:id="rId1"/>
   </p:sldMasterIdLst>
   <p:notesMasterIdLst>
-    <p:notesMasterId r:id="rId20"/>
+    <p:notesMasterId r:id="rId22"/>
   </p:notesMasterIdLst>
   <p:sldIdLst>
     <p:sldId id="256" r:id="rId2"/>
@@ -22,10 +22,12 @@
     <p:sldId id="270" r:id="rId13"/>
     <p:sldId id="271" r:id="rId14"/>
     <p:sldId id="274" r:id="rId15"/>
-    <p:sldId id="264" r:id="rId16"/>
-    <p:sldId id="273" r:id="rId17"/>
-    <p:sldId id="261" r:id="rId18"/>
-    <p:sldId id="262" r:id="rId19"/>
+    <p:sldId id="275" r:id="rId16"/>
+    <p:sldId id="277" r:id="rId17"/>
+    <p:sldId id="276" r:id="rId18"/>
+    <p:sldId id="273" r:id="rId19"/>
+    <p:sldId id="261" r:id="rId20"/>
+    <p:sldId id="262" r:id="rId21"/>
   </p:sldIdLst>
   <p:sldSz cx="9144000" cy="5143500" type="screen16x9"/>
   <p:notesSz cx="6858000" cy="9144000"/>
@@ -290,7 +292,7 @@
   <pc:docChgLst>
     <pc:chgData name="Luka Timmermans" userId="4364fd2f-d475-40f9-8f47-058a32a73bfe" providerId="ADAL" clId="{159DA90F-DD34-45EF-96B3-FC6778599D65}"/>
     <pc:docChg chg="undo custSel addSld delSld modSld sldOrd">
-      <pc:chgData name="Luka Timmermans" userId="4364fd2f-d475-40f9-8f47-058a32a73bfe" providerId="ADAL" clId="{159DA90F-DD34-45EF-96B3-FC6778599D65}" dt="2023-05-21T23:52:50.952" v="923"/>
+      <pc:chgData name="Luka Timmermans" userId="4364fd2f-d475-40f9-8f47-058a32a73bfe" providerId="ADAL" clId="{159DA90F-DD34-45EF-96B3-FC6778599D65}" dt="2023-05-24T01:09:01.677" v="1172" actId="20577"/>
       <pc:docMkLst>
         <pc:docMk/>
       </pc:docMkLst>
@@ -425,8 +427,8 @@
           </ac:picMkLst>
         </pc:picChg>
       </pc:sldChg>
-      <pc:sldChg chg="modSp add mod">
-        <pc:chgData name="Luka Timmermans" userId="4364fd2f-d475-40f9-8f47-058a32a73bfe" providerId="ADAL" clId="{159DA90F-DD34-45EF-96B3-FC6778599D65}" dt="2023-05-10T00:45:10.258" v="17" actId="20577"/>
+      <pc:sldChg chg="modSp add del mod">
+        <pc:chgData name="Luka Timmermans" userId="4364fd2f-d475-40f9-8f47-058a32a73bfe" providerId="ADAL" clId="{159DA90F-DD34-45EF-96B3-FC6778599D65}" dt="2023-05-24T01:04:24.732" v="963" actId="2696"/>
         <pc:sldMkLst>
           <pc:docMk/>
           <pc:sldMk cId="2399237063" sldId="264"/>
@@ -790,20 +792,28 @@
           <pc:sldMk cId="2913256815" sldId="273"/>
         </pc:sldMkLst>
       </pc:sldChg>
-      <pc:sldChg chg="delSp modSp add mod">
-        <pc:chgData name="Luka Timmermans" userId="4364fd2f-d475-40f9-8f47-058a32a73bfe" providerId="ADAL" clId="{159DA90F-DD34-45EF-96B3-FC6778599D65}" dt="2023-05-21T23:51:38.033" v="898" actId="20577"/>
+      <pc:sldChg chg="addSp delSp modSp add mod">
+        <pc:chgData name="Luka Timmermans" userId="4364fd2f-d475-40f9-8f47-058a32a73bfe" providerId="ADAL" clId="{159DA90F-DD34-45EF-96B3-FC6778599D65}" dt="2023-05-24T01:03:24.551" v="954" actId="1076"/>
         <pc:sldMkLst>
           <pc:docMk/>
           <pc:sldMk cId="3874754132" sldId="274"/>
         </pc:sldMkLst>
         <pc:spChg chg="mod">
-          <ac:chgData name="Luka Timmermans" userId="4364fd2f-d475-40f9-8f47-058a32a73bfe" providerId="ADAL" clId="{159DA90F-DD34-45EF-96B3-FC6778599D65}" dt="2023-05-21T23:51:38.033" v="898" actId="20577"/>
+          <ac:chgData name="Luka Timmermans" userId="4364fd2f-d475-40f9-8f47-058a32a73bfe" providerId="ADAL" clId="{159DA90F-DD34-45EF-96B3-FC6778599D65}" dt="2023-05-24T01:03:00.048" v="948" actId="20577"/>
           <ac:spMkLst>
             <pc:docMk/>
             <pc:sldMk cId="3874754132" sldId="274"/>
             <ac:spMk id="73" creationId="{00000000-0000-0000-0000-000000000000}"/>
           </ac:spMkLst>
         </pc:spChg>
+        <pc:picChg chg="add mod">
+          <ac:chgData name="Luka Timmermans" userId="4364fd2f-d475-40f9-8f47-058a32a73bfe" providerId="ADAL" clId="{159DA90F-DD34-45EF-96B3-FC6778599D65}" dt="2023-05-24T01:03:24.551" v="954" actId="1076"/>
+          <ac:picMkLst>
+            <pc:docMk/>
+            <pc:sldMk cId="3874754132" sldId="274"/>
+            <ac:picMk id="3" creationId="{DE49838C-7008-014A-063D-C49F4BB7C948}"/>
+          </ac:picMkLst>
+        </pc:picChg>
         <pc:picChg chg="del">
           <ac:chgData name="Luka Timmermans" userId="4364fd2f-d475-40f9-8f47-058a32a73bfe" providerId="ADAL" clId="{159DA90F-DD34-45EF-96B3-FC6778599D65}" dt="2023-05-21T23:51:28.695" v="887" actId="478"/>
           <ac:picMkLst>
@@ -812,6 +822,83 @@
             <ac:picMk id="3" creationId="{F01CB3ED-FF6B-1B4C-B49E-4E2D1769EF43}"/>
           </ac:picMkLst>
         </pc:picChg>
+      </pc:sldChg>
+      <pc:sldChg chg="addSp delSp modSp add mod ord">
+        <pc:chgData name="Luka Timmermans" userId="4364fd2f-d475-40f9-8f47-058a32a73bfe" providerId="ADAL" clId="{159DA90F-DD34-45EF-96B3-FC6778599D65}" dt="2023-05-24T01:09:01.677" v="1172" actId="20577"/>
+        <pc:sldMkLst>
+          <pc:docMk/>
+          <pc:sldMk cId="3963183945" sldId="275"/>
+        </pc:sldMkLst>
+        <pc:spChg chg="mod">
+          <ac:chgData name="Luka Timmermans" userId="4364fd2f-d475-40f9-8f47-058a32a73bfe" providerId="ADAL" clId="{159DA90F-DD34-45EF-96B3-FC6778599D65}" dt="2023-05-24T01:04:20.367" v="962" actId="20577"/>
+          <ac:spMkLst>
+            <pc:docMk/>
+            <pc:sldMk cId="3963183945" sldId="275"/>
+            <ac:spMk id="78" creationId="{00000000-0000-0000-0000-000000000000}"/>
+          </ac:spMkLst>
+        </pc:spChg>
+        <pc:graphicFrameChg chg="mod modGraphic">
+          <ac:chgData name="Luka Timmermans" userId="4364fd2f-d475-40f9-8f47-058a32a73bfe" providerId="ADAL" clId="{159DA90F-DD34-45EF-96B3-FC6778599D65}" dt="2023-05-24T01:09:01.677" v="1172" actId="20577"/>
+          <ac:graphicFrameMkLst>
+            <pc:docMk/>
+            <pc:sldMk cId="3963183945" sldId="275"/>
+            <ac:graphicFrameMk id="79" creationId="{00000000-0000-0000-0000-000000000000}"/>
+          </ac:graphicFrameMkLst>
+        </pc:graphicFrameChg>
+        <pc:picChg chg="del">
+          <ac:chgData name="Luka Timmermans" userId="4364fd2f-d475-40f9-8f47-058a32a73bfe" providerId="ADAL" clId="{159DA90F-DD34-45EF-96B3-FC6778599D65}" dt="2023-05-24T01:04:10.009" v="955" actId="478"/>
+          <ac:picMkLst>
+            <pc:docMk/>
+            <pc:sldMk cId="3963183945" sldId="275"/>
+            <ac:picMk id="3" creationId="{3CE5C339-9B58-F922-FAC5-ECC36A8C01EC}"/>
+          </ac:picMkLst>
+        </pc:picChg>
+        <pc:picChg chg="add del mod">
+          <ac:chgData name="Luka Timmermans" userId="4364fd2f-d475-40f9-8f47-058a32a73bfe" providerId="ADAL" clId="{159DA90F-DD34-45EF-96B3-FC6778599D65}" dt="2023-05-24T01:06:45.405" v="971" actId="478"/>
+          <ac:picMkLst>
+            <pc:docMk/>
+            <pc:sldMk cId="3963183945" sldId="275"/>
+            <ac:picMk id="4" creationId="{4969AFDC-0ADD-C95E-A963-B9BB816B87C5}"/>
+          </ac:picMkLst>
+        </pc:picChg>
+        <pc:picChg chg="add mod">
+          <ac:chgData name="Luka Timmermans" userId="4364fd2f-d475-40f9-8f47-058a32a73bfe" providerId="ADAL" clId="{159DA90F-DD34-45EF-96B3-FC6778599D65}" dt="2023-05-24T01:07:04.572" v="978" actId="14100"/>
+          <ac:picMkLst>
+            <pc:docMk/>
+            <pc:sldMk cId="3963183945" sldId="275"/>
+            <ac:picMk id="6" creationId="{768EB93F-ECF3-E0B0-941A-B3DBB470D527}"/>
+          </ac:picMkLst>
+        </pc:picChg>
+        <pc:picChg chg="del">
+          <ac:chgData name="Luka Timmermans" userId="4364fd2f-d475-40f9-8f47-058a32a73bfe" providerId="ADAL" clId="{159DA90F-DD34-45EF-96B3-FC6778599D65}" dt="2023-05-24T01:04:10.338" v="956" actId="478"/>
+          <ac:picMkLst>
+            <pc:docMk/>
+            <pc:sldMk cId="3963183945" sldId="275"/>
+            <ac:picMk id="7" creationId="{485BE252-F134-E2C0-E30D-638A99548A2A}"/>
+          </ac:picMkLst>
+        </pc:picChg>
+        <pc:picChg chg="add mod">
+          <ac:chgData name="Luka Timmermans" userId="4364fd2f-d475-40f9-8f47-058a32a73bfe" providerId="ADAL" clId="{159DA90F-DD34-45EF-96B3-FC6778599D65}" dt="2023-05-24T01:07:06.081" v="979" actId="1076"/>
+          <ac:picMkLst>
+            <pc:docMk/>
+            <pc:sldMk cId="3963183945" sldId="275"/>
+            <ac:picMk id="9" creationId="{139A42F3-25A8-4D1E-6FCE-23970E3549A0}"/>
+          </ac:picMkLst>
+        </pc:picChg>
+      </pc:sldChg>
+      <pc:sldChg chg="add">
+        <pc:chgData name="Luka Timmermans" userId="4364fd2f-d475-40f9-8f47-058a32a73bfe" providerId="ADAL" clId="{159DA90F-DD34-45EF-96B3-FC6778599D65}" dt="2023-05-24T01:04:27.228" v="964" actId="2890"/>
+        <pc:sldMkLst>
+          <pc:docMk/>
+          <pc:sldMk cId="1840068169" sldId="276"/>
+        </pc:sldMkLst>
+      </pc:sldChg>
+      <pc:sldChg chg="add">
+        <pc:chgData name="Luka Timmermans" userId="4364fd2f-d475-40f9-8f47-058a32a73bfe" providerId="ADAL" clId="{159DA90F-DD34-45EF-96B3-FC6778599D65}" dt="2023-05-24T01:04:29.419" v="965" actId="2890"/>
+        <pc:sldMkLst>
+          <pc:docMk/>
+          <pc:sldMk cId="4054500598" sldId="277"/>
+        </pc:sldMkLst>
       </pc:sldChg>
     </pc:docChg>
   </pc:docChgLst>
@@ -2046,7 +2133,7 @@
     </p:spTree>
     <p:extLst>
       <p:ext uri="{BB962C8B-B14F-4D97-AF65-F5344CB8AC3E}">
-        <p14:creationId xmlns:p14="http://schemas.microsoft.com/office/powerpoint/2010/main" val="3784718878"/>
+        <p14:creationId xmlns:p14="http://schemas.microsoft.com/office/powerpoint/2010/main" val="1778559461"/>
       </p:ext>
     </p:extLst>
   </p:cSld>
@@ -2057,6 +2144,224 @@
 </file>
 
 <file path=ppt/notesSlides/notesSlide16.xml><?xml version="1.0" encoding="utf-8"?>
+<p:notes xmlns:a="http://schemas.openxmlformats.org/drawingml/2006/main" xmlns:r="http://schemas.openxmlformats.org/officeDocument/2006/relationships" xmlns:p="http://schemas.openxmlformats.org/presentationml/2006/main" showMasterSp="0" showMasterPhAnim="0">
+  <p:cSld>
+    <p:spTree>
+      <p:nvGrpSpPr>
+        <p:cNvPr id="1" name="Shape 74"/>
+        <p:cNvGrpSpPr/>
+        <p:nvPr/>
+      </p:nvGrpSpPr>
+      <p:grpSpPr>
+        <a:xfrm>
+          <a:off x="0" y="0"/>
+          <a:ext cx="0" cy="0"/>
+          <a:chOff x="0" y="0"/>
+          <a:chExt cx="0" cy="0"/>
+        </a:xfrm>
+      </p:grpSpPr>
+      <p:sp>
+        <p:nvSpPr>
+          <p:cNvPr id="75" name="Google Shape;75;gac10fef634_0_20:notes"/>
+          <p:cNvSpPr>
+            <a:spLocks noGrp="1" noRot="1" noChangeAspect="1"/>
+          </p:cNvSpPr>
+          <p:nvPr>
+            <p:ph type="sldImg" idx="2"/>
+          </p:nvPr>
+        </p:nvSpPr>
+        <p:spPr>
+          <a:xfrm>
+            <a:off x="381000" y="685800"/>
+            <a:ext cx="6096000" cy="3429000"/>
+          </a:xfrm>
+          <a:custGeom>
+            <a:avLst/>
+            <a:gdLst/>
+            <a:ahLst/>
+            <a:cxnLst/>
+            <a:rect l="l" t="t" r="r" b="b"/>
+            <a:pathLst>
+              <a:path w="120000" h="120000" extrusionOk="0">
+                <a:moveTo>
+                  <a:pt x="0" y="0"/>
+                </a:moveTo>
+                <a:lnTo>
+                  <a:pt x="120000" y="0"/>
+                </a:lnTo>
+                <a:lnTo>
+                  <a:pt x="120000" y="120000"/>
+                </a:lnTo>
+                <a:lnTo>
+                  <a:pt x="0" y="120000"/>
+                </a:lnTo>
+                <a:close/>
+              </a:path>
+            </a:pathLst>
+          </a:custGeom>
+        </p:spPr>
+      </p:sp>
+      <p:sp>
+        <p:nvSpPr>
+          <p:cNvPr id="76" name="Google Shape;76;gac10fef634_0_20:notes"/>
+          <p:cNvSpPr txBox="1">
+            <a:spLocks noGrp="1"/>
+          </p:cNvSpPr>
+          <p:nvPr>
+            <p:ph type="body" idx="1"/>
+          </p:nvPr>
+        </p:nvSpPr>
+        <p:spPr>
+          <a:xfrm>
+            <a:off x="685800" y="4343400"/>
+            <a:ext cx="5486400" cy="4114800"/>
+          </a:xfrm>
+          <a:prstGeom prst="rect">
+            <a:avLst/>
+          </a:prstGeom>
+        </p:spPr>
+        <p:txBody>
+          <a:bodyPr spcFirstLastPara="1" wrap="square" lIns="91425" tIns="91425" rIns="91425" bIns="91425" anchor="t" anchorCtr="0">
+            <a:noAutofit/>
+          </a:bodyPr>
+          <a:lstStyle/>
+          <a:p>
+            <a:pPr marL="0" lvl="0" indent="0" algn="l" rtl="0">
+              <a:spcBef>
+                <a:spcPts val="0"/>
+              </a:spcBef>
+              <a:spcAft>
+                <a:spcPts val="0"/>
+              </a:spcAft>
+              <a:buNone/>
+            </a:pPr>
+            <a:endParaRPr/>
+          </a:p>
+        </p:txBody>
+      </p:sp>
+    </p:spTree>
+    <p:extLst>
+      <p:ext uri="{BB962C8B-B14F-4D97-AF65-F5344CB8AC3E}">
+        <p14:creationId xmlns:p14="http://schemas.microsoft.com/office/powerpoint/2010/main" val="671829167"/>
+      </p:ext>
+    </p:extLst>
+  </p:cSld>
+  <p:clrMapOvr>
+    <a:masterClrMapping/>
+  </p:clrMapOvr>
+</p:notes>
+</file>
+
+<file path=ppt/notesSlides/notesSlide17.xml><?xml version="1.0" encoding="utf-8"?>
+<p:notes xmlns:a="http://schemas.openxmlformats.org/drawingml/2006/main" xmlns:r="http://schemas.openxmlformats.org/officeDocument/2006/relationships" xmlns:p="http://schemas.openxmlformats.org/presentationml/2006/main" showMasterSp="0" showMasterPhAnim="0">
+  <p:cSld>
+    <p:spTree>
+      <p:nvGrpSpPr>
+        <p:cNvPr id="1" name="Shape 74"/>
+        <p:cNvGrpSpPr/>
+        <p:nvPr/>
+      </p:nvGrpSpPr>
+      <p:grpSpPr>
+        <a:xfrm>
+          <a:off x="0" y="0"/>
+          <a:ext cx="0" cy="0"/>
+          <a:chOff x="0" y="0"/>
+          <a:chExt cx="0" cy="0"/>
+        </a:xfrm>
+      </p:grpSpPr>
+      <p:sp>
+        <p:nvSpPr>
+          <p:cNvPr id="75" name="Google Shape;75;gac10fef634_0_20:notes"/>
+          <p:cNvSpPr>
+            <a:spLocks noGrp="1" noRot="1" noChangeAspect="1"/>
+          </p:cNvSpPr>
+          <p:nvPr>
+            <p:ph type="sldImg" idx="2"/>
+          </p:nvPr>
+        </p:nvSpPr>
+        <p:spPr>
+          <a:xfrm>
+            <a:off x="381000" y="685800"/>
+            <a:ext cx="6096000" cy="3429000"/>
+          </a:xfrm>
+          <a:custGeom>
+            <a:avLst/>
+            <a:gdLst/>
+            <a:ahLst/>
+            <a:cxnLst/>
+            <a:rect l="l" t="t" r="r" b="b"/>
+            <a:pathLst>
+              <a:path w="120000" h="120000" extrusionOk="0">
+                <a:moveTo>
+                  <a:pt x="0" y="0"/>
+                </a:moveTo>
+                <a:lnTo>
+                  <a:pt x="120000" y="0"/>
+                </a:lnTo>
+                <a:lnTo>
+                  <a:pt x="120000" y="120000"/>
+                </a:lnTo>
+                <a:lnTo>
+                  <a:pt x="0" y="120000"/>
+                </a:lnTo>
+                <a:close/>
+              </a:path>
+            </a:pathLst>
+          </a:custGeom>
+        </p:spPr>
+      </p:sp>
+      <p:sp>
+        <p:nvSpPr>
+          <p:cNvPr id="76" name="Google Shape;76;gac10fef634_0_20:notes"/>
+          <p:cNvSpPr txBox="1">
+            <a:spLocks noGrp="1"/>
+          </p:cNvSpPr>
+          <p:nvPr>
+            <p:ph type="body" idx="1"/>
+          </p:nvPr>
+        </p:nvSpPr>
+        <p:spPr>
+          <a:xfrm>
+            <a:off x="685800" y="4343400"/>
+            <a:ext cx="5486400" cy="4114800"/>
+          </a:xfrm>
+          <a:prstGeom prst="rect">
+            <a:avLst/>
+          </a:prstGeom>
+        </p:spPr>
+        <p:txBody>
+          <a:bodyPr spcFirstLastPara="1" wrap="square" lIns="91425" tIns="91425" rIns="91425" bIns="91425" anchor="t" anchorCtr="0">
+            <a:noAutofit/>
+          </a:bodyPr>
+          <a:lstStyle/>
+          <a:p>
+            <a:pPr marL="0" lvl="0" indent="0" algn="l" rtl="0">
+              <a:spcBef>
+                <a:spcPts val="0"/>
+              </a:spcBef>
+              <a:spcAft>
+                <a:spcPts val="0"/>
+              </a:spcAft>
+              <a:buNone/>
+            </a:pPr>
+            <a:endParaRPr/>
+          </a:p>
+        </p:txBody>
+      </p:sp>
+    </p:spTree>
+    <p:extLst>
+      <p:ext uri="{BB962C8B-B14F-4D97-AF65-F5344CB8AC3E}">
+        <p14:creationId xmlns:p14="http://schemas.microsoft.com/office/powerpoint/2010/main" val="442839784"/>
+      </p:ext>
+    </p:extLst>
+  </p:cSld>
+  <p:clrMapOvr>
+    <a:masterClrMapping/>
+  </p:clrMapOvr>
+</p:notes>
+</file>
+
+<file path=ppt/notesSlides/notesSlide18.xml><?xml version="1.0" encoding="utf-8"?>
 <p:notes xmlns:a="http://schemas.openxmlformats.org/drawingml/2006/main" xmlns:r="http://schemas.openxmlformats.org/officeDocument/2006/relationships" xmlns:p="http://schemas.openxmlformats.org/presentationml/2006/main" showMasterSp="0" showMasterPhAnim="0">
   <p:cSld>
     <p:spTree>
@@ -2165,7 +2470,7 @@
 </p:notes>
 </file>
 
-<file path=ppt/notesSlides/notesSlide17.xml><?xml version="1.0" encoding="utf-8"?>
+<file path=ppt/notesSlides/notesSlide19.xml><?xml version="1.0" encoding="utf-8"?>
 <p:notes xmlns:a="http://schemas.openxmlformats.org/drawingml/2006/main" xmlns:r="http://schemas.openxmlformats.org/officeDocument/2006/relationships" xmlns:p="http://schemas.openxmlformats.org/presentationml/2006/main" showMasterSp="0" showMasterPhAnim="0">
   <p:cSld>
     <p:spTree>
@@ -2278,114 +2583,6 @@
               </a:spcAft>
               <a:buNone/>
             </a:pPr>
-            <a:endParaRPr/>
-          </a:p>
-        </p:txBody>
-      </p:sp>
-    </p:spTree>
-  </p:cSld>
-  <p:clrMapOvr>
-    <a:masterClrMapping/>
-  </p:clrMapOvr>
-</p:notes>
-</file>
-
-<file path=ppt/notesSlides/notesSlide18.xml><?xml version="1.0" encoding="utf-8"?>
-<p:notes xmlns:a="http://schemas.openxmlformats.org/drawingml/2006/main" xmlns:r="http://schemas.openxmlformats.org/officeDocument/2006/relationships" xmlns:p="http://schemas.openxmlformats.org/presentationml/2006/main" showMasterSp="0" showMasterPhAnim="0">
-  <p:cSld>
-    <p:spTree>
-      <p:nvGrpSpPr>
-        <p:cNvPr id="1" name="Shape 86"/>
-        <p:cNvGrpSpPr/>
-        <p:nvPr/>
-      </p:nvGrpSpPr>
-      <p:grpSpPr>
-        <a:xfrm>
-          <a:off x="0" y="0"/>
-          <a:ext cx="0" cy="0"/>
-          <a:chOff x="0" y="0"/>
-          <a:chExt cx="0" cy="0"/>
-        </a:xfrm>
-      </p:grpSpPr>
-      <p:sp>
-        <p:nvSpPr>
-          <p:cNvPr id="87" name="Google Shape;87;gac10fef634_0_30:notes"/>
-          <p:cNvSpPr>
-            <a:spLocks noGrp="1" noRot="1" noChangeAspect="1"/>
-          </p:cNvSpPr>
-          <p:nvPr>
-            <p:ph type="sldImg" idx="2"/>
-          </p:nvPr>
-        </p:nvSpPr>
-        <p:spPr>
-          <a:xfrm>
-            <a:off x="381000" y="685800"/>
-            <a:ext cx="6096000" cy="3429000"/>
-          </a:xfrm>
-          <a:custGeom>
-            <a:avLst/>
-            <a:gdLst/>
-            <a:ahLst/>
-            <a:cxnLst/>
-            <a:rect l="l" t="t" r="r" b="b"/>
-            <a:pathLst>
-              <a:path w="120000" h="120000" extrusionOk="0">
-                <a:moveTo>
-                  <a:pt x="0" y="0"/>
-                </a:moveTo>
-                <a:lnTo>
-                  <a:pt x="120000" y="0"/>
-                </a:lnTo>
-                <a:lnTo>
-                  <a:pt x="120000" y="120000"/>
-                </a:lnTo>
-                <a:lnTo>
-                  <a:pt x="0" y="120000"/>
-                </a:lnTo>
-                <a:close/>
-              </a:path>
-            </a:pathLst>
-          </a:custGeom>
-        </p:spPr>
-      </p:sp>
-      <p:sp>
-        <p:nvSpPr>
-          <p:cNvPr id="88" name="Google Shape;88;gac10fef634_0_30:notes"/>
-          <p:cNvSpPr txBox="1">
-            <a:spLocks noGrp="1"/>
-          </p:cNvSpPr>
-          <p:nvPr>
-            <p:ph type="body" idx="1"/>
-          </p:nvPr>
-        </p:nvSpPr>
-        <p:spPr>
-          <a:xfrm>
-            <a:off x="685800" y="4343400"/>
-            <a:ext cx="5486400" cy="4114800"/>
-          </a:xfrm>
-          <a:prstGeom prst="rect">
-            <a:avLst/>
-          </a:prstGeom>
-        </p:spPr>
-        <p:txBody>
-          <a:bodyPr spcFirstLastPara="1" wrap="square" lIns="91425" tIns="91425" rIns="91425" bIns="91425" anchor="t" anchorCtr="0">
-            <a:noAutofit/>
-          </a:bodyPr>
-          <a:lstStyle/>
-          <a:p>
-            <a:pPr marL="0" lvl="0" indent="0" algn="l" rtl="0">
-              <a:spcBef>
-                <a:spcPts val="0"/>
-              </a:spcBef>
-              <a:spcAft>
-                <a:spcPts val="0"/>
-              </a:spcAft>
-              <a:buNone/>
-            </a:pPr>
-            <a:r>
-              <a:rPr lang="en"/>
-              <a:t>Discusses how the information from planning, testing and trialling of components assisted in the development of a high-quality outcome</a:t>
-            </a:r>
             <a:endParaRPr/>
           </a:p>
         </p:txBody>
@@ -2493,6 +2690,114 @@
             <a:r>
               <a:rPr lang="en"/>
               <a:t>Explain the relevant implications here.  Then as you work, develop your code, discuss how the implications are being met.</a:t>
+            </a:r>
+            <a:endParaRPr/>
+          </a:p>
+        </p:txBody>
+      </p:sp>
+    </p:spTree>
+  </p:cSld>
+  <p:clrMapOvr>
+    <a:masterClrMapping/>
+  </p:clrMapOvr>
+</p:notes>
+</file>
+
+<file path=ppt/notesSlides/notesSlide20.xml><?xml version="1.0" encoding="utf-8"?>
+<p:notes xmlns:a="http://schemas.openxmlformats.org/drawingml/2006/main" xmlns:r="http://schemas.openxmlformats.org/officeDocument/2006/relationships" xmlns:p="http://schemas.openxmlformats.org/presentationml/2006/main" showMasterSp="0" showMasterPhAnim="0">
+  <p:cSld>
+    <p:spTree>
+      <p:nvGrpSpPr>
+        <p:cNvPr id="1" name="Shape 86"/>
+        <p:cNvGrpSpPr/>
+        <p:nvPr/>
+      </p:nvGrpSpPr>
+      <p:grpSpPr>
+        <a:xfrm>
+          <a:off x="0" y="0"/>
+          <a:ext cx="0" cy="0"/>
+          <a:chOff x="0" y="0"/>
+          <a:chExt cx="0" cy="0"/>
+        </a:xfrm>
+      </p:grpSpPr>
+      <p:sp>
+        <p:nvSpPr>
+          <p:cNvPr id="87" name="Google Shape;87;gac10fef634_0_30:notes"/>
+          <p:cNvSpPr>
+            <a:spLocks noGrp="1" noRot="1" noChangeAspect="1"/>
+          </p:cNvSpPr>
+          <p:nvPr>
+            <p:ph type="sldImg" idx="2"/>
+          </p:nvPr>
+        </p:nvSpPr>
+        <p:spPr>
+          <a:xfrm>
+            <a:off x="381000" y="685800"/>
+            <a:ext cx="6096000" cy="3429000"/>
+          </a:xfrm>
+          <a:custGeom>
+            <a:avLst/>
+            <a:gdLst/>
+            <a:ahLst/>
+            <a:cxnLst/>
+            <a:rect l="l" t="t" r="r" b="b"/>
+            <a:pathLst>
+              <a:path w="120000" h="120000" extrusionOk="0">
+                <a:moveTo>
+                  <a:pt x="0" y="0"/>
+                </a:moveTo>
+                <a:lnTo>
+                  <a:pt x="120000" y="0"/>
+                </a:lnTo>
+                <a:lnTo>
+                  <a:pt x="120000" y="120000"/>
+                </a:lnTo>
+                <a:lnTo>
+                  <a:pt x="0" y="120000"/>
+                </a:lnTo>
+                <a:close/>
+              </a:path>
+            </a:pathLst>
+          </a:custGeom>
+        </p:spPr>
+      </p:sp>
+      <p:sp>
+        <p:nvSpPr>
+          <p:cNvPr id="88" name="Google Shape;88;gac10fef634_0_30:notes"/>
+          <p:cNvSpPr txBox="1">
+            <a:spLocks noGrp="1"/>
+          </p:cNvSpPr>
+          <p:nvPr>
+            <p:ph type="body" idx="1"/>
+          </p:nvPr>
+        </p:nvSpPr>
+        <p:spPr>
+          <a:xfrm>
+            <a:off x="685800" y="4343400"/>
+            <a:ext cx="5486400" cy="4114800"/>
+          </a:xfrm>
+          <a:prstGeom prst="rect">
+            <a:avLst/>
+          </a:prstGeom>
+        </p:spPr>
+        <p:txBody>
+          <a:bodyPr spcFirstLastPara="1" wrap="square" lIns="91425" tIns="91425" rIns="91425" bIns="91425" anchor="t" anchorCtr="0">
+            <a:noAutofit/>
+          </a:bodyPr>
+          <a:lstStyle/>
+          <a:p>
+            <a:pPr marL="0" lvl="0" indent="0" algn="l" rtl="0">
+              <a:spcBef>
+                <a:spcPts val="0"/>
+              </a:spcBef>
+              <a:spcAft>
+                <a:spcPts val="0"/>
+              </a:spcAft>
+              <a:buNone/>
+            </a:pPr>
+            <a:r>
+              <a:rPr lang="en"/>
+              <a:t>Discusses how the information from planning, testing and trialling of components assisted in the development of a high-quality outcome</a:t>
             </a:r>
             <a:endParaRPr/>
           </a:p>
@@ -9646,12 +9951,42 @@
             </a:pPr>
             <a:r>
               <a:rPr lang="en" dirty="0"/>
-              <a:t>Component 2 Version 2(Trello screenshot)</a:t>
+              <a:t>Component 3 Pick up Version 1(Trello screenshot)</a:t>
             </a:r>
             <a:endParaRPr dirty="0"/>
           </a:p>
         </p:txBody>
       </p:sp>
+      <p:pic>
+        <p:nvPicPr>
+          <p:cNvPr id="3" name="Picture 2">
+            <a:extLst>
+              <a:ext uri="{FF2B5EF4-FFF2-40B4-BE49-F238E27FC236}">
+                <a16:creationId xmlns:a16="http://schemas.microsoft.com/office/drawing/2014/main" id="{DE49838C-7008-014A-063D-C49F4BB7C948}"/>
+              </a:ext>
+            </a:extLst>
+          </p:cNvPr>
+          <p:cNvPicPr>
+            <a:picLocks noChangeAspect="1"/>
+          </p:cNvPicPr>
+          <p:nvPr/>
+        </p:nvPicPr>
+        <p:blipFill>
+          <a:blip r:embed="rId3"/>
+          <a:stretch>
+            <a:fillRect/>
+          </a:stretch>
+        </p:blipFill>
+        <p:spPr>
+          <a:xfrm>
+            <a:off x="-3130" y="1017725"/>
+            <a:ext cx="9147130" cy="3467995"/>
+          </a:xfrm>
+          <a:prstGeom prst="rect">
+            <a:avLst/>
+          </a:prstGeom>
+        </p:spPr>
+      </p:pic>
     </p:spTree>
     <p:extLst>
       <p:ext uri="{BB962C8B-B14F-4D97-AF65-F5344CB8AC3E}">
@@ -9694,7 +10029,7 @@
         </p:nvSpPr>
         <p:spPr>
           <a:xfrm>
-            <a:off x="311700" y="445025"/>
+            <a:off x="311700" y="0"/>
             <a:ext cx="8520600" cy="572700"/>
           </a:xfrm>
           <a:prstGeom prst="rect">
@@ -9718,7 +10053,360 @@
             </a:pPr>
             <a:r>
               <a:rPr lang="en" dirty="0"/>
-              <a:t>Component 2 - Test Plan (?and screenshot)</a:t>
+              <a:t>Component 3 version 1 - Test Plan (?and screenshot)</a:t>
+            </a:r>
+            <a:endParaRPr dirty="0"/>
+          </a:p>
+        </p:txBody>
+      </p:sp>
+      <p:graphicFrame>
+        <p:nvGraphicFramePr>
+          <p:cNvPr id="79" name="Google Shape;79;p17"/>
+          <p:cNvGraphicFramePr/>
+          <p:nvPr>
+            <p:extLst>
+              <p:ext uri="{D42A27DB-BD31-4B8C-83A1-F6EECF244321}">
+                <p14:modId xmlns:p14="http://schemas.microsoft.com/office/powerpoint/2010/main" val="1530916206"/>
+              </p:ext>
+            </p:extLst>
+          </p:nvPr>
+        </p:nvGraphicFramePr>
+        <p:xfrm>
+          <a:off x="311700" y="3770827"/>
+          <a:ext cx="8520600" cy="1280100"/>
+        </p:xfrm>
+        <a:graphic>
+          <a:graphicData uri="http://schemas.openxmlformats.org/drawingml/2006/table">
+            <a:tbl>
+              <a:tblPr>
+                <a:noFill/>
+                <a:tableStyleId>{E1099E06-0E6B-448D-9D27-60429F06E6F4}</a:tableStyleId>
+              </a:tblPr>
+              <a:tblGrid>
+                <a:gridCol w="4260300">
+                  <a:extLst>
+                    <a:ext uri="{9D8B030D-6E8A-4147-A177-3AD203B41FA5}">
+                      <a16:colId xmlns:a16="http://schemas.microsoft.com/office/drawing/2014/main" val="20000"/>
+                    </a:ext>
+                  </a:extLst>
+                </a:gridCol>
+                <a:gridCol w="4260300">
+                  <a:extLst>
+                    <a:ext uri="{9D8B030D-6E8A-4147-A177-3AD203B41FA5}">
+                      <a16:colId xmlns:a16="http://schemas.microsoft.com/office/drawing/2014/main" val="20001"/>
+                    </a:ext>
+                  </a:extLst>
+                </a:gridCol>
+              </a:tblGrid>
+              <a:tr h="381000">
+                <a:tc>
+                  <a:txBody>
+                    <a:bodyPr/>
+                    <a:lstStyle/>
+                    <a:p>
+                      <a:pPr marL="0" lvl="0" indent="0" algn="l" rtl="0">
+                        <a:spcBef>
+                          <a:spcPts val="0"/>
+                        </a:spcBef>
+                        <a:spcAft>
+                          <a:spcPts val="0"/>
+                        </a:spcAft>
+                        <a:buNone/>
+                      </a:pPr>
+                      <a:r>
+                        <a:rPr lang="en" sz="1800" b="1" dirty="0"/>
+                        <a:t>Test Case</a:t>
+                      </a:r>
+                      <a:endParaRPr sz="1800" b="1" dirty="0"/>
+                    </a:p>
+                  </a:txBody>
+                  <a:tcPr marL="91425" marR="91425" marT="91425" marB="91425">
+                    <a:solidFill>
+                      <a:srgbClr val="CCCCCC"/>
+                    </a:solidFill>
+                  </a:tcPr>
+                </a:tc>
+                <a:tc>
+                  <a:txBody>
+                    <a:bodyPr/>
+                    <a:lstStyle/>
+                    <a:p>
+                      <a:pPr marL="0" lvl="0" indent="0" algn="l" rtl="0">
+                        <a:spcBef>
+                          <a:spcPts val="0"/>
+                        </a:spcBef>
+                        <a:spcAft>
+                          <a:spcPts val="0"/>
+                        </a:spcAft>
+                        <a:buNone/>
+                      </a:pPr>
+                      <a:r>
+                        <a:rPr lang="en" sz="1800" b="1"/>
+                        <a:t>Expected Values</a:t>
+                      </a:r>
+                      <a:endParaRPr sz="1800" b="1"/>
+                    </a:p>
+                  </a:txBody>
+                  <a:tcPr marL="91425" marR="91425" marT="91425" marB="91425">
+                    <a:solidFill>
+                      <a:srgbClr val="CCCCCC"/>
+                    </a:solidFill>
+                  </a:tcPr>
+                </a:tc>
+                <a:extLst>
+                  <a:ext uri="{0D108BD9-81ED-4DB2-BD59-A6C34878D82A}">
+                    <a16:rowId xmlns:a16="http://schemas.microsoft.com/office/drawing/2014/main" val="10000"/>
+                  </a:ext>
+                </a:extLst>
+              </a:tr>
+              <a:tr h="286382">
+                <a:tc>
+                  <a:txBody>
+                    <a:bodyPr/>
+                    <a:lstStyle/>
+                    <a:p>
+                      <a:pPr marL="0" lvl="0" indent="0" algn="l" rtl="0">
+                        <a:spcBef>
+                          <a:spcPts val="0"/>
+                        </a:spcBef>
+                        <a:spcAft>
+                          <a:spcPts val="0"/>
+                        </a:spcAft>
+                        <a:buNone/>
+                      </a:pPr>
+                      <a:r>
+                        <a:rPr lang="en-NZ" sz="1400" dirty="0"/>
+                        <a:t>Input name</a:t>
+                      </a:r>
+                    </a:p>
+                    <a:p>
+                      <a:pPr marL="0" lvl="0" indent="0" algn="l" rtl="0">
+                        <a:spcBef>
+                          <a:spcPts val="0"/>
+                        </a:spcBef>
+                        <a:spcAft>
+                          <a:spcPts val="0"/>
+                        </a:spcAft>
+                        <a:buNone/>
+                      </a:pPr>
+                      <a:r>
+                        <a:rPr lang="en-NZ" sz="1400" dirty="0"/>
+                        <a:t>Input phone number </a:t>
+                      </a:r>
+                    </a:p>
+                    <a:p>
+                      <a:pPr marL="0" lvl="0" indent="0" algn="l" rtl="0">
+                        <a:spcBef>
+                          <a:spcPts val="0"/>
+                        </a:spcBef>
+                        <a:spcAft>
+                          <a:spcPts val="0"/>
+                        </a:spcAft>
+                        <a:buNone/>
+                      </a:pPr>
+                      <a:r>
+                        <a:rPr lang="en-NZ" sz="1400" dirty="0"/>
+                        <a:t>Left input blank</a:t>
+                      </a:r>
+                      <a:endParaRPr sz="1400" dirty="0"/>
+                    </a:p>
+                  </a:txBody>
+                  <a:tcPr marL="91425" marR="91425" marT="91425" marB="91425"/>
+                </a:tc>
+                <a:tc>
+                  <a:txBody>
+                    <a:bodyPr/>
+                    <a:lstStyle/>
+                    <a:p>
+                      <a:pPr marL="0" lvl="0" indent="0" algn="l" rtl="0">
+                        <a:spcBef>
+                          <a:spcPts val="0"/>
+                        </a:spcBef>
+                        <a:spcAft>
+                          <a:spcPts val="0"/>
+                        </a:spcAft>
+                        <a:buNone/>
+                      </a:pPr>
+                      <a:r>
+                        <a:rPr lang="en-NZ" sz="1400" dirty="0"/>
+                        <a:t>Printed name correctly</a:t>
+                      </a:r>
+                    </a:p>
+                    <a:p>
+                      <a:pPr marL="0" lvl="0" indent="0" algn="l" rtl="0">
+                        <a:spcBef>
+                          <a:spcPts val="0"/>
+                        </a:spcBef>
+                        <a:spcAft>
+                          <a:spcPts val="0"/>
+                        </a:spcAft>
+                        <a:buNone/>
+                      </a:pPr>
+                      <a:r>
+                        <a:rPr lang="en-NZ" sz="1400" dirty="0"/>
+                        <a:t>Printed phone number correctly</a:t>
+                      </a:r>
+                    </a:p>
+                    <a:p>
+                      <a:pPr marL="0" lvl="0" indent="0" algn="l" rtl="0">
+                        <a:spcBef>
+                          <a:spcPts val="0"/>
+                        </a:spcBef>
+                        <a:spcAft>
+                          <a:spcPts val="0"/>
+                        </a:spcAft>
+                        <a:buNone/>
+                      </a:pPr>
+                      <a:r>
+                        <a:rPr lang="en-NZ" sz="1400" dirty="0"/>
+                        <a:t>Accepted blank and printed </a:t>
+                      </a:r>
+                      <a:r>
+                        <a:rPr lang="en-NZ" sz="1400"/>
+                        <a:t>blank input</a:t>
+                      </a:r>
+                      <a:endParaRPr sz="1400" dirty="0"/>
+                    </a:p>
+                  </a:txBody>
+                  <a:tcPr marL="91425" marR="91425" marT="91425" marB="91425"/>
+                </a:tc>
+                <a:extLst>
+                  <a:ext uri="{0D108BD9-81ED-4DB2-BD59-A6C34878D82A}">
+                    <a16:rowId xmlns:a16="http://schemas.microsoft.com/office/drawing/2014/main" val="10001"/>
+                  </a:ext>
+                </a:extLst>
+              </a:tr>
+            </a:tbl>
+          </a:graphicData>
+        </a:graphic>
+      </p:graphicFrame>
+      <p:pic>
+        <p:nvPicPr>
+          <p:cNvPr id="6" name="Picture 5">
+            <a:extLst>
+              <a:ext uri="{FF2B5EF4-FFF2-40B4-BE49-F238E27FC236}">
+                <a16:creationId xmlns:a16="http://schemas.microsoft.com/office/drawing/2014/main" id="{768EB93F-ECF3-E0B0-941A-B3DBB470D527}"/>
+              </a:ext>
+            </a:extLst>
+          </p:cNvPr>
+          <p:cNvPicPr>
+            <a:picLocks noChangeAspect="1"/>
+          </p:cNvPicPr>
+          <p:nvPr/>
+        </p:nvPicPr>
+        <p:blipFill>
+          <a:blip r:embed="rId3"/>
+          <a:stretch>
+            <a:fillRect/>
+          </a:stretch>
+        </p:blipFill>
+        <p:spPr>
+          <a:xfrm>
+            <a:off x="555422" y="1189756"/>
+            <a:ext cx="4294286" cy="2336461"/>
+          </a:xfrm>
+          <a:prstGeom prst="rect">
+            <a:avLst/>
+          </a:prstGeom>
+        </p:spPr>
+      </p:pic>
+      <p:pic>
+        <p:nvPicPr>
+          <p:cNvPr id="9" name="Picture 8">
+            <a:extLst>
+              <a:ext uri="{FF2B5EF4-FFF2-40B4-BE49-F238E27FC236}">
+                <a16:creationId xmlns:a16="http://schemas.microsoft.com/office/drawing/2014/main" id="{139A42F3-25A8-4D1E-6FCE-23970E3549A0}"/>
+              </a:ext>
+            </a:extLst>
+          </p:cNvPr>
+          <p:cNvPicPr>
+            <a:picLocks noChangeAspect="1"/>
+          </p:cNvPicPr>
+          <p:nvPr/>
+        </p:nvPicPr>
+        <p:blipFill>
+          <a:blip r:embed="rId4"/>
+          <a:stretch>
+            <a:fillRect/>
+          </a:stretch>
+        </p:blipFill>
+        <p:spPr>
+          <a:xfrm>
+            <a:off x="4090274" y="1429352"/>
+            <a:ext cx="5053726" cy="1085364"/>
+          </a:xfrm>
+          <a:prstGeom prst="rect">
+            <a:avLst/>
+          </a:prstGeom>
+        </p:spPr>
+      </p:pic>
+    </p:spTree>
+    <p:extLst>
+      <p:ext uri="{BB962C8B-B14F-4D97-AF65-F5344CB8AC3E}">
+        <p14:creationId xmlns:p14="http://schemas.microsoft.com/office/powerpoint/2010/main" val="3963183945"/>
+      </p:ext>
+    </p:extLst>
+  </p:cSld>
+  <p:clrMapOvr>
+    <a:masterClrMapping/>
+  </p:clrMapOvr>
+</p:sld>
+</file>
+
+<file path=ppt/slides/slide16.xml><?xml version="1.0" encoding="utf-8"?>
+<p:sld xmlns:a="http://schemas.openxmlformats.org/drawingml/2006/main" xmlns:r="http://schemas.openxmlformats.org/officeDocument/2006/relationships" xmlns:p="http://schemas.openxmlformats.org/presentationml/2006/main">
+  <p:cSld>
+    <p:spTree>
+      <p:nvGrpSpPr>
+        <p:cNvPr id="1" name="Shape 77"/>
+        <p:cNvGrpSpPr/>
+        <p:nvPr/>
+      </p:nvGrpSpPr>
+      <p:grpSpPr>
+        <a:xfrm>
+          <a:off x="0" y="0"/>
+          <a:ext cx="0" cy="0"/>
+          <a:chOff x="0" y="0"/>
+          <a:chExt cx="0" cy="0"/>
+        </a:xfrm>
+      </p:grpSpPr>
+      <p:sp>
+        <p:nvSpPr>
+          <p:cNvPr id="78" name="Google Shape;78;p17"/>
+          <p:cNvSpPr txBox="1">
+            <a:spLocks noGrp="1"/>
+          </p:cNvSpPr>
+          <p:nvPr>
+            <p:ph type="title"/>
+          </p:nvPr>
+        </p:nvSpPr>
+        <p:spPr>
+          <a:xfrm>
+            <a:off x="311700" y="0"/>
+            <a:ext cx="8520600" cy="572700"/>
+          </a:xfrm>
+          <a:prstGeom prst="rect">
+            <a:avLst/>
+          </a:prstGeom>
+        </p:spPr>
+        <p:txBody>
+          <a:bodyPr spcFirstLastPara="1" wrap="square" lIns="91425" tIns="91425" rIns="91425" bIns="91425" anchor="t" anchorCtr="0">
+            <a:noAutofit/>
+          </a:bodyPr>
+          <a:lstStyle/>
+          <a:p>
+            <a:pPr marL="0" lvl="0" indent="0" algn="l" rtl="0">
+              <a:spcBef>
+                <a:spcPts val="0"/>
+              </a:spcBef>
+              <a:spcAft>
+                <a:spcPts val="0"/>
+              </a:spcAft>
+              <a:buNone/>
+            </a:pPr>
+            <a:r>
+              <a:rPr lang="en" dirty="0"/>
+              <a:t>Component 3 version 1 - Test Plan (?and screenshot)</a:t>
             </a:r>
             <a:endParaRPr dirty="0"/>
           </a:p>
@@ -9731,7 +10419,7 @@
           <p:nvPr/>
         </p:nvGraphicFramePr>
         <p:xfrm>
-          <a:off x="382475" y="1267725"/>
+          <a:off x="311700" y="3201728"/>
           <a:ext cx="8520600" cy="914340"/>
         </p:xfrm>
         <a:graphic>
@@ -9773,10 +10461,10 @@
                         <a:buNone/>
                       </a:pPr>
                       <a:r>
-                        <a:rPr lang="en" sz="1800" b="1"/>
+                        <a:rPr lang="en" sz="1800" b="1" dirty="0"/>
                         <a:t>Test Case</a:t>
                       </a:r>
-                      <a:endParaRPr sz="1800" b="1"/>
+                      <a:endParaRPr sz="1800" b="1" dirty="0"/>
                     </a:p>
                   </a:txBody>
                   <a:tcPr marL="91425" marR="91425" marT="91425" marB="91425">
@@ -9818,7 +10506,7 @@
                   </a:ext>
                 </a:extLst>
               </a:tr>
-              <a:tr h="396200">
+              <a:tr h="286382">
                 <a:tc>
                   <a:txBody>
                     <a:bodyPr/>
@@ -9833,7 +10521,7 @@
                         </a:spcAft>
                         <a:buNone/>
                       </a:pPr>
-                      <a:endParaRPr sz="1800"/>
+                      <a:endParaRPr sz="1800" dirty="0"/>
                     </a:p>
                   </a:txBody>
                   <a:tcPr marL="91425" marR="91425" marT="91425" marB="91425"/>
@@ -9852,7 +10540,7 @@
                         </a:spcAft>
                         <a:buNone/>
                       </a:pPr>
-                      <a:endParaRPr sz="1800"/>
+                      <a:endParaRPr sz="1400" dirty="0"/>
                     </a:p>
                   </a:txBody>
                   <a:tcPr marL="91425" marR="91425" marT="91425" marB="91425"/>
@@ -9870,7 +10558,7 @@
     </p:spTree>
     <p:extLst>
       <p:ext uri="{BB962C8B-B14F-4D97-AF65-F5344CB8AC3E}">
-        <p14:creationId xmlns:p14="http://schemas.microsoft.com/office/powerpoint/2010/main" val="2399237063"/>
+        <p14:creationId xmlns:p14="http://schemas.microsoft.com/office/powerpoint/2010/main" val="4054500598"/>
       </p:ext>
     </p:extLst>
   </p:cSld>
@@ -9880,7 +10568,222 @@
 </p:sld>
 </file>
 
-<file path=ppt/slides/slide16.xml><?xml version="1.0" encoding="utf-8"?>
+<file path=ppt/slides/slide17.xml><?xml version="1.0" encoding="utf-8"?>
+<p:sld xmlns:a="http://schemas.openxmlformats.org/drawingml/2006/main" xmlns:r="http://schemas.openxmlformats.org/officeDocument/2006/relationships" xmlns:p="http://schemas.openxmlformats.org/presentationml/2006/main">
+  <p:cSld>
+    <p:spTree>
+      <p:nvGrpSpPr>
+        <p:cNvPr id="1" name="Shape 77"/>
+        <p:cNvGrpSpPr/>
+        <p:nvPr/>
+      </p:nvGrpSpPr>
+      <p:grpSpPr>
+        <a:xfrm>
+          <a:off x="0" y="0"/>
+          <a:ext cx="0" cy="0"/>
+          <a:chOff x="0" y="0"/>
+          <a:chExt cx="0" cy="0"/>
+        </a:xfrm>
+      </p:grpSpPr>
+      <p:sp>
+        <p:nvSpPr>
+          <p:cNvPr id="78" name="Google Shape;78;p17"/>
+          <p:cNvSpPr txBox="1">
+            <a:spLocks noGrp="1"/>
+          </p:cNvSpPr>
+          <p:nvPr>
+            <p:ph type="title"/>
+          </p:nvPr>
+        </p:nvSpPr>
+        <p:spPr>
+          <a:xfrm>
+            <a:off x="311700" y="0"/>
+            <a:ext cx="8520600" cy="572700"/>
+          </a:xfrm>
+          <a:prstGeom prst="rect">
+            <a:avLst/>
+          </a:prstGeom>
+        </p:spPr>
+        <p:txBody>
+          <a:bodyPr spcFirstLastPara="1" wrap="square" lIns="91425" tIns="91425" rIns="91425" bIns="91425" anchor="t" anchorCtr="0">
+            <a:noAutofit/>
+          </a:bodyPr>
+          <a:lstStyle/>
+          <a:p>
+            <a:pPr marL="0" lvl="0" indent="0" algn="l" rtl="0">
+              <a:spcBef>
+                <a:spcPts val="0"/>
+              </a:spcBef>
+              <a:spcAft>
+                <a:spcPts val="0"/>
+              </a:spcAft>
+              <a:buNone/>
+            </a:pPr>
+            <a:r>
+              <a:rPr lang="en" dirty="0"/>
+              <a:t>Component 3 version 1 - Test Plan (?and screenshot)</a:t>
+            </a:r>
+            <a:endParaRPr dirty="0"/>
+          </a:p>
+        </p:txBody>
+      </p:sp>
+      <p:graphicFrame>
+        <p:nvGraphicFramePr>
+          <p:cNvPr id="79" name="Google Shape;79;p17"/>
+          <p:cNvGraphicFramePr/>
+          <p:nvPr/>
+        </p:nvGraphicFramePr>
+        <p:xfrm>
+          <a:off x="311700" y="3201728"/>
+          <a:ext cx="8520600" cy="914340"/>
+        </p:xfrm>
+        <a:graphic>
+          <a:graphicData uri="http://schemas.openxmlformats.org/drawingml/2006/table">
+            <a:tbl>
+              <a:tblPr>
+                <a:noFill/>
+                <a:tableStyleId>{E1099E06-0E6B-448D-9D27-60429F06E6F4}</a:tableStyleId>
+              </a:tblPr>
+              <a:tblGrid>
+                <a:gridCol w="4260300">
+                  <a:extLst>
+                    <a:ext uri="{9D8B030D-6E8A-4147-A177-3AD203B41FA5}">
+                      <a16:colId xmlns:a16="http://schemas.microsoft.com/office/drawing/2014/main" val="20000"/>
+                    </a:ext>
+                  </a:extLst>
+                </a:gridCol>
+                <a:gridCol w="4260300">
+                  <a:extLst>
+                    <a:ext uri="{9D8B030D-6E8A-4147-A177-3AD203B41FA5}">
+                      <a16:colId xmlns:a16="http://schemas.microsoft.com/office/drawing/2014/main" val="20001"/>
+                    </a:ext>
+                  </a:extLst>
+                </a:gridCol>
+              </a:tblGrid>
+              <a:tr h="381000">
+                <a:tc>
+                  <a:txBody>
+                    <a:bodyPr/>
+                    <a:lstStyle/>
+                    <a:p>
+                      <a:pPr marL="0" lvl="0" indent="0" algn="l" rtl="0">
+                        <a:spcBef>
+                          <a:spcPts val="0"/>
+                        </a:spcBef>
+                        <a:spcAft>
+                          <a:spcPts val="0"/>
+                        </a:spcAft>
+                        <a:buNone/>
+                      </a:pPr>
+                      <a:r>
+                        <a:rPr lang="en" sz="1800" b="1" dirty="0"/>
+                        <a:t>Test Case</a:t>
+                      </a:r>
+                      <a:endParaRPr sz="1800" b="1" dirty="0"/>
+                    </a:p>
+                  </a:txBody>
+                  <a:tcPr marL="91425" marR="91425" marT="91425" marB="91425">
+                    <a:solidFill>
+                      <a:srgbClr val="CCCCCC"/>
+                    </a:solidFill>
+                  </a:tcPr>
+                </a:tc>
+                <a:tc>
+                  <a:txBody>
+                    <a:bodyPr/>
+                    <a:lstStyle/>
+                    <a:p>
+                      <a:pPr marL="0" lvl="0" indent="0" algn="l" rtl="0">
+                        <a:spcBef>
+                          <a:spcPts val="0"/>
+                        </a:spcBef>
+                        <a:spcAft>
+                          <a:spcPts val="0"/>
+                        </a:spcAft>
+                        <a:buNone/>
+                      </a:pPr>
+                      <a:r>
+                        <a:rPr lang="en" sz="1800" b="1"/>
+                        <a:t>Expected Values</a:t>
+                      </a:r>
+                      <a:endParaRPr sz="1800" b="1"/>
+                    </a:p>
+                  </a:txBody>
+                  <a:tcPr marL="91425" marR="91425" marT="91425" marB="91425">
+                    <a:solidFill>
+                      <a:srgbClr val="CCCCCC"/>
+                    </a:solidFill>
+                  </a:tcPr>
+                </a:tc>
+                <a:extLst>
+                  <a:ext uri="{0D108BD9-81ED-4DB2-BD59-A6C34878D82A}">
+                    <a16:rowId xmlns:a16="http://schemas.microsoft.com/office/drawing/2014/main" val="10000"/>
+                  </a:ext>
+                </a:extLst>
+              </a:tr>
+              <a:tr h="286382">
+                <a:tc>
+                  <a:txBody>
+                    <a:bodyPr/>
+                    <a:lstStyle/>
+                    <a:p>
+                      <a:pPr marL="0" lvl="0" indent="0" algn="l" rtl="0">
+                        <a:spcBef>
+                          <a:spcPts val="0"/>
+                        </a:spcBef>
+                        <a:spcAft>
+                          <a:spcPts val="0"/>
+                        </a:spcAft>
+                        <a:buNone/>
+                      </a:pPr>
+                      <a:endParaRPr sz="1800" dirty="0"/>
+                    </a:p>
+                  </a:txBody>
+                  <a:tcPr marL="91425" marR="91425" marT="91425" marB="91425"/>
+                </a:tc>
+                <a:tc>
+                  <a:txBody>
+                    <a:bodyPr/>
+                    <a:lstStyle/>
+                    <a:p>
+                      <a:pPr marL="0" lvl="0" indent="0" algn="l" rtl="0">
+                        <a:spcBef>
+                          <a:spcPts val="0"/>
+                        </a:spcBef>
+                        <a:spcAft>
+                          <a:spcPts val="0"/>
+                        </a:spcAft>
+                        <a:buNone/>
+                      </a:pPr>
+                      <a:endParaRPr sz="1400" dirty="0"/>
+                    </a:p>
+                  </a:txBody>
+                  <a:tcPr marL="91425" marR="91425" marT="91425" marB="91425"/>
+                </a:tc>
+                <a:extLst>
+                  <a:ext uri="{0D108BD9-81ED-4DB2-BD59-A6C34878D82A}">
+                    <a16:rowId xmlns:a16="http://schemas.microsoft.com/office/drawing/2014/main" val="10001"/>
+                  </a:ext>
+                </a:extLst>
+              </a:tr>
+            </a:tbl>
+          </a:graphicData>
+        </a:graphic>
+      </p:graphicFrame>
+    </p:spTree>
+    <p:extLst>
+      <p:ext uri="{BB962C8B-B14F-4D97-AF65-F5344CB8AC3E}">
+        <p14:creationId xmlns:p14="http://schemas.microsoft.com/office/powerpoint/2010/main" val="1840068169"/>
+      </p:ext>
+    </p:extLst>
+  </p:cSld>
+  <p:clrMapOvr>
+    <a:masterClrMapping/>
+  </p:clrMapOvr>
+</p:sld>
+</file>
+
+<file path=ppt/slides/slide18.xml><?xml version="1.0" encoding="utf-8"?>
 <p:sld xmlns:a="http://schemas.openxmlformats.org/drawingml/2006/main" xmlns:r="http://schemas.openxmlformats.org/officeDocument/2006/relationships" xmlns:p="http://schemas.openxmlformats.org/presentationml/2006/main">
   <p:cSld>
     <p:bg>
@@ -9960,7 +10863,7 @@
 </p:sld>
 </file>
 
-<file path=ppt/slides/slide17.xml><?xml version="1.0" encoding="utf-8"?>
+<file path=ppt/slides/slide19.xml><?xml version="1.0" encoding="utf-8"?>
 <p:sld xmlns:a="http://schemas.openxmlformats.org/drawingml/2006/main" xmlns:r="http://schemas.openxmlformats.org/officeDocument/2006/relationships" xmlns:p="http://schemas.openxmlformats.org/presentationml/2006/main">
   <p:cSld>
     <p:bg>
@@ -10066,85 +10969,6 @@
               <a:t>Your version control evidence should go here.  This could be in the form of annotated screenshots which show you you managed this process or you could make a brief screencast explaining how you implemented version control.</a:t>
             </a:r>
             <a:endParaRPr i="1"/>
-          </a:p>
-        </p:txBody>
-      </p:sp>
-    </p:spTree>
-  </p:cSld>
-  <p:clrMapOvr>
-    <a:masterClrMapping/>
-  </p:clrMapOvr>
-</p:sld>
-</file>
-
-<file path=ppt/slides/slide18.xml><?xml version="1.0" encoding="utf-8"?>
-<p:sld xmlns:a="http://schemas.openxmlformats.org/drawingml/2006/main" xmlns:r="http://schemas.openxmlformats.org/officeDocument/2006/relationships" xmlns:p="http://schemas.openxmlformats.org/presentationml/2006/main">
-  <p:cSld>
-    <p:bg>
-      <p:bgPr>
-        <a:solidFill>
-          <a:srgbClr val="FFE599"/>
-        </a:solidFill>
-        <a:effectLst/>
-      </p:bgPr>
-    </p:bg>
-    <p:spTree>
-      <p:nvGrpSpPr>
-        <p:cNvPr id="1" name="Shape 89"/>
-        <p:cNvGrpSpPr/>
-        <p:nvPr/>
-      </p:nvGrpSpPr>
-      <p:grpSpPr>
-        <a:xfrm>
-          <a:off x="0" y="0"/>
-          <a:ext cx="0" cy="0"/>
-          <a:chOff x="0" y="0"/>
-          <a:chExt cx="0" cy="0"/>
-        </a:xfrm>
-      </p:grpSpPr>
-      <p:sp>
-        <p:nvSpPr>
-          <p:cNvPr id="90" name="Google Shape;90;p19"/>
-          <p:cNvSpPr txBox="1">
-            <a:spLocks noGrp="1"/>
-          </p:cNvSpPr>
-          <p:nvPr>
-            <p:ph type="body" idx="1"/>
-          </p:nvPr>
-        </p:nvSpPr>
-        <p:spPr>
-          <a:xfrm>
-            <a:off x="311700" y="397700"/>
-            <a:ext cx="8520600" cy="4171200"/>
-          </a:xfrm>
-          <a:prstGeom prst="rect">
-            <a:avLst/>
-          </a:prstGeom>
-        </p:spPr>
-        <p:txBody>
-          <a:bodyPr spcFirstLastPara="1" wrap="square" lIns="91425" tIns="91425" rIns="91425" bIns="91425" anchor="t" anchorCtr="0">
-            <a:noAutofit/>
-          </a:bodyPr>
-          <a:lstStyle/>
-          <a:p>
-            <a:pPr marL="0" lvl="0" indent="0" algn="l" rtl="0">
-              <a:spcBef>
-                <a:spcPts val="0"/>
-              </a:spcBef>
-              <a:spcAft>
-                <a:spcPts val="1600"/>
-              </a:spcAft>
-              <a:buNone/>
-            </a:pPr>
-            <a:r>
-              <a:rPr lang="en" b="1" i="1">
-                <a:solidFill>
-                  <a:srgbClr val="595959"/>
-                </a:solidFill>
-              </a:rPr>
-              <a:t>Discusses how the information from planning, testing and trialling of components assisted in the development of a high-quality outcome</a:t>
-            </a:r>
-            <a:endParaRPr/>
           </a:p>
         </p:txBody>
       </p:sp>
@@ -10307,6 +11131,85 @@
               <a:t> to learn how to do this.</a:t>
             </a:r>
             <a:endParaRPr dirty="0"/>
+          </a:p>
+        </p:txBody>
+      </p:sp>
+    </p:spTree>
+  </p:cSld>
+  <p:clrMapOvr>
+    <a:masterClrMapping/>
+  </p:clrMapOvr>
+</p:sld>
+</file>
+
+<file path=ppt/slides/slide20.xml><?xml version="1.0" encoding="utf-8"?>
+<p:sld xmlns:a="http://schemas.openxmlformats.org/drawingml/2006/main" xmlns:r="http://schemas.openxmlformats.org/officeDocument/2006/relationships" xmlns:p="http://schemas.openxmlformats.org/presentationml/2006/main">
+  <p:cSld>
+    <p:bg>
+      <p:bgPr>
+        <a:solidFill>
+          <a:srgbClr val="FFE599"/>
+        </a:solidFill>
+        <a:effectLst/>
+      </p:bgPr>
+    </p:bg>
+    <p:spTree>
+      <p:nvGrpSpPr>
+        <p:cNvPr id="1" name="Shape 89"/>
+        <p:cNvGrpSpPr/>
+        <p:nvPr/>
+      </p:nvGrpSpPr>
+      <p:grpSpPr>
+        <a:xfrm>
+          <a:off x="0" y="0"/>
+          <a:ext cx="0" cy="0"/>
+          <a:chOff x="0" y="0"/>
+          <a:chExt cx="0" cy="0"/>
+        </a:xfrm>
+      </p:grpSpPr>
+      <p:sp>
+        <p:nvSpPr>
+          <p:cNvPr id="90" name="Google Shape;90;p19"/>
+          <p:cNvSpPr txBox="1">
+            <a:spLocks noGrp="1"/>
+          </p:cNvSpPr>
+          <p:nvPr>
+            <p:ph type="body" idx="1"/>
+          </p:nvPr>
+        </p:nvSpPr>
+        <p:spPr>
+          <a:xfrm>
+            <a:off x="311700" y="397700"/>
+            <a:ext cx="8520600" cy="4171200"/>
+          </a:xfrm>
+          <a:prstGeom prst="rect">
+            <a:avLst/>
+          </a:prstGeom>
+        </p:spPr>
+        <p:txBody>
+          <a:bodyPr spcFirstLastPara="1" wrap="square" lIns="91425" tIns="91425" rIns="91425" bIns="91425" anchor="t" anchorCtr="0">
+            <a:noAutofit/>
+          </a:bodyPr>
+          <a:lstStyle/>
+          <a:p>
+            <a:pPr marL="0" lvl="0" indent="0" algn="l" rtl="0">
+              <a:spcBef>
+                <a:spcPts val="0"/>
+              </a:spcBef>
+              <a:spcAft>
+                <a:spcPts val="1600"/>
+              </a:spcAft>
+              <a:buNone/>
+            </a:pPr>
+            <a:r>
+              <a:rPr lang="en" b="1" i="1">
+                <a:solidFill>
+                  <a:srgbClr val="595959"/>
+                </a:solidFill>
+              </a:rPr>
+              <a:t>Discusses how the information from planning, testing and trialling of components assisted in the development of a high-quality outcome</a:t>
+            </a:r>
+            <a:endParaRPr/>
           </a:p>
         </p:txBody>
       </p:sp>
